--- a/06.Networking/06-Networking.pptx
+++ b/06.Networking/06-Networking.pptx
@@ -4,14 +4,19 @@
   <p:sldMasterIdLst>
     <p:sldMasterId id="2147483648" r:id="rId1"/>
   </p:sldMasterIdLst>
+  <p:notesMasterIdLst>
+    <p:notesMasterId r:id="rId11"/>
+  </p:notesMasterIdLst>
   <p:sldIdLst>
     <p:sldId id="256" r:id="rId2"/>
-    <p:sldId id="271" r:id="rId3"/>
-    <p:sldId id="266" r:id="rId4"/>
-    <p:sldId id="258" r:id="rId5"/>
-    <p:sldId id="257" r:id="rId6"/>
-    <p:sldId id="272" r:id="rId7"/>
-    <p:sldId id="273" r:id="rId8"/>
+    <p:sldId id="275" r:id="rId3"/>
+    <p:sldId id="274" r:id="rId4"/>
+    <p:sldId id="271" r:id="rId5"/>
+    <p:sldId id="266" r:id="rId6"/>
+    <p:sldId id="258" r:id="rId7"/>
+    <p:sldId id="257" r:id="rId8"/>
+    <p:sldId id="272" r:id="rId9"/>
+    <p:sldId id="273" r:id="rId10"/>
   </p:sldIdLst>
   <p:sldSz cx="9144000" cy="6858000" type="screen4x3"/>
   <p:notesSz cx="6858000" cy="9144000"/>
@@ -129,6 +134,356 @@
 </p:presentation>
 </file>
 
+<file path=ppt/notesMasters/notesMaster1.xml><?xml version="1.0" encoding="utf-8"?>
+<p:notesMaster xmlns:a="http://schemas.openxmlformats.org/drawingml/2006/main" xmlns:r="http://schemas.openxmlformats.org/officeDocument/2006/relationships" xmlns:p="http://schemas.openxmlformats.org/presentationml/2006/main">
+  <p:cSld>
+    <p:bg>
+      <p:bgRef idx="1001">
+        <a:schemeClr val="bg1"/>
+      </p:bgRef>
+    </p:bg>
+    <p:spTree>
+      <p:nvGrpSpPr>
+        <p:cNvPr id="1" name=""/>
+        <p:cNvGrpSpPr/>
+        <p:nvPr/>
+      </p:nvGrpSpPr>
+      <p:grpSpPr>
+        <a:xfrm>
+          <a:off x="0" y="0"/>
+          <a:ext cx="0" cy="0"/>
+          <a:chOff x="0" y="0"/>
+          <a:chExt cx="0" cy="0"/>
+        </a:xfrm>
+      </p:grpSpPr>
+      <p:sp>
+        <p:nvSpPr>
+          <p:cNvPr id="2" name="Header Placeholder 1"/>
+          <p:cNvSpPr>
+            <a:spLocks noGrp="1"/>
+          </p:cNvSpPr>
+          <p:nvPr>
+            <p:ph type="hdr" sz="quarter"/>
+          </p:nvPr>
+        </p:nvSpPr>
+        <p:spPr>
+          <a:xfrm>
+            <a:off x="0" y="0"/>
+            <a:ext cx="2971800" cy="458788"/>
+          </a:xfrm>
+          <a:prstGeom prst="rect">
+            <a:avLst/>
+          </a:prstGeom>
+        </p:spPr>
+        <p:txBody>
+          <a:bodyPr vert="horz" lIns="91440" tIns="45720" rIns="91440" bIns="45720" rtlCol="0"/>
+          <a:lstStyle>
+            <a:lvl1pPr algn="l">
+              <a:defRPr sz="1200"/>
+            </a:lvl1pPr>
+          </a:lstStyle>
+          <a:p>
+            <a:endParaRPr lang="en-US"/>
+          </a:p>
+        </p:txBody>
+      </p:sp>
+      <p:sp>
+        <p:nvSpPr>
+          <p:cNvPr id="3" name="Date Placeholder 2"/>
+          <p:cNvSpPr>
+            <a:spLocks noGrp="1"/>
+          </p:cNvSpPr>
+          <p:nvPr>
+            <p:ph type="dt" idx="1"/>
+          </p:nvPr>
+        </p:nvSpPr>
+        <p:spPr>
+          <a:xfrm>
+            <a:off x="3884613" y="0"/>
+            <a:ext cx="2971800" cy="458788"/>
+          </a:xfrm>
+          <a:prstGeom prst="rect">
+            <a:avLst/>
+          </a:prstGeom>
+        </p:spPr>
+        <p:txBody>
+          <a:bodyPr vert="horz" lIns="91440" tIns="45720" rIns="91440" bIns="45720" rtlCol="0"/>
+          <a:lstStyle>
+            <a:lvl1pPr algn="r">
+              <a:defRPr sz="1200"/>
+            </a:lvl1pPr>
+          </a:lstStyle>
+          <a:p>
+            <a:fld id="{F75B78E0-CD5B-164B-84D5-F7B3D2B49E85}" type="datetimeFigureOut">
+              <a:rPr lang="en-US" smtClean="0"/>
+              <a:t>4/10/17</a:t>
+            </a:fld>
+            <a:endParaRPr lang="en-US"/>
+          </a:p>
+        </p:txBody>
+      </p:sp>
+      <p:sp>
+        <p:nvSpPr>
+          <p:cNvPr id="4" name="Slide Image Placeholder 3"/>
+          <p:cNvSpPr>
+            <a:spLocks noGrp="1" noRot="1" noChangeAspect="1"/>
+          </p:cNvSpPr>
+          <p:nvPr>
+            <p:ph type="sldImg" idx="2"/>
+          </p:nvPr>
+        </p:nvSpPr>
+        <p:spPr>
+          <a:xfrm>
+            <a:off x="1371600" y="1143000"/>
+            <a:ext cx="4114800" cy="3086100"/>
+          </a:xfrm>
+          <a:prstGeom prst="rect">
+            <a:avLst/>
+          </a:prstGeom>
+          <a:noFill/>
+          <a:ln w="12700">
+            <a:solidFill>
+              <a:prstClr val="black"/>
+            </a:solidFill>
+          </a:ln>
+        </p:spPr>
+        <p:txBody>
+          <a:bodyPr vert="horz" lIns="91440" tIns="45720" rIns="91440" bIns="45720" rtlCol="0" anchor="ctr"/>
+          <a:lstStyle/>
+          <a:p>
+            <a:endParaRPr lang="en-US"/>
+          </a:p>
+        </p:txBody>
+      </p:sp>
+      <p:sp>
+        <p:nvSpPr>
+          <p:cNvPr id="5" name="Notes Placeholder 4"/>
+          <p:cNvSpPr>
+            <a:spLocks noGrp="1"/>
+          </p:cNvSpPr>
+          <p:nvPr>
+            <p:ph type="body" sz="quarter" idx="3"/>
+          </p:nvPr>
+        </p:nvSpPr>
+        <p:spPr>
+          <a:xfrm>
+            <a:off x="685800" y="4400550"/>
+            <a:ext cx="5486400" cy="3600450"/>
+          </a:xfrm>
+          <a:prstGeom prst="rect">
+            <a:avLst/>
+          </a:prstGeom>
+        </p:spPr>
+        <p:txBody>
+          <a:bodyPr vert="horz" lIns="91440" tIns="45720" rIns="91440" bIns="45720" rtlCol="0"/>
+          <a:lstStyle/>
+          <a:p>
+            <a:pPr lvl="0"/>
+            <a:r>
+              <a:rPr lang="en-US" smtClean="0"/>
+              <a:t>Click to edit Master text styles</a:t>
+            </a:r>
+          </a:p>
+          <a:p>
+            <a:pPr lvl="1"/>
+            <a:r>
+              <a:rPr lang="en-US" smtClean="0"/>
+              <a:t>Second level</a:t>
+            </a:r>
+          </a:p>
+          <a:p>
+            <a:pPr lvl="2"/>
+            <a:r>
+              <a:rPr lang="en-US" smtClean="0"/>
+              <a:t>Third level</a:t>
+            </a:r>
+          </a:p>
+          <a:p>
+            <a:pPr lvl="3"/>
+            <a:r>
+              <a:rPr lang="en-US" smtClean="0"/>
+              <a:t>Fourth level</a:t>
+            </a:r>
+          </a:p>
+          <a:p>
+            <a:pPr lvl="4"/>
+            <a:r>
+              <a:rPr lang="en-US" smtClean="0"/>
+              <a:t>Fifth level</a:t>
+            </a:r>
+            <a:endParaRPr lang="en-US"/>
+          </a:p>
+        </p:txBody>
+      </p:sp>
+      <p:sp>
+        <p:nvSpPr>
+          <p:cNvPr id="6" name="Footer Placeholder 5"/>
+          <p:cNvSpPr>
+            <a:spLocks noGrp="1"/>
+          </p:cNvSpPr>
+          <p:nvPr>
+            <p:ph type="ftr" sz="quarter" idx="4"/>
+          </p:nvPr>
+        </p:nvSpPr>
+        <p:spPr>
+          <a:xfrm>
+            <a:off x="0" y="8685213"/>
+            <a:ext cx="2971800" cy="458787"/>
+          </a:xfrm>
+          <a:prstGeom prst="rect">
+            <a:avLst/>
+          </a:prstGeom>
+        </p:spPr>
+        <p:txBody>
+          <a:bodyPr vert="horz" lIns="91440" tIns="45720" rIns="91440" bIns="45720" rtlCol="0" anchor="b"/>
+          <a:lstStyle>
+            <a:lvl1pPr algn="l">
+              <a:defRPr sz="1200"/>
+            </a:lvl1pPr>
+          </a:lstStyle>
+          <a:p>
+            <a:endParaRPr lang="en-US"/>
+          </a:p>
+        </p:txBody>
+      </p:sp>
+      <p:sp>
+        <p:nvSpPr>
+          <p:cNvPr id="7" name="Slide Number Placeholder 6"/>
+          <p:cNvSpPr>
+            <a:spLocks noGrp="1"/>
+          </p:cNvSpPr>
+          <p:nvPr>
+            <p:ph type="sldNum" sz="quarter" idx="5"/>
+          </p:nvPr>
+        </p:nvSpPr>
+        <p:spPr>
+          <a:xfrm>
+            <a:off x="3884613" y="8685213"/>
+            <a:ext cx="2971800" cy="458787"/>
+          </a:xfrm>
+          <a:prstGeom prst="rect">
+            <a:avLst/>
+          </a:prstGeom>
+        </p:spPr>
+        <p:txBody>
+          <a:bodyPr vert="horz" lIns="91440" tIns="45720" rIns="91440" bIns="45720" rtlCol="0" anchor="b"/>
+          <a:lstStyle>
+            <a:lvl1pPr algn="r">
+              <a:defRPr sz="1200"/>
+            </a:lvl1pPr>
+          </a:lstStyle>
+          <a:p>
+            <a:fld id="{EBB128DE-ABD0-9340-9AA1-5820D4975269}" type="slidenum">
+              <a:rPr lang="en-US" smtClean="0"/>
+              <a:t>‹#›</a:t>
+            </a:fld>
+            <a:endParaRPr lang="en-US"/>
+          </a:p>
+        </p:txBody>
+      </p:sp>
+    </p:spTree>
+    <p:extLst>
+      <p:ext uri="{BB962C8B-B14F-4D97-AF65-F5344CB8AC3E}">
+        <p14:creationId xmlns:p14="http://schemas.microsoft.com/office/powerpoint/2010/main" val="267510460"/>
+      </p:ext>
+    </p:extLst>
+  </p:cSld>
+  <p:clrMap bg1="lt1" tx1="dk1" bg2="lt2" tx2="dk2" accent1="accent1" accent2="accent2" accent3="accent3" accent4="accent4" accent5="accent5" accent6="accent6" hlink="hlink" folHlink="folHlink"/>
+  <p:notesStyle>
+    <a:lvl1pPr marL="0" algn="l" defTabSz="914400" rtl="0" eaLnBrk="1" latinLnBrk="0" hangingPunct="1">
+      <a:defRPr sz="1200" kern="1200">
+        <a:solidFill>
+          <a:schemeClr val="tx1"/>
+        </a:solidFill>
+        <a:latin typeface="+mn-lt"/>
+        <a:ea typeface="+mn-ea"/>
+        <a:cs typeface="+mn-cs"/>
+      </a:defRPr>
+    </a:lvl1pPr>
+    <a:lvl2pPr marL="457200" algn="l" defTabSz="914400" rtl="0" eaLnBrk="1" latinLnBrk="0" hangingPunct="1">
+      <a:defRPr sz="1200" kern="1200">
+        <a:solidFill>
+          <a:schemeClr val="tx1"/>
+        </a:solidFill>
+        <a:latin typeface="+mn-lt"/>
+        <a:ea typeface="+mn-ea"/>
+        <a:cs typeface="+mn-cs"/>
+      </a:defRPr>
+    </a:lvl2pPr>
+    <a:lvl3pPr marL="914400" algn="l" defTabSz="914400" rtl="0" eaLnBrk="1" latinLnBrk="0" hangingPunct="1">
+      <a:defRPr sz="1200" kern="1200">
+        <a:solidFill>
+          <a:schemeClr val="tx1"/>
+        </a:solidFill>
+        <a:latin typeface="+mn-lt"/>
+        <a:ea typeface="+mn-ea"/>
+        <a:cs typeface="+mn-cs"/>
+      </a:defRPr>
+    </a:lvl3pPr>
+    <a:lvl4pPr marL="1371600" algn="l" defTabSz="914400" rtl="0" eaLnBrk="1" latinLnBrk="0" hangingPunct="1">
+      <a:defRPr sz="1200" kern="1200">
+        <a:solidFill>
+          <a:schemeClr val="tx1"/>
+        </a:solidFill>
+        <a:latin typeface="+mn-lt"/>
+        <a:ea typeface="+mn-ea"/>
+        <a:cs typeface="+mn-cs"/>
+      </a:defRPr>
+    </a:lvl4pPr>
+    <a:lvl5pPr marL="1828800" algn="l" defTabSz="914400" rtl="0" eaLnBrk="1" latinLnBrk="0" hangingPunct="1">
+      <a:defRPr sz="1200" kern="1200">
+        <a:solidFill>
+          <a:schemeClr val="tx1"/>
+        </a:solidFill>
+        <a:latin typeface="+mn-lt"/>
+        <a:ea typeface="+mn-ea"/>
+        <a:cs typeface="+mn-cs"/>
+      </a:defRPr>
+    </a:lvl5pPr>
+    <a:lvl6pPr marL="2286000" algn="l" defTabSz="914400" rtl="0" eaLnBrk="1" latinLnBrk="0" hangingPunct="1">
+      <a:defRPr sz="1200" kern="1200">
+        <a:solidFill>
+          <a:schemeClr val="tx1"/>
+        </a:solidFill>
+        <a:latin typeface="+mn-lt"/>
+        <a:ea typeface="+mn-ea"/>
+        <a:cs typeface="+mn-cs"/>
+      </a:defRPr>
+    </a:lvl6pPr>
+    <a:lvl7pPr marL="2743200" algn="l" defTabSz="914400" rtl="0" eaLnBrk="1" latinLnBrk="0" hangingPunct="1">
+      <a:defRPr sz="1200" kern="1200">
+        <a:solidFill>
+          <a:schemeClr val="tx1"/>
+        </a:solidFill>
+        <a:latin typeface="+mn-lt"/>
+        <a:ea typeface="+mn-ea"/>
+        <a:cs typeface="+mn-cs"/>
+      </a:defRPr>
+    </a:lvl7pPr>
+    <a:lvl8pPr marL="3200400" algn="l" defTabSz="914400" rtl="0" eaLnBrk="1" latinLnBrk="0" hangingPunct="1">
+      <a:defRPr sz="1200" kern="1200">
+        <a:solidFill>
+          <a:schemeClr val="tx1"/>
+        </a:solidFill>
+        <a:latin typeface="+mn-lt"/>
+        <a:ea typeface="+mn-ea"/>
+        <a:cs typeface="+mn-cs"/>
+      </a:defRPr>
+    </a:lvl8pPr>
+    <a:lvl9pPr marL="3657600" algn="l" defTabSz="914400" rtl="0" eaLnBrk="1" latinLnBrk="0" hangingPunct="1">
+      <a:defRPr sz="1200" kern="1200">
+        <a:solidFill>
+          <a:schemeClr val="tx1"/>
+        </a:solidFill>
+        <a:latin typeface="+mn-lt"/>
+        <a:ea typeface="+mn-ea"/>
+        <a:cs typeface="+mn-cs"/>
+      </a:defRPr>
+    </a:lvl9pPr>
+  </p:notesStyle>
+</p:notesMaster>
+</file>
+
 <file path=ppt/slideLayouts/slideLayout1.xml><?xml version="1.0" encoding="utf-8"?>
 <p:sldLayout xmlns:a="http://schemas.openxmlformats.org/drawingml/2006/main" xmlns:r="http://schemas.openxmlformats.org/officeDocument/2006/relationships" xmlns:p="http://schemas.openxmlformats.org/presentationml/2006/main" type="title" preserve="1">
   <p:cSld name="Title Slide">
@@ -310,7 +665,7 @@
           <a:p>
             <a:fld id="{3EA744D9-3FBE-48D8-BF2A-85DF203E4D20}" type="datetimeFigureOut">
               <a:rPr lang="bg-BG" smtClean="0"/>
-              <a:t>20.03.17 г.</a:t>
+              <a:t>10.04.17 г.</a:t>
             </a:fld>
             <a:endParaRPr lang="bg-BG"/>
           </a:p>
@@ -480,7 +835,7 @@
           <a:p>
             <a:fld id="{3EA744D9-3FBE-48D8-BF2A-85DF203E4D20}" type="datetimeFigureOut">
               <a:rPr lang="bg-BG" smtClean="0"/>
-              <a:t>20.03.17 г.</a:t>
+              <a:t>10.04.17 г.</a:t>
             </a:fld>
             <a:endParaRPr lang="bg-BG"/>
           </a:p>
@@ -660,7 +1015,7 @@
           <a:p>
             <a:fld id="{3EA744D9-3FBE-48D8-BF2A-85DF203E4D20}" type="datetimeFigureOut">
               <a:rPr lang="bg-BG" smtClean="0"/>
-              <a:t>20.03.17 г.</a:t>
+              <a:t>10.04.17 г.</a:t>
             </a:fld>
             <a:endParaRPr lang="bg-BG"/>
           </a:p>
@@ -830,7 +1185,7 @@
           <a:p>
             <a:fld id="{3EA744D9-3FBE-48D8-BF2A-85DF203E4D20}" type="datetimeFigureOut">
               <a:rPr lang="bg-BG" smtClean="0"/>
-              <a:t>20.03.17 г.</a:t>
+              <a:t>10.04.17 г.</a:t>
             </a:fld>
             <a:endParaRPr lang="bg-BG"/>
           </a:p>
@@ -1076,7 +1431,7 @@
           <a:p>
             <a:fld id="{3EA744D9-3FBE-48D8-BF2A-85DF203E4D20}" type="datetimeFigureOut">
               <a:rPr lang="bg-BG" smtClean="0"/>
-              <a:t>20.03.17 г.</a:t>
+              <a:t>10.04.17 г.</a:t>
             </a:fld>
             <a:endParaRPr lang="bg-BG"/>
           </a:p>
@@ -1364,7 +1719,7 @@
           <a:p>
             <a:fld id="{3EA744D9-3FBE-48D8-BF2A-85DF203E4D20}" type="datetimeFigureOut">
               <a:rPr lang="bg-BG" smtClean="0"/>
-              <a:t>20.03.17 г.</a:t>
+              <a:t>10.04.17 г.</a:t>
             </a:fld>
             <a:endParaRPr lang="bg-BG"/>
           </a:p>
@@ -1786,7 +2141,7 @@
           <a:p>
             <a:fld id="{3EA744D9-3FBE-48D8-BF2A-85DF203E4D20}" type="datetimeFigureOut">
               <a:rPr lang="bg-BG" smtClean="0"/>
-              <a:t>20.03.17 г.</a:t>
+              <a:t>10.04.17 г.</a:t>
             </a:fld>
             <a:endParaRPr lang="bg-BG"/>
           </a:p>
@@ -1904,7 +2259,7 @@
           <a:p>
             <a:fld id="{3EA744D9-3FBE-48D8-BF2A-85DF203E4D20}" type="datetimeFigureOut">
               <a:rPr lang="bg-BG" smtClean="0"/>
-              <a:t>20.03.17 г.</a:t>
+              <a:t>10.04.17 г.</a:t>
             </a:fld>
             <a:endParaRPr lang="bg-BG"/>
           </a:p>
@@ -1999,7 +2354,7 @@
           <a:p>
             <a:fld id="{3EA744D9-3FBE-48D8-BF2A-85DF203E4D20}" type="datetimeFigureOut">
               <a:rPr lang="bg-BG" smtClean="0"/>
-              <a:t>20.03.17 г.</a:t>
+              <a:t>10.04.17 г.</a:t>
             </a:fld>
             <a:endParaRPr lang="bg-BG"/>
           </a:p>
@@ -2276,7 +2631,7 @@
           <a:p>
             <a:fld id="{3EA744D9-3FBE-48D8-BF2A-85DF203E4D20}" type="datetimeFigureOut">
               <a:rPr lang="bg-BG" smtClean="0"/>
-              <a:t>20.03.17 г.</a:t>
+              <a:t>10.04.17 г.</a:t>
             </a:fld>
             <a:endParaRPr lang="bg-BG"/>
           </a:p>
@@ -2529,7 +2884,7 @@
           <a:p>
             <a:fld id="{3EA744D9-3FBE-48D8-BF2A-85DF203E4D20}" type="datetimeFigureOut">
               <a:rPr lang="bg-BG" smtClean="0"/>
-              <a:t>20.03.17 г.</a:t>
+              <a:t>10.04.17 г.</a:t>
             </a:fld>
             <a:endParaRPr lang="bg-BG"/>
           </a:p>
@@ -2751,7 +3106,7 @@
           <a:p>
             <a:fld id="{3EA744D9-3FBE-48D8-BF2A-85DF203E4D20}" type="datetimeFigureOut">
               <a:rPr lang="bg-BG" smtClean="0"/>
-              <a:t>20.03.17 г.</a:t>
+              <a:t>10.04.17 г.</a:t>
             </a:fld>
             <a:endParaRPr lang="bg-BG"/>
           </a:p>
@@ -3138,6 +3493,972 @@
         </p:nvSpPr>
         <p:spPr>
           <a:xfrm>
+            <a:off x="457200" y="1588532"/>
+            <a:ext cx="7772400" cy="621267"/>
+          </a:xfrm>
+        </p:spPr>
+        <p:txBody>
+          <a:bodyPr>
+            <a:normAutofit fontScale="90000"/>
+          </a:bodyPr>
+          <a:lstStyle/>
+          <a:p>
+            <a:r>
+              <a:rPr lang="en-US" dirty="0" smtClean="0">
+                <a:solidFill>
+                  <a:schemeClr val="accent6"/>
+                </a:solidFill>
+              </a:rPr>
+              <a:t/>
+            </a:r>
+            <a:br>
+              <a:rPr lang="en-US" dirty="0" smtClean="0">
+                <a:solidFill>
+                  <a:schemeClr val="accent6"/>
+                </a:solidFill>
+              </a:rPr>
+            </a:br>
+            <a:r>
+              <a:rPr lang="en-US" sz="3100" dirty="0" smtClean="0">
+                <a:solidFill>
+                  <a:schemeClr val="accent6"/>
+                </a:solidFill>
+              </a:rPr>
+              <a:t/>
+            </a:r>
+            <a:br>
+              <a:rPr lang="en-US" sz="3100" dirty="0" smtClean="0">
+                <a:solidFill>
+                  <a:schemeClr val="accent6"/>
+                </a:solidFill>
+              </a:rPr>
+            </a:br>
+            <a:r>
+              <a:rPr lang="en-US" sz="3100" dirty="0" smtClean="0">
+                <a:solidFill>
+                  <a:schemeClr val="accent6"/>
+                </a:solidFill>
+              </a:rPr>
+              <a:t/>
+            </a:r>
+            <a:br>
+              <a:rPr lang="en-US" sz="3100" dirty="0" smtClean="0">
+                <a:solidFill>
+                  <a:schemeClr val="accent6"/>
+                </a:solidFill>
+              </a:rPr>
+            </a:br>
+            <a:r>
+              <a:rPr lang="en-US" sz="3100" dirty="0">
+                <a:solidFill>
+                  <a:schemeClr val="accent6"/>
+                </a:solidFill>
+              </a:rPr>
+              <a:t/>
+            </a:r>
+            <a:br>
+              <a:rPr lang="en-US" sz="3100" dirty="0">
+                <a:solidFill>
+                  <a:schemeClr val="accent6"/>
+                </a:solidFill>
+              </a:rPr>
+            </a:br>
+            <a:r>
+              <a:rPr lang="en-US" sz="3100" dirty="0" smtClean="0">
+                <a:solidFill>
+                  <a:schemeClr val="accent6"/>
+                </a:solidFill>
+              </a:rPr>
+              <a:t/>
+            </a:r>
+            <a:br>
+              <a:rPr lang="en-US" sz="3100" dirty="0" smtClean="0">
+                <a:solidFill>
+                  <a:schemeClr val="accent6"/>
+                </a:solidFill>
+              </a:rPr>
+            </a:br>
+            <a:r>
+              <a:rPr lang="en-US" sz="3100" dirty="0">
+                <a:solidFill>
+                  <a:schemeClr val="accent6"/>
+                </a:solidFill>
+              </a:rPr>
+              <a:t/>
+            </a:r>
+            <a:br>
+              <a:rPr lang="en-US" sz="3100" dirty="0">
+                <a:solidFill>
+                  <a:schemeClr val="accent6"/>
+                </a:solidFill>
+              </a:rPr>
+            </a:br>
+            <a:r>
+              <a:rPr lang="en-US" sz="3100" dirty="0" smtClean="0">
+                <a:solidFill>
+                  <a:schemeClr val="accent6"/>
+                </a:solidFill>
+              </a:rPr>
+              <a:t/>
+            </a:r>
+            <a:br>
+              <a:rPr lang="en-US" sz="3100" dirty="0" smtClean="0">
+                <a:solidFill>
+                  <a:schemeClr val="accent6"/>
+                </a:solidFill>
+              </a:rPr>
+            </a:br>
+            <a:r>
+              <a:rPr lang="en-US" sz="3100" dirty="0" smtClean="0">
+                <a:solidFill>
+                  <a:schemeClr val="accent6"/>
+                </a:solidFill>
+              </a:rPr>
+              <a:t/>
+            </a:r>
+            <a:br>
+              <a:rPr lang="en-US" sz="3100" dirty="0" smtClean="0">
+                <a:solidFill>
+                  <a:schemeClr val="accent6"/>
+                </a:solidFill>
+              </a:rPr>
+            </a:br>
+            <a:r>
+              <a:rPr lang="en-US" sz="2000" dirty="0" smtClean="0">
+                <a:solidFill>
+                  <a:schemeClr val="bg1"/>
+                </a:solidFill>
+              </a:rPr>
+              <a:t>TCIP/IP</a:t>
+            </a:r>
+            <a:r>
+              <a:rPr lang="en-US" sz="2000" dirty="0" smtClean="0">
+                <a:solidFill>
+                  <a:schemeClr val="accent6"/>
+                </a:solidFill>
+              </a:rPr>
+              <a:t> standards follow a four-layer network model</a:t>
+            </a:r>
+            <a:r>
+              <a:rPr lang="en-US" sz="2000" dirty="0" smtClean="0">
+                <a:solidFill>
+                  <a:schemeClr val="accent6"/>
+                </a:solidFill>
+              </a:rPr>
+              <a:t>:</a:t>
+            </a:r>
+            <a:br>
+              <a:rPr lang="en-US" sz="2000" dirty="0" smtClean="0">
+                <a:solidFill>
+                  <a:schemeClr val="accent6"/>
+                </a:solidFill>
+              </a:rPr>
+            </a:br>
+            <a:r>
+              <a:rPr lang="en-US" sz="2000" dirty="0" smtClean="0">
+                <a:solidFill>
+                  <a:schemeClr val="accent6"/>
+                </a:solidFill>
+              </a:rPr>
+              <a:t/>
+            </a:r>
+            <a:br>
+              <a:rPr lang="en-US" sz="2000" dirty="0" smtClean="0">
+                <a:solidFill>
+                  <a:schemeClr val="accent6"/>
+                </a:solidFill>
+              </a:rPr>
+            </a:br>
+            <a:r>
+              <a:rPr lang="en-US" sz="2000" dirty="0" smtClean="0">
+                <a:solidFill>
+                  <a:schemeClr val="accent6"/>
+                </a:solidFill>
+              </a:rPr>
+              <a:t>* </a:t>
+            </a:r>
+            <a:r>
+              <a:rPr lang="en-US" sz="2000" dirty="0" smtClean="0">
+                <a:solidFill>
+                  <a:schemeClr val="bg1"/>
+                </a:solidFill>
+              </a:rPr>
+              <a:t>Application</a:t>
+            </a:r>
+            <a:r>
+              <a:rPr lang="en-US" sz="2000" dirty="0" smtClean="0">
+                <a:solidFill>
+                  <a:schemeClr val="accent6"/>
+                </a:solidFill>
+              </a:rPr>
+              <a:t> =&gt; each application has specifications for communication so that client and servers may communicate across platforms. Common protocols, include </a:t>
+            </a:r>
+            <a:r>
+              <a:rPr lang="en-US" sz="2000" dirty="0" smtClean="0">
+                <a:solidFill>
+                  <a:schemeClr val="bg1"/>
+                </a:solidFill>
+              </a:rPr>
+              <a:t>SSH</a:t>
+            </a:r>
+            <a:r>
+              <a:rPr lang="en-US" sz="2000" dirty="0" smtClean="0">
+                <a:solidFill>
+                  <a:schemeClr val="accent6"/>
+                </a:solidFill>
+              </a:rPr>
+              <a:t>(remote login), </a:t>
+            </a:r>
+            <a:r>
+              <a:rPr lang="en-US" sz="2000" dirty="0" smtClean="0">
+                <a:solidFill>
+                  <a:schemeClr val="bg1"/>
+                </a:solidFill>
+              </a:rPr>
+              <a:t>HTTPS</a:t>
+            </a:r>
+            <a:r>
+              <a:rPr lang="en-US" sz="2000" dirty="0" smtClean="0">
+                <a:solidFill>
+                  <a:schemeClr val="accent6"/>
+                </a:solidFill>
+              </a:rPr>
+              <a:t>(secure web), </a:t>
+            </a:r>
+            <a:r>
+              <a:rPr lang="en-US" sz="2000" dirty="0" smtClean="0">
+                <a:solidFill>
+                  <a:schemeClr val="bg1"/>
+                </a:solidFill>
+              </a:rPr>
+              <a:t>NFS or CIFS</a:t>
+            </a:r>
+            <a:r>
+              <a:rPr lang="en-US" sz="2000" dirty="0" smtClean="0">
+                <a:solidFill>
+                  <a:schemeClr val="accent6"/>
+                </a:solidFill>
+              </a:rPr>
+              <a:t>(file sharing), </a:t>
+            </a:r>
+            <a:r>
+              <a:rPr lang="en-US" sz="2000" dirty="0" smtClean="0">
+                <a:solidFill>
+                  <a:schemeClr val="bg1"/>
+                </a:solidFill>
+              </a:rPr>
+              <a:t>SMTP</a:t>
+            </a:r>
+            <a:r>
+              <a:rPr lang="en-US" sz="2000" dirty="0" smtClean="0">
+                <a:solidFill>
+                  <a:schemeClr val="accent6"/>
+                </a:solidFill>
+              </a:rPr>
+              <a:t>(electronic mail delivery).</a:t>
+            </a:r>
+            <a:br>
+              <a:rPr lang="en-US" sz="2000" dirty="0" smtClean="0">
+                <a:solidFill>
+                  <a:schemeClr val="accent6"/>
+                </a:solidFill>
+              </a:rPr>
+            </a:br>
+            <a:r>
+              <a:rPr lang="en-US" sz="2000" dirty="0" smtClean="0">
+                <a:solidFill>
+                  <a:schemeClr val="accent6"/>
+                </a:solidFill>
+              </a:rPr>
+              <a:t/>
+            </a:r>
+            <a:br>
+              <a:rPr lang="en-US" sz="2000" dirty="0" smtClean="0">
+                <a:solidFill>
+                  <a:schemeClr val="accent6"/>
+                </a:solidFill>
+              </a:rPr>
+            </a:br>
+            <a:r>
+              <a:rPr lang="en-US" sz="2000" dirty="0" smtClean="0">
+                <a:solidFill>
+                  <a:schemeClr val="accent6"/>
+                </a:solidFill>
+              </a:rPr>
+              <a:t>* </a:t>
+            </a:r>
+            <a:r>
+              <a:rPr lang="en-US" sz="2000" dirty="0" smtClean="0">
+                <a:solidFill>
+                  <a:schemeClr val="bg1"/>
+                </a:solidFill>
+              </a:rPr>
+              <a:t>Transport</a:t>
+            </a:r>
+            <a:r>
+              <a:rPr lang="en-US" sz="2000" dirty="0" smtClean="0">
+                <a:solidFill>
+                  <a:schemeClr val="accent6"/>
+                </a:solidFill>
+              </a:rPr>
+              <a:t> =&gt; transport protocols are </a:t>
+            </a:r>
+            <a:r>
+              <a:rPr lang="en-US" sz="2000" dirty="0" smtClean="0">
+                <a:solidFill>
+                  <a:schemeClr val="bg1"/>
+                </a:solidFill>
+              </a:rPr>
+              <a:t>TCP</a:t>
+            </a:r>
+            <a:r>
+              <a:rPr lang="en-US" sz="2000" dirty="0" smtClean="0">
+                <a:solidFill>
+                  <a:schemeClr val="accent6"/>
+                </a:solidFill>
+              </a:rPr>
+              <a:t> and </a:t>
+            </a:r>
+            <a:r>
+              <a:rPr lang="en-US" sz="2000" dirty="0" smtClean="0">
+                <a:solidFill>
+                  <a:schemeClr val="bg1"/>
+                </a:solidFill>
+              </a:rPr>
+              <a:t>UDP</a:t>
+            </a:r>
+            <a:r>
+              <a:rPr lang="en-US" sz="2000" dirty="0" smtClean="0">
+                <a:solidFill>
+                  <a:schemeClr val="accent6"/>
+                </a:solidFill>
+              </a:rPr>
+              <a:t>. TCP is reliable connection-oriented protocol, while UDP is connectionless. Application protocols use </a:t>
+            </a:r>
+            <a:r>
+              <a:rPr lang="en-US" sz="2000" dirty="0" smtClean="0">
+                <a:solidFill>
+                  <a:schemeClr val="bg1"/>
+                </a:solidFill>
+              </a:rPr>
+              <a:t>TCP/UDP ports</a:t>
+            </a:r>
+            <a:r>
+              <a:rPr lang="en-US" sz="2000" dirty="0" smtClean="0">
+                <a:solidFill>
+                  <a:schemeClr val="accent6"/>
+                </a:solidFill>
+              </a:rPr>
+              <a:t>. A list of well-known and registered ports can be found in /</a:t>
+            </a:r>
+            <a:r>
+              <a:rPr lang="en-US" sz="2000" dirty="0" err="1" smtClean="0">
+                <a:solidFill>
+                  <a:schemeClr val="bg1"/>
+                </a:solidFill>
+              </a:rPr>
+              <a:t>etc</a:t>
+            </a:r>
+            <a:r>
+              <a:rPr lang="en-US" sz="2000" dirty="0" smtClean="0">
+                <a:solidFill>
+                  <a:schemeClr val="bg1"/>
+                </a:solidFill>
+              </a:rPr>
+              <a:t>/services file</a:t>
+            </a:r>
+            <a:r>
+              <a:rPr lang="en-US" sz="2000" dirty="0" smtClean="0">
+                <a:solidFill>
+                  <a:schemeClr val="accent6"/>
+                </a:solidFill>
+              </a:rPr>
+              <a:t>. When a packet is sent on the network, the combination of the service port and IP address forms a socket.</a:t>
+            </a:r>
+            <a:br>
+              <a:rPr lang="en-US" sz="2000" dirty="0" smtClean="0">
+                <a:solidFill>
+                  <a:schemeClr val="accent6"/>
+                </a:solidFill>
+              </a:rPr>
+            </a:br>
+            <a:r>
+              <a:rPr lang="en-US" sz="2000" dirty="0">
+                <a:solidFill>
+                  <a:schemeClr val="accent6"/>
+                </a:solidFill>
+              </a:rPr>
+              <a:t/>
+            </a:r>
+            <a:br>
+              <a:rPr lang="en-US" sz="2000" dirty="0">
+                <a:solidFill>
+                  <a:schemeClr val="accent6"/>
+                </a:solidFill>
+              </a:rPr>
+            </a:br>
+            <a:r>
+              <a:rPr lang="en-US" sz="2000" dirty="0" smtClean="0">
+                <a:solidFill>
+                  <a:schemeClr val="accent6"/>
+                </a:solidFill>
+              </a:rPr>
+              <a:t>*I</a:t>
+            </a:r>
+            <a:r>
+              <a:rPr lang="en-US" sz="2000" dirty="0" smtClean="0">
+                <a:solidFill>
+                  <a:schemeClr val="bg1"/>
+                </a:solidFill>
+              </a:rPr>
+              <a:t>nternet </a:t>
+            </a:r>
+            <a:r>
+              <a:rPr lang="en-US" sz="2000" dirty="0" smtClean="0">
+                <a:solidFill>
+                  <a:schemeClr val="accent6"/>
+                </a:solidFill>
+              </a:rPr>
+              <a:t>=&gt; caries data from the source host to the destination host.</a:t>
+            </a:r>
+            <a:br>
+              <a:rPr lang="en-US" sz="2000" dirty="0" smtClean="0">
+                <a:solidFill>
+                  <a:schemeClr val="accent6"/>
+                </a:solidFill>
+              </a:rPr>
+            </a:br>
+            <a:r>
+              <a:rPr lang="en-US" sz="2000" dirty="0" smtClean="0">
+                <a:solidFill>
+                  <a:schemeClr val="accent6"/>
+                </a:solidFill>
+              </a:rPr>
+              <a:t/>
+            </a:r>
+            <a:br>
+              <a:rPr lang="en-US" sz="2000" dirty="0" smtClean="0">
+                <a:solidFill>
+                  <a:schemeClr val="accent6"/>
+                </a:solidFill>
+              </a:rPr>
+            </a:br>
+            <a:r>
+              <a:rPr lang="en-US" sz="2000" dirty="0" smtClean="0">
+                <a:solidFill>
+                  <a:schemeClr val="accent6"/>
+                </a:solidFill>
+              </a:rPr>
+              <a:t>* </a:t>
+            </a:r>
+            <a:r>
+              <a:rPr lang="en-US" sz="2000" dirty="0" smtClean="0">
+                <a:solidFill>
+                  <a:schemeClr val="bg1"/>
+                </a:solidFill>
+              </a:rPr>
+              <a:t>Link</a:t>
+            </a:r>
+            <a:r>
+              <a:rPr lang="en-US" sz="2000" dirty="0" smtClean="0">
+                <a:solidFill>
+                  <a:schemeClr val="accent6"/>
+                </a:solidFill>
+              </a:rPr>
+              <a:t> =&gt; provides the connection to </a:t>
+            </a:r>
+            <a:r>
+              <a:rPr lang="en-US" sz="2000" dirty="0" smtClean="0">
+                <a:solidFill>
+                  <a:schemeClr val="bg1"/>
+                </a:solidFill>
+              </a:rPr>
+              <a:t>physical media</a:t>
+            </a:r>
+            <a:r>
+              <a:rPr lang="en-US" sz="2000" dirty="0" smtClean="0">
+                <a:solidFill>
+                  <a:schemeClr val="accent6"/>
+                </a:solidFill>
+              </a:rPr>
+              <a:t>. The most types of networks are wired Ethernet and wireless WLAN. Each physical device has a hardware address(</a:t>
+            </a:r>
+            <a:r>
+              <a:rPr lang="en-US" sz="2000" dirty="0" smtClean="0">
+                <a:solidFill>
+                  <a:schemeClr val="bg1"/>
+                </a:solidFill>
+              </a:rPr>
+              <a:t>MAC</a:t>
+            </a:r>
+            <a:r>
+              <a:rPr lang="en-US" sz="2000" dirty="0" smtClean="0">
+                <a:solidFill>
+                  <a:schemeClr val="accent6"/>
+                </a:solidFill>
+              </a:rPr>
+              <a:t>) which is used to identify the destination of packets on the local network segment.</a:t>
+            </a:r>
+            <a:r>
+              <a:rPr lang="en-US" sz="2000" dirty="0" smtClean="0">
+                <a:solidFill>
+                  <a:schemeClr val="accent6"/>
+                </a:solidFill>
+              </a:rPr>
+              <a:t/>
+            </a:r>
+            <a:br>
+              <a:rPr lang="en-US" sz="2000" dirty="0" smtClean="0">
+                <a:solidFill>
+                  <a:schemeClr val="accent6"/>
+                </a:solidFill>
+              </a:rPr>
+            </a:br>
+            <a:endParaRPr lang="bg-BG" sz="2000" dirty="0">
+              <a:solidFill>
+                <a:schemeClr val="accent6"/>
+              </a:solidFill>
+            </a:endParaRPr>
+          </a:p>
+        </p:txBody>
+      </p:sp>
+      <p:sp>
+        <p:nvSpPr>
+          <p:cNvPr id="5" name="TextBox 4"/>
+          <p:cNvSpPr txBox="1"/>
+          <p:nvPr/>
+        </p:nvSpPr>
+        <p:spPr>
+          <a:xfrm>
+            <a:off x="6781800" y="803701"/>
+            <a:ext cx="2743200" cy="1200329"/>
+          </a:xfrm>
+          <a:prstGeom prst="rect">
+            <a:avLst/>
+          </a:prstGeom>
+          <a:noFill/>
+        </p:spPr>
+        <p:txBody>
+          <a:bodyPr wrap="square" rtlCol="0">
+            <a:spAutoFit/>
+          </a:bodyPr>
+          <a:lstStyle/>
+          <a:p>
+            <a:r>
+              <a:rPr lang="en-US" sz="3600" dirty="0" smtClean="0">
+                <a:ln w="0"/>
+                <a:solidFill>
+                  <a:schemeClr val="accent1"/>
+                </a:solidFill>
+                <a:effectLst>
+                  <a:outerShdw blurRad="38100" dist="25400" dir="5400000" algn="ctr" rotWithShape="0">
+                    <a:srgbClr val="6E747A">
+                      <a:alpha val="43000"/>
+                    </a:srgbClr>
+                  </a:outerShdw>
+                </a:effectLst>
+              </a:rPr>
+              <a:t>Networking</a:t>
+            </a:r>
+          </a:p>
+          <a:p>
+            <a:r>
+              <a:rPr lang="en-US" sz="3600" dirty="0" smtClean="0"/>
+              <a:t> </a:t>
+            </a:r>
+            <a:endParaRPr lang="en-US" sz="3600" dirty="0"/>
+          </a:p>
+        </p:txBody>
+      </p:sp>
+      <p:sp>
+        <p:nvSpPr>
+          <p:cNvPr id="6" name="TextBox 5"/>
+          <p:cNvSpPr txBox="1"/>
+          <p:nvPr/>
+        </p:nvSpPr>
+        <p:spPr>
+          <a:xfrm>
+            <a:off x="5486400" y="1219200"/>
+            <a:ext cx="184731" cy="369332"/>
+          </a:xfrm>
+          <a:prstGeom prst="rect">
+            <a:avLst/>
+          </a:prstGeom>
+          <a:noFill/>
+        </p:spPr>
+        <p:txBody>
+          <a:bodyPr wrap="none" rtlCol="0">
+            <a:spAutoFit/>
+          </a:bodyPr>
+          <a:lstStyle/>
+          <a:p>
+            <a:endParaRPr lang="en-US" dirty="0"/>
+          </a:p>
+        </p:txBody>
+      </p:sp>
+    </p:spTree>
+    <p:extLst>
+      <p:ext uri="{BB962C8B-B14F-4D97-AF65-F5344CB8AC3E}">
+        <p14:creationId xmlns:p14="http://schemas.microsoft.com/office/powerpoint/2010/main" val="2032689186"/>
+      </p:ext>
+    </p:extLst>
+  </p:cSld>
+  <p:clrMapOvr>
+    <a:masterClrMapping/>
+  </p:clrMapOvr>
+  <p:timing>
+    <p:tnLst>
+      <p:par>
+        <p:cTn id="1" dur="indefinite" restart="never" nodeType="tmRoot"/>
+      </p:par>
+    </p:tnLst>
+  </p:timing>
+</p:sld>
+</file>
+
+<file path=ppt/slides/slide2.xml><?xml version="1.0" encoding="utf-8"?>
+<p:sld xmlns:a="http://schemas.openxmlformats.org/drawingml/2006/main" xmlns:r="http://schemas.openxmlformats.org/officeDocument/2006/relationships" xmlns:p="http://schemas.openxmlformats.org/presentationml/2006/main">
+  <p:cSld>
+    <p:spTree>
+      <p:nvGrpSpPr>
+        <p:cNvPr id="1" name=""/>
+        <p:cNvGrpSpPr/>
+        <p:nvPr/>
+      </p:nvGrpSpPr>
+      <p:grpSpPr>
+        <a:xfrm>
+          <a:off x="0" y="0"/>
+          <a:ext cx="0" cy="0"/>
+          <a:chOff x="0" y="0"/>
+          <a:chExt cx="0" cy="0"/>
+        </a:xfrm>
+      </p:grpSpPr>
+      <p:sp>
+        <p:nvSpPr>
+          <p:cNvPr id="2" name="Title 1"/>
+          <p:cNvSpPr>
+            <a:spLocks noGrp="1"/>
+          </p:cNvSpPr>
+          <p:nvPr>
+            <p:ph type="ctrTitle"/>
+          </p:nvPr>
+        </p:nvSpPr>
+        <p:spPr>
+          <a:xfrm>
+            <a:off x="457200" y="1545795"/>
+            <a:ext cx="7772400" cy="621267"/>
+          </a:xfrm>
+        </p:spPr>
+        <p:txBody>
+          <a:bodyPr>
+            <a:normAutofit fontScale="90000"/>
+          </a:bodyPr>
+          <a:lstStyle/>
+          <a:p>
+            <a:r>
+              <a:rPr lang="en-US" dirty="0" smtClean="0">
+                <a:solidFill>
+                  <a:schemeClr val="accent6"/>
+                </a:solidFill>
+              </a:rPr>
+              <a:t/>
+            </a:r>
+            <a:br>
+              <a:rPr lang="en-US" dirty="0" smtClean="0">
+                <a:solidFill>
+                  <a:schemeClr val="accent6"/>
+                </a:solidFill>
+              </a:rPr>
+            </a:br>
+            <a:r>
+              <a:rPr lang="en-US" sz="3100" dirty="0" smtClean="0">
+                <a:solidFill>
+                  <a:schemeClr val="accent6"/>
+                </a:solidFill>
+              </a:rPr>
+              <a:t/>
+            </a:r>
+            <a:br>
+              <a:rPr lang="en-US" sz="3100" dirty="0" smtClean="0">
+                <a:solidFill>
+                  <a:schemeClr val="accent6"/>
+                </a:solidFill>
+              </a:rPr>
+            </a:br>
+            <a:r>
+              <a:rPr lang="en-US" sz="3100" dirty="0" smtClean="0">
+                <a:solidFill>
+                  <a:schemeClr val="accent6"/>
+                </a:solidFill>
+              </a:rPr>
+              <a:t/>
+            </a:r>
+            <a:br>
+              <a:rPr lang="en-US" sz="3100" dirty="0" smtClean="0">
+                <a:solidFill>
+                  <a:schemeClr val="accent6"/>
+                </a:solidFill>
+              </a:rPr>
+            </a:br>
+            <a:r>
+              <a:rPr lang="en-US" sz="3100" dirty="0">
+                <a:solidFill>
+                  <a:schemeClr val="accent6"/>
+                </a:solidFill>
+              </a:rPr>
+              <a:t/>
+            </a:r>
+            <a:br>
+              <a:rPr lang="en-US" sz="3100" dirty="0">
+                <a:solidFill>
+                  <a:schemeClr val="accent6"/>
+                </a:solidFill>
+              </a:rPr>
+            </a:br>
+            <a:r>
+              <a:rPr lang="en-US" sz="3100" dirty="0" smtClean="0">
+                <a:solidFill>
+                  <a:schemeClr val="accent6"/>
+                </a:solidFill>
+              </a:rPr>
+              <a:t/>
+            </a:r>
+            <a:br>
+              <a:rPr lang="en-US" sz="3100" dirty="0" smtClean="0">
+                <a:solidFill>
+                  <a:schemeClr val="accent6"/>
+                </a:solidFill>
+              </a:rPr>
+            </a:br>
+            <a:r>
+              <a:rPr lang="en-US" sz="3100" dirty="0">
+                <a:solidFill>
+                  <a:schemeClr val="accent6"/>
+                </a:solidFill>
+              </a:rPr>
+              <a:t/>
+            </a:r>
+            <a:br>
+              <a:rPr lang="en-US" sz="3100" dirty="0">
+                <a:solidFill>
+                  <a:schemeClr val="accent6"/>
+                </a:solidFill>
+              </a:rPr>
+            </a:br>
+            <a:r>
+              <a:rPr lang="en-US" sz="3100" dirty="0" smtClean="0">
+                <a:solidFill>
+                  <a:schemeClr val="accent6"/>
+                </a:solidFill>
+              </a:rPr>
+              <a:t/>
+            </a:r>
+            <a:br>
+              <a:rPr lang="en-US" sz="3100" dirty="0" smtClean="0">
+                <a:solidFill>
+                  <a:schemeClr val="accent6"/>
+                </a:solidFill>
+              </a:rPr>
+            </a:br>
+            <a:endParaRPr lang="bg-BG" sz="2000" dirty="0">
+              <a:solidFill>
+                <a:schemeClr val="accent6"/>
+              </a:solidFill>
+            </a:endParaRPr>
+          </a:p>
+        </p:txBody>
+      </p:sp>
+      <p:sp>
+        <p:nvSpPr>
+          <p:cNvPr id="5" name="TextBox 4"/>
+          <p:cNvSpPr txBox="1"/>
+          <p:nvPr/>
+        </p:nvSpPr>
+        <p:spPr>
+          <a:xfrm>
+            <a:off x="6781800" y="803701"/>
+            <a:ext cx="2743200" cy="1200329"/>
+          </a:xfrm>
+          <a:prstGeom prst="rect">
+            <a:avLst/>
+          </a:prstGeom>
+          <a:noFill/>
+        </p:spPr>
+        <p:txBody>
+          <a:bodyPr wrap="square" rtlCol="0">
+            <a:spAutoFit/>
+          </a:bodyPr>
+          <a:lstStyle/>
+          <a:p>
+            <a:r>
+              <a:rPr lang="en-US" sz="3600" dirty="0" smtClean="0">
+                <a:ln w="0"/>
+                <a:solidFill>
+                  <a:schemeClr val="accent1"/>
+                </a:solidFill>
+                <a:effectLst>
+                  <a:outerShdw blurRad="38100" dist="25400" dir="5400000" algn="ctr" rotWithShape="0">
+                    <a:srgbClr val="6E747A">
+                      <a:alpha val="43000"/>
+                    </a:srgbClr>
+                  </a:outerShdw>
+                </a:effectLst>
+              </a:rPr>
+              <a:t>Networking</a:t>
+            </a:r>
+          </a:p>
+          <a:p>
+            <a:r>
+              <a:rPr lang="en-US" sz="3600" dirty="0" smtClean="0"/>
+              <a:t> </a:t>
+            </a:r>
+            <a:endParaRPr lang="en-US" sz="3600" dirty="0"/>
+          </a:p>
+        </p:txBody>
+      </p:sp>
+      <p:sp>
+        <p:nvSpPr>
+          <p:cNvPr id="6" name="TextBox 5"/>
+          <p:cNvSpPr txBox="1"/>
+          <p:nvPr/>
+        </p:nvSpPr>
+        <p:spPr>
+          <a:xfrm>
+            <a:off x="5486400" y="1219200"/>
+            <a:ext cx="184731" cy="369332"/>
+          </a:xfrm>
+          <a:prstGeom prst="rect">
+            <a:avLst/>
+          </a:prstGeom>
+          <a:noFill/>
+        </p:spPr>
+        <p:txBody>
+          <a:bodyPr wrap="none" rtlCol="0">
+            <a:spAutoFit/>
+          </a:bodyPr>
+          <a:lstStyle/>
+          <a:p>
+            <a:endParaRPr lang="en-US" dirty="0"/>
+          </a:p>
+        </p:txBody>
+      </p:sp>
+      <p:pic>
+        <p:nvPicPr>
+          <p:cNvPr id="3" name="Picture 2"/>
+          <p:cNvPicPr>
+            <a:picLocks noChangeAspect="1"/>
+          </p:cNvPicPr>
+          <p:nvPr/>
+        </p:nvPicPr>
+        <p:blipFill>
+          <a:blip r:embed="rId2">
+            <a:extLst>
+              <a:ext uri="{28A0092B-C50C-407E-A947-70E740481C1C}">
+                <a14:useLocalDpi xmlns:a14="http://schemas.microsoft.com/office/drawing/2010/main" val="0"/>
+              </a:ext>
+            </a:extLst>
+          </a:blip>
+          <a:stretch>
+            <a:fillRect/>
+          </a:stretch>
+        </p:blipFill>
+        <p:spPr>
+          <a:xfrm>
+            <a:off x="1981200" y="2330625"/>
+            <a:ext cx="4978400" cy="4267200"/>
+          </a:xfrm>
+          <a:prstGeom prst="rect">
+            <a:avLst/>
+          </a:prstGeom>
+        </p:spPr>
+      </p:pic>
+      <p:sp>
+        <p:nvSpPr>
+          <p:cNvPr id="4" name="TextBox 3"/>
+          <p:cNvSpPr txBox="1"/>
+          <p:nvPr/>
+        </p:nvSpPr>
+        <p:spPr>
+          <a:xfrm>
+            <a:off x="1981200" y="1066800"/>
+            <a:ext cx="4419600" cy="646331"/>
+          </a:xfrm>
+          <a:prstGeom prst="rect">
+            <a:avLst/>
+          </a:prstGeom>
+          <a:noFill/>
+        </p:spPr>
+        <p:txBody>
+          <a:bodyPr wrap="square" rtlCol="0">
+            <a:spAutoFit/>
+          </a:bodyPr>
+          <a:lstStyle/>
+          <a:p>
+            <a:r>
+              <a:rPr lang="en-US" dirty="0" smtClean="0">
+                <a:solidFill>
+                  <a:schemeClr val="accent6"/>
+                </a:solidFill>
+              </a:rPr>
+              <a:t>OSI model  is just a theoretical one. TCP/IP was inspired by it and implemented.</a:t>
+            </a:r>
+            <a:endParaRPr lang="en-US" dirty="0">
+              <a:solidFill>
+                <a:schemeClr val="accent6"/>
+              </a:solidFill>
+            </a:endParaRPr>
+          </a:p>
+        </p:txBody>
+      </p:sp>
+    </p:spTree>
+    <p:extLst>
+      <p:ext uri="{BB962C8B-B14F-4D97-AF65-F5344CB8AC3E}">
+        <p14:creationId xmlns:p14="http://schemas.microsoft.com/office/powerpoint/2010/main" val="1674887343"/>
+      </p:ext>
+    </p:extLst>
+  </p:cSld>
+  <p:clrMapOvr>
+    <a:masterClrMapping/>
+  </p:clrMapOvr>
+  <p:timing>
+    <p:tnLst>
+      <p:par>
+        <p:cTn id="1" dur="indefinite" restart="never" nodeType="tmRoot"/>
+      </p:par>
+    </p:tnLst>
+  </p:timing>
+</p:sld>
+</file>
+
+<file path=ppt/slides/slide3.xml><?xml version="1.0" encoding="utf-8"?>
+<p:sld xmlns:a="http://schemas.openxmlformats.org/drawingml/2006/main" xmlns:r="http://schemas.openxmlformats.org/officeDocument/2006/relationships" xmlns:p="http://schemas.openxmlformats.org/presentationml/2006/main">
+  <p:cSld>
+    <p:spTree>
+      <p:nvGrpSpPr>
+        <p:cNvPr id="1" name=""/>
+        <p:cNvGrpSpPr/>
+        <p:nvPr/>
+      </p:nvGrpSpPr>
+      <p:grpSpPr>
+        <a:xfrm>
+          <a:off x="0" y="0"/>
+          <a:ext cx="0" cy="0"/>
+          <a:chOff x="0" y="0"/>
+          <a:chExt cx="0" cy="0"/>
+        </a:xfrm>
+      </p:grpSpPr>
+      <p:sp>
+        <p:nvSpPr>
+          <p:cNvPr id="2" name="Title 1"/>
+          <p:cNvSpPr>
+            <a:spLocks noGrp="1"/>
+          </p:cNvSpPr>
+          <p:nvPr>
+            <p:ph type="ctrTitle"/>
+          </p:nvPr>
+        </p:nvSpPr>
+        <p:spPr>
+          <a:xfrm>
             <a:off x="533400" y="1588532"/>
             <a:ext cx="7772400" cy="1470025"/>
           </a:xfrm>
@@ -3718,7 +5039,7 @@
     </p:spTree>
     <p:extLst>
       <p:ext uri="{BB962C8B-B14F-4D97-AF65-F5344CB8AC3E}">
-        <p14:creationId xmlns:p14="http://schemas.microsoft.com/office/powerpoint/2010/main" val="2032689186"/>
+        <p14:creationId xmlns:p14="http://schemas.microsoft.com/office/powerpoint/2010/main" val="1365028049"/>
       </p:ext>
     </p:extLst>
   </p:cSld>
@@ -3735,7 +5056,7 @@
 </p:sld>
 </file>
 
-<file path=ppt/slides/slide2.xml><?xml version="1.0" encoding="utf-8"?>
+<file path=ppt/slides/slide4.xml><?xml version="1.0" encoding="utf-8"?>
 <p:sld xmlns:a="http://schemas.openxmlformats.org/drawingml/2006/main" xmlns:r="http://schemas.openxmlformats.org/officeDocument/2006/relationships" xmlns:p="http://schemas.openxmlformats.org/presentationml/2006/main">
   <p:cSld>
     <p:spTree>
@@ -3894,7 +5215,7 @@
 </p:sld>
 </file>
 
-<file path=ppt/slides/slide3.xml><?xml version="1.0" encoding="utf-8"?>
+<file path=ppt/slides/slide5.xml><?xml version="1.0" encoding="utf-8"?>
 <p:sld xmlns:a="http://schemas.openxmlformats.org/drawingml/2006/main" xmlns:r="http://schemas.openxmlformats.org/officeDocument/2006/relationships" xmlns:p="http://schemas.openxmlformats.org/presentationml/2006/main">
   <p:cSld>
     <p:spTree>
@@ -4208,7 +5529,7 @@
 </p:sld>
 </file>
 
-<file path=ppt/slides/slide4.xml><?xml version="1.0" encoding="utf-8"?>
+<file path=ppt/slides/slide6.xml><?xml version="1.0" encoding="utf-8"?>
 <p:sld xmlns:a="http://schemas.openxmlformats.org/drawingml/2006/main" xmlns:r="http://schemas.openxmlformats.org/officeDocument/2006/relationships" xmlns:p="http://schemas.openxmlformats.org/presentationml/2006/main">
   <p:cSld>
     <p:spTree>
@@ -4716,7 +6037,7 @@
 </p:sld>
 </file>
 
-<file path=ppt/slides/slide5.xml><?xml version="1.0" encoding="utf-8"?>
+<file path=ppt/slides/slide7.xml><?xml version="1.0" encoding="utf-8"?>
 <p:sld xmlns:a="http://schemas.openxmlformats.org/drawingml/2006/main" xmlns:r="http://schemas.openxmlformats.org/officeDocument/2006/relationships" xmlns:p="http://schemas.openxmlformats.org/presentationml/2006/main">
   <p:cSld>
     <p:spTree>
@@ -5971,7 +7292,7 @@
 </p:sld>
 </file>
 
-<file path=ppt/slides/slide6.xml><?xml version="1.0" encoding="utf-8"?>
+<file path=ppt/slides/slide8.xml><?xml version="1.0" encoding="utf-8"?>
 <p:sld xmlns:a="http://schemas.openxmlformats.org/drawingml/2006/main" xmlns:r="http://schemas.openxmlformats.org/officeDocument/2006/relationships" xmlns:p="http://schemas.openxmlformats.org/presentationml/2006/main">
   <p:cSld>
     <p:spTree>
@@ -6293,7 +7614,7 @@
 </p:sld>
 </file>
 
-<file path=ppt/slides/slide7.xml><?xml version="1.0" encoding="utf-8"?>
+<file path=ppt/slides/slide9.xml><?xml version="1.0" encoding="utf-8"?>
 <p:sld xmlns:a="http://schemas.openxmlformats.org/drawingml/2006/main" xmlns:r="http://schemas.openxmlformats.org/officeDocument/2006/relationships" xmlns:p="http://schemas.openxmlformats.org/presentationml/2006/main">
   <p:cSld>
     <p:spTree>
@@ -7234,4 +8555,265 @@
   <a:objectDefaults/>
   <a:extraClrSchemeLst/>
 </a:theme>
+</file>
+
+<file path=ppt/theme/theme2.xml><?xml version="1.0" encoding="utf-8"?>
+<a:theme xmlns:a="http://schemas.openxmlformats.org/drawingml/2006/main" name="Office Theme">
+  <a:themeElements>
+    <a:clrScheme name="Office">
+      <a:dk1>
+        <a:sysClr val="windowText" lastClr="000000"/>
+      </a:dk1>
+      <a:lt1>
+        <a:sysClr val="window" lastClr="FFFFFF"/>
+      </a:lt1>
+      <a:dk2>
+        <a:srgbClr val="44546A"/>
+      </a:dk2>
+      <a:lt2>
+        <a:srgbClr val="E7E6E6"/>
+      </a:lt2>
+      <a:accent1>
+        <a:srgbClr val="4472C4"/>
+      </a:accent1>
+      <a:accent2>
+        <a:srgbClr val="ED7D31"/>
+      </a:accent2>
+      <a:accent3>
+        <a:srgbClr val="A5A5A5"/>
+      </a:accent3>
+      <a:accent4>
+        <a:srgbClr val="FFC000"/>
+      </a:accent4>
+      <a:accent5>
+        <a:srgbClr val="5B9BD5"/>
+      </a:accent5>
+      <a:accent6>
+        <a:srgbClr val="70AD47"/>
+      </a:accent6>
+      <a:hlink>
+        <a:srgbClr val="0563C1"/>
+      </a:hlink>
+      <a:folHlink>
+        <a:srgbClr val="954F72"/>
+      </a:folHlink>
+    </a:clrScheme>
+    <a:fontScheme name="Office">
+      <a:majorFont>
+        <a:latin typeface="Calibri Light" panose="020F0302020204030204"/>
+        <a:ea typeface=""/>
+        <a:cs typeface=""/>
+        <a:font script="Jpan" typeface="Yu Gothic Light"/>
+        <a:font script="Hang" typeface="맑은 고딕"/>
+        <a:font script="Hans" typeface="DengXian Light"/>
+        <a:font script="Hant" typeface="新細明體"/>
+        <a:font script="Arab" typeface="Times New Roman"/>
+        <a:font script="Hebr" typeface="Times New Roman"/>
+        <a:font script="Thai" typeface="Angsana New"/>
+        <a:font script="Ethi" typeface="Nyala"/>
+        <a:font script="Beng" typeface="Vrinda"/>
+        <a:font script="Gujr" typeface="Shruti"/>
+        <a:font script="Khmr" typeface="MoolBoran"/>
+        <a:font script="Knda" typeface="Tunga"/>
+        <a:font script="Guru" typeface="Raavi"/>
+        <a:font script="Cans" typeface="Euphemia"/>
+        <a:font script="Cher" typeface="Plantagenet Cherokee"/>
+        <a:font script="Yiii" typeface="Microsoft Yi Baiti"/>
+        <a:font script="Tibt" typeface="Microsoft Himalaya"/>
+        <a:font script="Thaa" typeface="MV Boli"/>
+        <a:font script="Deva" typeface="Mangal"/>
+        <a:font script="Telu" typeface="Gautami"/>
+        <a:font script="Taml" typeface="Latha"/>
+        <a:font script="Syrc" typeface="Estrangelo Edessa"/>
+        <a:font script="Orya" typeface="Kalinga"/>
+        <a:font script="Mlym" typeface="Kartika"/>
+        <a:font script="Laoo" typeface="DokChampa"/>
+        <a:font script="Sinh" typeface="Iskoola Pota"/>
+        <a:font script="Mong" typeface="Mongolian Baiti"/>
+        <a:font script="Viet" typeface="Times New Roman"/>
+        <a:font script="Uigh" typeface="Microsoft Uighur"/>
+        <a:font script="Geor" typeface="Sylfaen"/>
+      </a:majorFont>
+      <a:minorFont>
+        <a:latin typeface="Calibri" panose="020F0502020204030204"/>
+        <a:ea typeface=""/>
+        <a:cs typeface=""/>
+        <a:font script="Jpan" typeface="Yu Gothic"/>
+        <a:font script="Hang" typeface="맑은 고딕"/>
+        <a:font script="Hans" typeface="DengXian"/>
+        <a:font script="Hant" typeface="新細明體"/>
+        <a:font script="Arab" typeface="Arial"/>
+        <a:font script="Hebr" typeface="Arial"/>
+        <a:font script="Thai" typeface="Cordia New"/>
+        <a:font script="Ethi" typeface="Nyala"/>
+        <a:font script="Beng" typeface="Vrinda"/>
+        <a:font script="Gujr" typeface="Shruti"/>
+        <a:font script="Khmr" typeface="DaunPenh"/>
+        <a:font script="Knda" typeface="Tunga"/>
+        <a:font script="Guru" typeface="Raavi"/>
+        <a:font script="Cans" typeface="Euphemia"/>
+        <a:font script="Cher" typeface="Plantagenet Cherokee"/>
+        <a:font script="Yiii" typeface="Microsoft Yi Baiti"/>
+        <a:font script="Tibt" typeface="Microsoft Himalaya"/>
+        <a:font script="Thaa" typeface="MV Boli"/>
+        <a:font script="Deva" typeface="Mangal"/>
+        <a:font script="Telu" typeface="Gautami"/>
+        <a:font script="Taml" typeface="Latha"/>
+        <a:font script="Syrc" typeface="Estrangelo Edessa"/>
+        <a:font script="Orya" typeface="Kalinga"/>
+        <a:font script="Mlym" typeface="Kartika"/>
+        <a:font script="Laoo" typeface="DokChampa"/>
+        <a:font script="Sinh" typeface="Iskoola Pota"/>
+        <a:font script="Mong" typeface="Mongolian Baiti"/>
+        <a:font script="Viet" typeface="Arial"/>
+        <a:font script="Uigh" typeface="Microsoft Uighur"/>
+        <a:font script="Geor" typeface="Sylfaen"/>
+      </a:minorFont>
+    </a:fontScheme>
+    <a:fmtScheme name="Office">
+      <a:fillStyleLst>
+        <a:solidFill>
+          <a:schemeClr val="phClr"/>
+        </a:solidFill>
+        <a:gradFill rotWithShape="1">
+          <a:gsLst>
+            <a:gs pos="0">
+              <a:schemeClr val="phClr">
+                <a:lumMod val="110000"/>
+                <a:satMod val="105000"/>
+                <a:tint val="67000"/>
+              </a:schemeClr>
+            </a:gs>
+            <a:gs pos="50000">
+              <a:schemeClr val="phClr">
+                <a:lumMod val="105000"/>
+                <a:satMod val="103000"/>
+                <a:tint val="73000"/>
+              </a:schemeClr>
+            </a:gs>
+            <a:gs pos="100000">
+              <a:schemeClr val="phClr">
+                <a:lumMod val="105000"/>
+                <a:satMod val="109000"/>
+                <a:tint val="81000"/>
+              </a:schemeClr>
+            </a:gs>
+          </a:gsLst>
+          <a:lin ang="5400000" scaled="0"/>
+        </a:gradFill>
+        <a:gradFill rotWithShape="1">
+          <a:gsLst>
+            <a:gs pos="0">
+              <a:schemeClr val="phClr">
+                <a:satMod val="103000"/>
+                <a:lumMod val="102000"/>
+                <a:tint val="94000"/>
+              </a:schemeClr>
+            </a:gs>
+            <a:gs pos="50000">
+              <a:schemeClr val="phClr">
+                <a:satMod val="110000"/>
+                <a:lumMod val="100000"/>
+                <a:shade val="100000"/>
+              </a:schemeClr>
+            </a:gs>
+            <a:gs pos="100000">
+              <a:schemeClr val="phClr">
+                <a:lumMod val="99000"/>
+                <a:satMod val="120000"/>
+                <a:shade val="78000"/>
+              </a:schemeClr>
+            </a:gs>
+          </a:gsLst>
+          <a:lin ang="5400000" scaled="0"/>
+        </a:gradFill>
+      </a:fillStyleLst>
+      <a:lnStyleLst>
+        <a:ln w="6350" cap="flat" cmpd="sng" algn="ctr">
+          <a:solidFill>
+            <a:schemeClr val="phClr"/>
+          </a:solidFill>
+          <a:prstDash val="solid"/>
+          <a:miter lim="800000"/>
+        </a:ln>
+        <a:ln w="12700" cap="flat" cmpd="sng" algn="ctr">
+          <a:solidFill>
+            <a:schemeClr val="phClr"/>
+          </a:solidFill>
+          <a:prstDash val="solid"/>
+          <a:miter lim="800000"/>
+        </a:ln>
+        <a:ln w="19050" cap="flat" cmpd="sng" algn="ctr">
+          <a:solidFill>
+            <a:schemeClr val="phClr"/>
+          </a:solidFill>
+          <a:prstDash val="solid"/>
+          <a:miter lim="800000"/>
+        </a:ln>
+      </a:lnStyleLst>
+      <a:effectStyleLst>
+        <a:effectStyle>
+          <a:effectLst/>
+        </a:effectStyle>
+        <a:effectStyle>
+          <a:effectLst/>
+        </a:effectStyle>
+        <a:effectStyle>
+          <a:effectLst>
+            <a:outerShdw blurRad="57150" dist="19050" dir="5400000" algn="ctr" rotWithShape="0">
+              <a:srgbClr val="000000">
+                <a:alpha val="63000"/>
+              </a:srgbClr>
+            </a:outerShdw>
+          </a:effectLst>
+        </a:effectStyle>
+      </a:effectStyleLst>
+      <a:bgFillStyleLst>
+        <a:solidFill>
+          <a:schemeClr val="phClr"/>
+        </a:solidFill>
+        <a:solidFill>
+          <a:schemeClr val="phClr">
+            <a:tint val="95000"/>
+            <a:satMod val="170000"/>
+          </a:schemeClr>
+        </a:solidFill>
+        <a:gradFill rotWithShape="1">
+          <a:gsLst>
+            <a:gs pos="0">
+              <a:schemeClr val="phClr">
+                <a:tint val="93000"/>
+                <a:satMod val="150000"/>
+                <a:shade val="98000"/>
+                <a:lumMod val="102000"/>
+              </a:schemeClr>
+            </a:gs>
+            <a:gs pos="50000">
+              <a:schemeClr val="phClr">
+                <a:tint val="98000"/>
+                <a:satMod val="130000"/>
+                <a:shade val="90000"/>
+                <a:lumMod val="103000"/>
+              </a:schemeClr>
+            </a:gs>
+            <a:gs pos="100000">
+              <a:schemeClr val="phClr">
+                <a:shade val="63000"/>
+                <a:satMod val="120000"/>
+              </a:schemeClr>
+            </a:gs>
+          </a:gsLst>
+          <a:lin ang="5400000" scaled="0"/>
+        </a:gradFill>
+      </a:bgFillStyleLst>
+    </a:fmtScheme>
+  </a:themeElements>
+  <a:objectDefaults/>
+  <a:extraClrSchemeLst/>
+  <a:extLst>
+    <a:ext uri="{05A4C25C-085E-4340-85A3-A5531E510DB2}">
+      <thm15:themeFamily xmlns:thm15="http://schemas.microsoft.com/office/thememl/2012/main" name="Office Theme" id="{62F939B6-93AF-4DB8-9C6B-D6C7DFDC589F}" vid="{4A3C46E8-61CC-4603-A589-7422A47A8E4A}"/>
+    </a:ext>
+  </a:extLst>
+</a:theme>
 </file>
--- a/06.Networking/06-Networking.pptx
+++ b/06.Networking/06-Networking.pptx
@@ -5,18 +5,20 @@
     <p:sldMasterId id="2147483648" r:id="rId1"/>
   </p:sldMasterIdLst>
   <p:notesMasterIdLst>
-    <p:notesMasterId r:id="rId11"/>
+    <p:notesMasterId r:id="rId13"/>
   </p:notesMasterIdLst>
   <p:sldIdLst>
     <p:sldId id="256" r:id="rId2"/>
     <p:sldId id="275" r:id="rId3"/>
     <p:sldId id="274" r:id="rId4"/>
     <p:sldId id="271" r:id="rId5"/>
-    <p:sldId id="266" r:id="rId6"/>
-    <p:sldId id="258" r:id="rId7"/>
-    <p:sldId id="257" r:id="rId8"/>
-    <p:sldId id="272" r:id="rId9"/>
-    <p:sldId id="273" r:id="rId10"/>
+    <p:sldId id="276" r:id="rId6"/>
+    <p:sldId id="277" r:id="rId7"/>
+    <p:sldId id="266" r:id="rId8"/>
+    <p:sldId id="258" r:id="rId9"/>
+    <p:sldId id="257" r:id="rId10"/>
+    <p:sldId id="272" r:id="rId11"/>
+    <p:sldId id="273" r:id="rId12"/>
   </p:sldIdLst>
   <p:sldSz cx="9144000" cy="6858000" type="screen4x3"/>
   <p:notesSz cx="6858000" cy="9144000"/>
@@ -3637,15 +3639,7 @@
                   <a:schemeClr val="accent6"/>
                 </a:solidFill>
               </a:rPr>
-              <a:t> standards follow a four-layer network model</a:t>
-            </a:r>
-            <a:r>
-              <a:rPr lang="en-US" sz="2000" dirty="0" smtClean="0">
-                <a:solidFill>
-                  <a:schemeClr val="accent6"/>
-                </a:solidFill>
-              </a:rPr>
-              <a:t>:</a:t>
+              <a:t> standards follow a four-layer network model:</a:t>
             </a:r>
             <a:br>
               <a:rPr lang="en-US" sz="2000" dirty="0" smtClean="0">
@@ -3998,14 +3992,6 @@
                 </a:solidFill>
               </a:rPr>
               <a:t>) which is used to identify the destination of packets on the local network segment.</a:t>
-            </a:r>
-            <a:r>
-              <a:rPr lang="en-US" sz="2000" dirty="0" smtClean="0">
-                <a:solidFill>
-                  <a:schemeClr val="accent6"/>
-                </a:solidFill>
-              </a:rPr>
-              <a:t/>
             </a:r>
             <a:br>
               <a:rPr lang="en-US" sz="2000" dirty="0" smtClean="0">
@@ -4113,6 +4099,986 @@
       </p:par>
     </p:tnLst>
   </p:timing>
+</p:sld>
+</file>
+
+<file path=ppt/slides/slide10.xml><?xml version="1.0" encoding="utf-8"?>
+<p:sld xmlns:a="http://schemas.openxmlformats.org/drawingml/2006/main" xmlns:r="http://schemas.openxmlformats.org/officeDocument/2006/relationships" xmlns:p="http://schemas.openxmlformats.org/presentationml/2006/main">
+  <p:cSld>
+    <p:spTree>
+      <p:nvGrpSpPr>
+        <p:cNvPr id="1" name=""/>
+        <p:cNvGrpSpPr/>
+        <p:nvPr/>
+      </p:nvGrpSpPr>
+      <p:grpSpPr>
+        <a:xfrm>
+          <a:off x="0" y="0"/>
+          <a:ext cx="0" cy="0"/>
+          <a:chOff x="0" y="0"/>
+          <a:chExt cx="0" cy="0"/>
+        </a:xfrm>
+      </p:grpSpPr>
+      <p:sp>
+        <p:nvSpPr>
+          <p:cNvPr id="2" name="Title 1"/>
+          <p:cNvSpPr>
+            <a:spLocks noGrp="1"/>
+          </p:cNvSpPr>
+          <p:nvPr>
+            <p:ph type="title"/>
+          </p:nvPr>
+        </p:nvSpPr>
+        <p:spPr>
+          <a:xfrm>
+            <a:off x="457200" y="274638"/>
+            <a:ext cx="8229600" cy="3687762"/>
+          </a:xfrm>
+        </p:spPr>
+        <p:txBody>
+          <a:bodyPr>
+            <a:normAutofit/>
+          </a:bodyPr>
+          <a:lstStyle/>
+          <a:p>
+            <a:r>
+              <a:rPr lang="en-US" sz="1600" dirty="0" smtClean="0">
+                <a:solidFill>
+                  <a:schemeClr val="accent6"/>
+                </a:solidFill>
+              </a:rPr>
+              <a:t>Setting up hostnames and Name resolution</a:t>
+            </a:r>
+            <a:br>
+              <a:rPr lang="en-US" sz="1600" dirty="0" smtClean="0">
+                <a:solidFill>
+                  <a:schemeClr val="accent6"/>
+                </a:solidFill>
+              </a:rPr>
+            </a:br>
+            <a:r>
+              <a:rPr lang="en-US" sz="1600" dirty="0" smtClean="0">
+                <a:solidFill>
+                  <a:schemeClr val="accent6"/>
+                </a:solidFill>
+              </a:rPr>
+              <a:t>A hostname typically consists of name of the host and the DNS domain in which the host resides.</a:t>
+            </a:r>
+            <a:br>
+              <a:rPr lang="en-US" sz="1600" dirty="0" smtClean="0">
+                <a:solidFill>
+                  <a:schemeClr val="accent6"/>
+                </a:solidFill>
+              </a:rPr>
+            </a:br>
+            <a:r>
+              <a:rPr lang="en-US" sz="1600" dirty="0" smtClean="0">
+                <a:solidFill>
+                  <a:schemeClr val="accent6"/>
+                </a:solidFill>
+              </a:rPr>
+              <a:t>linuxcourse.softintellect.bg =&gt; </a:t>
+            </a:r>
+            <a:r>
+              <a:rPr lang="en-US" sz="1600" dirty="0" err="1" smtClean="0">
+                <a:solidFill>
+                  <a:schemeClr val="accent6"/>
+                </a:solidFill>
+              </a:rPr>
+              <a:t>linuxcourse</a:t>
+            </a:r>
+            <a:r>
+              <a:rPr lang="en-US" sz="1600" dirty="0">
+                <a:solidFill>
+                  <a:schemeClr val="accent6"/>
+                </a:solidFill>
+              </a:rPr>
+              <a:t> </a:t>
+            </a:r>
+            <a:r>
+              <a:rPr lang="en-US" sz="1600" dirty="0" smtClean="0">
+                <a:solidFill>
+                  <a:schemeClr val="accent6"/>
+                </a:solidFill>
+              </a:rPr>
+              <a:t>= name of host, softintellect.bg = DNS domain.</a:t>
+            </a:r>
+            <a:r>
+              <a:rPr lang="en-US" sz="1600" dirty="0">
+                <a:solidFill>
+                  <a:schemeClr val="accent6"/>
+                </a:solidFill>
+              </a:rPr>
+              <a:t/>
+            </a:r>
+            <a:br>
+              <a:rPr lang="en-US" sz="1600" dirty="0">
+                <a:solidFill>
+                  <a:schemeClr val="accent6"/>
+                </a:solidFill>
+              </a:rPr>
+            </a:br>
+            <a:r>
+              <a:rPr lang="en-US" sz="1600" dirty="0" smtClean="0">
+                <a:solidFill>
+                  <a:srgbClr val="FF0000"/>
+                </a:solidFill>
+              </a:rPr>
+              <a:t>Exercises.</a:t>
+            </a:r>
+            <a:r>
+              <a:rPr lang="en-US" sz="1600" dirty="0" smtClean="0">
+                <a:solidFill>
+                  <a:schemeClr val="accent6"/>
+                </a:solidFill>
+              </a:rPr>
+              <a:t/>
+            </a:r>
+            <a:br>
+              <a:rPr lang="en-US" sz="1600" dirty="0" smtClean="0">
+                <a:solidFill>
+                  <a:schemeClr val="accent6"/>
+                </a:solidFill>
+              </a:rPr>
+            </a:br>
+            <a:r>
+              <a:rPr lang="en-US" sz="1600" dirty="0" smtClean="0">
+                <a:solidFill>
+                  <a:schemeClr val="bg1"/>
+                </a:solidFill>
+              </a:rPr>
+              <a:t>1. Run ‘</a:t>
+            </a:r>
+            <a:r>
+              <a:rPr lang="en-US" sz="1600" dirty="0" err="1" smtClean="0">
+                <a:solidFill>
+                  <a:schemeClr val="bg1"/>
+                </a:solidFill>
+              </a:rPr>
+              <a:t>hostnamectl</a:t>
+            </a:r>
+            <a:r>
+              <a:rPr lang="en-US" sz="1600" dirty="0" smtClean="0">
+                <a:solidFill>
+                  <a:schemeClr val="bg1"/>
+                </a:solidFill>
+              </a:rPr>
+              <a:t> status’ and analyze the output.</a:t>
+            </a:r>
+            <a:br>
+              <a:rPr lang="en-US" sz="1600" dirty="0" smtClean="0">
+                <a:solidFill>
+                  <a:schemeClr val="bg1"/>
+                </a:solidFill>
+              </a:rPr>
+            </a:br>
+            <a:r>
+              <a:rPr lang="en-US" sz="1600" dirty="0" smtClean="0">
+                <a:solidFill>
+                  <a:schemeClr val="bg1"/>
+                </a:solidFill>
+              </a:rPr>
+              <a:t>2. Change your Linux node hostname, read the ‘</a:t>
+            </a:r>
+            <a:r>
+              <a:rPr lang="en-US" sz="1600" dirty="0" err="1" smtClean="0">
+                <a:solidFill>
+                  <a:schemeClr val="bg1"/>
+                </a:solidFill>
+              </a:rPr>
+              <a:t>hostnamectl</a:t>
+            </a:r>
+            <a:r>
+              <a:rPr lang="en-US" sz="1600" dirty="0" smtClean="0">
+                <a:solidFill>
+                  <a:schemeClr val="bg1"/>
+                </a:solidFill>
+              </a:rPr>
+              <a:t>’ man page.</a:t>
+            </a:r>
+            <a:r>
+              <a:rPr lang="en-US" sz="1600" dirty="0" smtClean="0">
+                <a:solidFill>
+                  <a:schemeClr val="accent6"/>
+                </a:solidFill>
+              </a:rPr>
+              <a:t/>
+            </a:r>
+            <a:br>
+              <a:rPr lang="en-US" sz="1600" dirty="0" smtClean="0">
+                <a:solidFill>
+                  <a:schemeClr val="accent6"/>
+                </a:solidFill>
+              </a:rPr>
+            </a:br>
+            <a:r>
+              <a:rPr lang="en-US" sz="1600" dirty="0" smtClean="0">
+                <a:solidFill>
+                  <a:schemeClr val="accent6"/>
+                </a:solidFill>
+              </a:rPr>
+              <a:t>Resolution files introduction:</a:t>
+            </a:r>
+            <a:br>
+              <a:rPr lang="en-US" sz="1600" dirty="0" smtClean="0">
+                <a:solidFill>
+                  <a:schemeClr val="accent6"/>
+                </a:solidFill>
+              </a:rPr>
+            </a:br>
+            <a:r>
+              <a:rPr lang="en-US" sz="1600" dirty="0" smtClean="0">
+                <a:solidFill>
+                  <a:schemeClr val="bg1"/>
+                </a:solidFill>
+              </a:rPr>
+              <a:t>/</a:t>
+            </a:r>
+            <a:r>
+              <a:rPr lang="en-US" sz="1600" dirty="0" err="1" smtClean="0">
+                <a:solidFill>
+                  <a:schemeClr val="bg1"/>
+                </a:solidFill>
+              </a:rPr>
+              <a:t>etc</a:t>
+            </a:r>
+            <a:r>
+              <a:rPr lang="en-US" sz="1600" dirty="0" smtClean="0">
+                <a:solidFill>
+                  <a:schemeClr val="bg1"/>
+                </a:solidFill>
+              </a:rPr>
+              <a:t>/</a:t>
+            </a:r>
+            <a:r>
+              <a:rPr lang="en-US" sz="1600" dirty="0" err="1" smtClean="0">
+                <a:solidFill>
+                  <a:schemeClr val="bg1"/>
+                </a:solidFill>
+              </a:rPr>
+              <a:t>nsswitch.conf</a:t>
+            </a:r>
+            <a:r>
+              <a:rPr lang="en-US" sz="1600" dirty="0" smtClean="0">
+                <a:solidFill>
+                  <a:schemeClr val="accent6"/>
+                </a:solidFill>
+              </a:rPr>
+              <a:t> =&gt; how the system uses name resolutions.</a:t>
+            </a:r>
+            <a:br>
+              <a:rPr lang="en-US" sz="1600" dirty="0" smtClean="0">
+                <a:solidFill>
+                  <a:schemeClr val="accent6"/>
+                </a:solidFill>
+              </a:rPr>
+            </a:br>
+            <a:endParaRPr lang="en-US" sz="1600" dirty="0">
+              <a:solidFill>
+                <a:schemeClr val="accent6"/>
+              </a:solidFill>
+            </a:endParaRPr>
+          </a:p>
+        </p:txBody>
+      </p:sp>
+      <p:pic>
+        <p:nvPicPr>
+          <p:cNvPr id="7" name="Picture 6"/>
+          <p:cNvPicPr>
+            <a:picLocks noChangeAspect="1"/>
+          </p:cNvPicPr>
+          <p:nvPr/>
+        </p:nvPicPr>
+        <p:blipFill>
+          <a:blip r:embed="rId2">
+            <a:extLst>
+              <a:ext uri="{28A0092B-C50C-407E-A947-70E740481C1C}">
+                <a14:useLocalDpi xmlns:a14="http://schemas.microsoft.com/office/drawing/2010/main" val="0"/>
+              </a:ext>
+            </a:extLst>
+          </a:blip>
+          <a:stretch>
+            <a:fillRect/>
+          </a:stretch>
+        </p:blipFill>
+        <p:spPr>
+          <a:xfrm>
+            <a:off x="2286000" y="3048000"/>
+            <a:ext cx="4351020" cy="1630946"/>
+          </a:xfrm>
+          <a:prstGeom prst="rect">
+            <a:avLst/>
+          </a:prstGeom>
+        </p:spPr>
+      </p:pic>
+    </p:spTree>
+    <p:extLst>
+      <p:ext uri="{BB962C8B-B14F-4D97-AF65-F5344CB8AC3E}">
+        <p14:creationId xmlns:p14="http://schemas.microsoft.com/office/powerpoint/2010/main" val="2089259354"/>
+      </p:ext>
+    </p:extLst>
+  </p:cSld>
+  <p:clrMapOvr>
+    <a:masterClrMapping/>
+  </p:clrMapOvr>
+</p:sld>
+</file>
+
+<file path=ppt/slides/slide11.xml><?xml version="1.0" encoding="utf-8"?>
+<p:sld xmlns:a="http://schemas.openxmlformats.org/drawingml/2006/main" xmlns:r="http://schemas.openxmlformats.org/officeDocument/2006/relationships" xmlns:p="http://schemas.openxmlformats.org/presentationml/2006/main">
+  <p:cSld>
+    <p:spTree>
+      <p:nvGrpSpPr>
+        <p:cNvPr id="1" name=""/>
+        <p:cNvGrpSpPr/>
+        <p:nvPr/>
+      </p:nvGrpSpPr>
+      <p:grpSpPr>
+        <a:xfrm>
+          <a:off x="0" y="0"/>
+          <a:ext cx="0" cy="0"/>
+          <a:chOff x="0" y="0"/>
+          <a:chExt cx="0" cy="0"/>
+        </a:xfrm>
+      </p:grpSpPr>
+      <p:sp>
+        <p:nvSpPr>
+          <p:cNvPr id="2" name="Title 1"/>
+          <p:cNvSpPr>
+            <a:spLocks noGrp="1"/>
+          </p:cNvSpPr>
+          <p:nvPr>
+            <p:ph type="title"/>
+          </p:nvPr>
+        </p:nvSpPr>
+        <p:spPr/>
+        <p:txBody>
+          <a:bodyPr>
+            <a:normAutofit fontScale="90000"/>
+          </a:bodyPr>
+          <a:lstStyle/>
+          <a:p>
+            <a:r>
+              <a:rPr lang="en-US" sz="2200" dirty="0"/>
+              <a:t/>
+            </a:r>
+            <a:br>
+              <a:rPr lang="en-US" sz="2200" dirty="0"/>
+            </a:br>
+            <a:r>
+              <a:rPr lang="en-US" sz="2200" dirty="0" smtClean="0"/>
+              <a:t/>
+            </a:r>
+            <a:br>
+              <a:rPr lang="en-US" sz="2200" dirty="0" smtClean="0"/>
+            </a:br>
+            <a:r>
+              <a:rPr lang="en-US" sz="2200" dirty="0"/>
+              <a:t/>
+            </a:r>
+            <a:br>
+              <a:rPr lang="en-US" sz="2200" dirty="0"/>
+            </a:br>
+            <a:r>
+              <a:rPr lang="en-US" sz="2200" dirty="0" smtClean="0"/>
+              <a:t/>
+            </a:r>
+            <a:br>
+              <a:rPr lang="en-US" sz="2200" dirty="0" smtClean="0"/>
+            </a:br>
+            <a:r>
+              <a:rPr lang="en-US" sz="2200" dirty="0"/>
+              <a:t/>
+            </a:r>
+            <a:br>
+              <a:rPr lang="en-US" sz="2200" dirty="0"/>
+            </a:br>
+            <a:r>
+              <a:rPr lang="en-US" sz="2200" dirty="0" smtClean="0"/>
+              <a:t/>
+            </a:r>
+            <a:br>
+              <a:rPr lang="en-US" sz="2200" dirty="0" smtClean="0"/>
+            </a:br>
+            <a:r>
+              <a:rPr lang="en-US" sz="2200" dirty="0"/>
+              <a:t/>
+            </a:r>
+            <a:br>
+              <a:rPr lang="en-US" sz="2200" dirty="0"/>
+            </a:br>
+            <a:r>
+              <a:rPr lang="en-US" sz="2200" dirty="0" smtClean="0"/>
+              <a:t/>
+            </a:r>
+            <a:br>
+              <a:rPr lang="en-US" sz="2200" dirty="0" smtClean="0"/>
+            </a:br>
+            <a:r>
+              <a:rPr lang="en-US" sz="2200" dirty="0" smtClean="0"/>
+              <a:t/>
+            </a:r>
+            <a:br>
+              <a:rPr lang="en-US" sz="2200" dirty="0" smtClean="0"/>
+            </a:br>
+            <a:r>
+              <a:rPr lang="en-US" sz="2200" dirty="0"/>
+              <a:t/>
+            </a:r>
+            <a:br>
+              <a:rPr lang="en-US" sz="2200" dirty="0"/>
+            </a:br>
+            <a:r>
+              <a:rPr lang="en-US" sz="2200" dirty="0" smtClean="0"/>
+              <a:t/>
+            </a:r>
+            <a:br>
+              <a:rPr lang="en-US" sz="2200" dirty="0" smtClean="0"/>
+            </a:br>
+            <a:r>
+              <a:rPr lang="en-US" sz="2200" dirty="0"/>
+              <a:t/>
+            </a:r>
+            <a:br>
+              <a:rPr lang="en-US" sz="2200" dirty="0"/>
+            </a:br>
+            <a:r>
+              <a:rPr lang="en-US" sz="2200" dirty="0" smtClean="0"/>
+              <a:t/>
+            </a:r>
+            <a:br>
+              <a:rPr lang="en-US" sz="2200" dirty="0" smtClean="0"/>
+            </a:br>
+            <a:r>
+              <a:rPr lang="en-US" sz="2200" dirty="0"/>
+              <a:t/>
+            </a:r>
+            <a:br>
+              <a:rPr lang="en-US" sz="2200" dirty="0"/>
+            </a:br>
+            <a:r>
+              <a:rPr lang="en-US" sz="2200" dirty="0" smtClean="0"/>
+              <a:t/>
+            </a:r>
+            <a:br>
+              <a:rPr lang="en-US" sz="2200" dirty="0" smtClean="0"/>
+            </a:br>
+            <a:r>
+              <a:rPr lang="en-US" sz="2200" dirty="0"/>
+              <a:t/>
+            </a:r>
+            <a:br>
+              <a:rPr lang="en-US" sz="2200" dirty="0"/>
+            </a:br>
+            <a:r>
+              <a:rPr lang="en-US" sz="2200" dirty="0" smtClean="0"/>
+              <a:t/>
+            </a:r>
+            <a:br>
+              <a:rPr lang="en-US" sz="2200" dirty="0" smtClean="0"/>
+            </a:br>
+            <a:r>
+              <a:rPr lang="en-US" sz="2200" dirty="0"/>
+              <a:t/>
+            </a:r>
+            <a:br>
+              <a:rPr lang="en-US" sz="2200" dirty="0"/>
+            </a:br>
+            <a:r>
+              <a:rPr lang="en-US" sz="2200" dirty="0" smtClean="0"/>
+              <a:t/>
+            </a:r>
+            <a:br>
+              <a:rPr lang="en-US" sz="2200" dirty="0" smtClean="0"/>
+            </a:br>
+            <a:r>
+              <a:rPr lang="en-US" sz="2200" dirty="0"/>
+              <a:t/>
+            </a:r>
+            <a:br>
+              <a:rPr lang="en-US" sz="2200" dirty="0"/>
+            </a:br>
+            <a:r>
+              <a:rPr lang="en-US" sz="2000" dirty="0" smtClean="0">
+                <a:solidFill>
+                  <a:schemeClr val="accent6"/>
+                </a:solidFill>
+              </a:rPr>
+              <a:t>/</a:t>
+            </a:r>
+            <a:r>
+              <a:rPr lang="en-US" sz="2000" dirty="0" err="1" smtClean="0">
+                <a:solidFill>
+                  <a:schemeClr val="accent6"/>
+                </a:solidFill>
+              </a:rPr>
+              <a:t>etc</a:t>
+            </a:r>
+            <a:r>
+              <a:rPr lang="en-US" sz="2000" dirty="0" smtClean="0">
+                <a:solidFill>
+                  <a:schemeClr val="accent6"/>
+                </a:solidFill>
+              </a:rPr>
+              <a:t>/hosts =&gt; you might want to put some hostname to </a:t>
+            </a:r>
+            <a:r>
+              <a:rPr lang="en-US" sz="2000" dirty="0" err="1" smtClean="0">
+                <a:solidFill>
+                  <a:schemeClr val="accent6"/>
+                </a:solidFill>
+              </a:rPr>
+              <a:t>ip</a:t>
+            </a:r>
+            <a:r>
+              <a:rPr lang="en-US" sz="2000" dirty="0" smtClean="0">
+                <a:solidFill>
+                  <a:schemeClr val="accent6"/>
+                </a:solidFill>
+              </a:rPr>
+              <a:t> resolutions before DNS can be referenced(mail servers, isolated nodes without networking)</a:t>
+            </a:r>
+            <a:r>
+              <a:rPr lang="en-US" sz="2000" dirty="0">
+                <a:solidFill>
+                  <a:schemeClr val="accent6"/>
+                </a:solidFill>
+              </a:rPr>
+              <a:t/>
+            </a:r>
+            <a:br>
+              <a:rPr lang="en-US" sz="2000" dirty="0">
+                <a:solidFill>
+                  <a:schemeClr val="accent6"/>
+                </a:solidFill>
+              </a:rPr>
+            </a:br>
+            <a:r>
+              <a:rPr lang="en-US" sz="2000" dirty="0" smtClean="0">
+                <a:solidFill>
+                  <a:schemeClr val="accent6"/>
+                </a:solidFill>
+              </a:rPr>
+              <a:t>192.168.1.10 foo.mydomain.org foo</a:t>
+            </a:r>
+            <a:br>
+              <a:rPr lang="en-US" sz="2000" dirty="0" smtClean="0">
+                <a:solidFill>
+                  <a:schemeClr val="accent6"/>
+                </a:solidFill>
+              </a:rPr>
+            </a:br>
+            <a:r>
+              <a:rPr lang="en-US" sz="2000" dirty="0" smtClean="0">
+                <a:solidFill>
+                  <a:schemeClr val="accent6"/>
+                </a:solidFill>
+              </a:rPr>
+              <a:t>/</a:t>
+            </a:r>
+            <a:r>
+              <a:rPr lang="en-US" sz="2000" dirty="0" err="1" smtClean="0">
+                <a:solidFill>
+                  <a:schemeClr val="accent6"/>
+                </a:solidFill>
+              </a:rPr>
+              <a:t>etc</a:t>
+            </a:r>
+            <a:r>
+              <a:rPr lang="en-US" sz="2000" dirty="0" smtClean="0">
+                <a:solidFill>
+                  <a:schemeClr val="accent6"/>
+                </a:solidFill>
+              </a:rPr>
+              <a:t>/</a:t>
+            </a:r>
+            <a:r>
+              <a:rPr lang="en-US" sz="2000" dirty="0" err="1" smtClean="0">
+                <a:solidFill>
+                  <a:schemeClr val="accent6"/>
+                </a:solidFill>
+              </a:rPr>
+              <a:t>resolv.conf</a:t>
+            </a:r>
+            <a:r>
+              <a:rPr lang="en-US" sz="2000" dirty="0" smtClean="0">
+                <a:solidFill>
+                  <a:schemeClr val="accent6"/>
+                </a:solidFill>
+              </a:rPr>
+              <a:t> =&gt; put the DNS servers for usually internet look up. It could be static or done by the DHCP.</a:t>
+            </a:r>
+            <a:br>
+              <a:rPr lang="en-US" sz="2000" dirty="0" smtClean="0">
+                <a:solidFill>
+                  <a:schemeClr val="accent6"/>
+                </a:solidFill>
+              </a:rPr>
+            </a:br>
+            <a:r>
+              <a:rPr lang="en-US" sz="2000" dirty="0">
+                <a:solidFill>
+                  <a:schemeClr val="accent6"/>
+                </a:solidFill>
+              </a:rPr>
+              <a:t/>
+            </a:r>
+            <a:br>
+              <a:rPr lang="en-US" sz="2000" dirty="0">
+                <a:solidFill>
+                  <a:schemeClr val="accent6"/>
+                </a:solidFill>
+              </a:rPr>
+            </a:br>
+            <a:r>
+              <a:rPr lang="en-US" sz="2000" dirty="0" smtClean="0">
+                <a:solidFill>
+                  <a:srgbClr val="FF0000"/>
+                </a:solidFill>
+              </a:rPr>
+              <a:t>Exercises:</a:t>
+            </a:r>
+            <a:r>
+              <a:rPr lang="en-US" sz="2000" dirty="0" smtClean="0">
+                <a:solidFill>
+                  <a:schemeClr val="accent6"/>
+                </a:solidFill>
+              </a:rPr>
+              <a:t/>
+            </a:r>
+            <a:br>
+              <a:rPr lang="en-US" sz="2000" dirty="0" smtClean="0">
+                <a:solidFill>
+                  <a:schemeClr val="accent6"/>
+                </a:solidFill>
+              </a:rPr>
+            </a:br>
+            <a:r>
+              <a:rPr lang="en-US" sz="2000" dirty="0" smtClean="0">
+                <a:solidFill>
+                  <a:schemeClr val="bg1"/>
+                </a:solidFill>
+              </a:rPr>
+              <a:t>1. What is the content of /</a:t>
+            </a:r>
+            <a:r>
+              <a:rPr lang="en-US" sz="2000" dirty="0" err="1" smtClean="0">
+                <a:solidFill>
+                  <a:schemeClr val="bg1"/>
+                </a:solidFill>
+              </a:rPr>
+              <a:t>etc</a:t>
+            </a:r>
+            <a:r>
+              <a:rPr lang="en-US" sz="2000" dirty="0" smtClean="0">
+                <a:solidFill>
+                  <a:schemeClr val="bg1"/>
+                </a:solidFill>
+              </a:rPr>
+              <a:t>/</a:t>
+            </a:r>
+            <a:r>
+              <a:rPr lang="en-US" sz="2000" dirty="0" err="1" smtClean="0">
+                <a:solidFill>
+                  <a:schemeClr val="bg1"/>
+                </a:solidFill>
+              </a:rPr>
+              <a:t>nsswitch.conf</a:t>
+            </a:r>
+            <a:r>
+              <a:rPr lang="en-US" sz="2000" dirty="0">
+                <a:solidFill>
+                  <a:schemeClr val="bg1"/>
+                </a:solidFill>
+              </a:rPr>
+              <a:t> </a:t>
+            </a:r>
+            <a:r>
+              <a:rPr lang="en-US" sz="2000" dirty="0" smtClean="0">
+                <a:solidFill>
+                  <a:schemeClr val="bg1"/>
+                </a:solidFill>
+              </a:rPr>
+              <a:t>? What does the line ‘hosts: files </a:t>
+            </a:r>
+            <a:r>
+              <a:rPr lang="en-US" sz="2000" dirty="0" err="1" smtClean="0">
+                <a:solidFill>
+                  <a:schemeClr val="bg1"/>
+                </a:solidFill>
+              </a:rPr>
+              <a:t>dns</a:t>
+            </a:r>
+            <a:r>
+              <a:rPr lang="en-US" sz="2000" dirty="0" smtClean="0">
+                <a:solidFill>
+                  <a:schemeClr val="bg1"/>
+                </a:solidFill>
+              </a:rPr>
+              <a:t>’ do according to you ?</a:t>
+            </a:r>
+            <a:br>
+              <a:rPr lang="en-US" sz="2000" dirty="0" smtClean="0">
+                <a:solidFill>
+                  <a:schemeClr val="bg1"/>
+                </a:solidFill>
+              </a:rPr>
+            </a:br>
+            <a:r>
+              <a:rPr lang="en-US" sz="2000" dirty="0" smtClean="0">
+                <a:solidFill>
+                  <a:schemeClr val="bg1"/>
+                </a:solidFill>
+              </a:rPr>
+              <a:t>2. List your /</a:t>
+            </a:r>
+            <a:r>
+              <a:rPr lang="en-US" sz="2000" dirty="0" err="1" smtClean="0">
+                <a:solidFill>
+                  <a:schemeClr val="bg1"/>
+                </a:solidFill>
+              </a:rPr>
+              <a:t>etc</a:t>
+            </a:r>
+            <a:r>
+              <a:rPr lang="en-US" sz="2000" dirty="0" smtClean="0">
+                <a:solidFill>
+                  <a:schemeClr val="bg1"/>
+                </a:solidFill>
+              </a:rPr>
+              <a:t>/hosts files ? </a:t>
+            </a:r>
+            <a:r>
+              <a:rPr lang="en-US" sz="2000" dirty="0">
+                <a:solidFill>
+                  <a:schemeClr val="bg1"/>
+                </a:solidFill>
+              </a:rPr>
+              <a:t>A</a:t>
+            </a:r>
+            <a:r>
+              <a:rPr lang="en-US" sz="2000" dirty="0" smtClean="0">
+                <a:solidFill>
+                  <a:schemeClr val="bg1"/>
+                </a:solidFill>
+              </a:rPr>
+              <a:t>dd an imaginary printer FQDN ( linuxprinter.softintellect.bg), IP 192.168.0.3</a:t>
+            </a:r>
+            <a:br>
+              <a:rPr lang="en-US" sz="2000" dirty="0" smtClean="0">
+                <a:solidFill>
+                  <a:schemeClr val="bg1"/>
+                </a:solidFill>
+              </a:rPr>
+            </a:br>
+            <a:r>
+              <a:rPr lang="en-US" sz="2000" dirty="0" smtClean="0">
+                <a:solidFill>
+                  <a:schemeClr val="bg1"/>
+                </a:solidFill>
+              </a:rPr>
+              <a:t>3. List your DNS servers ? What is the DNS server used by google ? Try to switch it ?</a:t>
+            </a:r>
+            <a:br>
+              <a:rPr lang="en-US" sz="2000" dirty="0" smtClean="0">
+                <a:solidFill>
+                  <a:schemeClr val="bg1"/>
+                </a:solidFill>
+              </a:rPr>
+            </a:br>
+            <a:r>
+              <a:rPr lang="en-US" sz="2000" dirty="0">
+                <a:solidFill>
+                  <a:schemeClr val="bg1"/>
+                </a:solidFill>
+              </a:rPr>
+              <a:t/>
+            </a:r>
+            <a:br>
+              <a:rPr lang="en-US" sz="2000" dirty="0">
+                <a:solidFill>
+                  <a:schemeClr val="bg1"/>
+                </a:solidFill>
+              </a:rPr>
+            </a:br>
+            <a:r>
+              <a:rPr lang="en-US" sz="2000" dirty="0" smtClean="0">
+                <a:solidFill>
+                  <a:srgbClr val="FF0000"/>
+                </a:solidFill>
+              </a:rPr>
+              <a:t>Homework:</a:t>
+            </a:r>
+            <a:r>
+              <a:rPr lang="en-US" sz="2000" dirty="0" smtClean="0">
+                <a:solidFill>
+                  <a:schemeClr val="bg1"/>
+                </a:solidFill>
+              </a:rPr>
+              <a:t/>
+            </a:r>
+            <a:br>
+              <a:rPr lang="en-US" sz="2000" dirty="0" smtClean="0">
+                <a:solidFill>
+                  <a:schemeClr val="bg1"/>
+                </a:solidFill>
+              </a:rPr>
+            </a:br>
+            <a:r>
+              <a:rPr lang="en-US" sz="2000" dirty="0" smtClean="0">
+                <a:solidFill>
+                  <a:schemeClr val="bg1"/>
+                </a:solidFill>
+              </a:rPr>
+              <a:t>1. What is a bond interface ? Why would we want to use one ?</a:t>
+            </a:r>
+            <a:br>
+              <a:rPr lang="en-US" sz="2000" dirty="0" smtClean="0">
+                <a:solidFill>
+                  <a:schemeClr val="bg1"/>
+                </a:solidFill>
+              </a:rPr>
+            </a:br>
+            <a:r>
+              <a:rPr lang="en-US" sz="2000" dirty="0" smtClean="0">
+                <a:solidFill>
+                  <a:schemeClr val="bg1"/>
+                </a:solidFill>
+              </a:rPr>
+              <a:t>2. Add a static connection using </a:t>
+            </a:r>
+            <a:r>
+              <a:rPr lang="en-US" sz="2000" dirty="0" err="1" smtClean="0">
+                <a:solidFill>
+                  <a:schemeClr val="bg1"/>
+                </a:solidFill>
+              </a:rPr>
+              <a:t>nmcli</a:t>
+            </a:r>
+            <a:r>
+              <a:rPr lang="en-US" sz="2000" dirty="0" smtClean="0">
+                <a:solidFill>
+                  <a:schemeClr val="bg1"/>
+                </a:solidFill>
+              </a:rPr>
+              <a:t>, you could choose the settings.</a:t>
+            </a:r>
+            <a:br>
+              <a:rPr lang="en-US" sz="2000" dirty="0" smtClean="0">
+                <a:solidFill>
+                  <a:schemeClr val="bg1"/>
+                </a:solidFill>
+              </a:rPr>
+            </a:br>
+            <a:r>
+              <a:rPr lang="en-US" sz="2000" dirty="0" smtClean="0">
+                <a:solidFill>
+                  <a:schemeClr val="bg1"/>
+                </a:solidFill>
+              </a:rPr>
+              <a:t>3. Change your hostname.</a:t>
+            </a:r>
+            <a:br>
+              <a:rPr lang="en-US" sz="2000" dirty="0" smtClean="0">
+                <a:solidFill>
+                  <a:schemeClr val="bg1"/>
+                </a:solidFill>
+              </a:rPr>
+            </a:br>
+            <a:r>
+              <a:rPr lang="en-US" sz="2000" dirty="0" smtClean="0">
+                <a:solidFill>
+                  <a:schemeClr val="bg1"/>
+                </a:solidFill>
+              </a:rPr>
+              <a:t>4. Change your DNS server with Googles.</a:t>
+            </a:r>
+            <a:br>
+              <a:rPr lang="en-US" sz="2000" dirty="0" smtClean="0">
+                <a:solidFill>
+                  <a:schemeClr val="bg1"/>
+                </a:solidFill>
+              </a:rPr>
+            </a:br>
+            <a:r>
+              <a:rPr lang="en-US" sz="2000" dirty="0" smtClean="0">
+                <a:solidFill>
+                  <a:schemeClr val="bg1"/>
+                </a:solidFill>
+              </a:rPr>
+              <a:t>5. Trace the connection </a:t>
+            </a:r>
+            <a:r>
+              <a:rPr lang="en-US" sz="2000" dirty="0">
+                <a:solidFill>
+                  <a:schemeClr val="bg1"/>
+                </a:solidFill>
+              </a:rPr>
+              <a:t>from your host to </a:t>
+            </a:r>
+            <a:r>
+              <a:rPr lang="en-US" sz="2000" dirty="0">
+                <a:solidFill>
+                  <a:schemeClr val="bg1"/>
+                </a:solidFill>
+                <a:hlinkClick r:id="rId2"/>
+              </a:rPr>
+              <a:t>http://soft-intellect.com/linux</a:t>
+            </a:r>
+            <a:r>
+              <a:rPr lang="en-US" sz="2000" dirty="0" smtClean="0">
+                <a:solidFill>
+                  <a:schemeClr val="bg1"/>
+                </a:solidFill>
+                <a:hlinkClick r:id="rId2"/>
+              </a:rPr>
+              <a:t>/</a:t>
+            </a:r>
+            <a:r>
+              <a:rPr lang="en-US" sz="2000" dirty="0" smtClean="0">
+                <a:solidFill>
+                  <a:schemeClr val="bg1"/>
+                </a:solidFill>
+              </a:rPr>
+              <a:t>, what </a:t>
+            </a:r>
+            <a:r>
+              <a:rPr lang="en-US" sz="2200" dirty="0" smtClean="0">
+                <a:solidFill>
+                  <a:schemeClr val="bg1"/>
+                </a:solidFill>
+              </a:rPr>
+              <a:t>command did you use ? </a:t>
+            </a:r>
+            <a:r>
+              <a:rPr lang="en-US" dirty="0">
+                <a:solidFill>
+                  <a:schemeClr val="accent6"/>
+                </a:solidFill>
+              </a:rPr>
+              <a:t/>
+            </a:r>
+            <a:br>
+              <a:rPr lang="en-US" dirty="0">
+                <a:solidFill>
+                  <a:schemeClr val="accent6"/>
+                </a:solidFill>
+              </a:rPr>
+            </a:br>
+            <a:endParaRPr lang="en-US" dirty="0"/>
+          </a:p>
+        </p:txBody>
+      </p:sp>
+    </p:spTree>
+    <p:extLst>
+      <p:ext uri="{BB962C8B-B14F-4D97-AF65-F5344CB8AC3E}">
+        <p14:creationId xmlns:p14="http://schemas.microsoft.com/office/powerpoint/2010/main" val="438055274"/>
+      </p:ext>
+    </p:extLst>
+  </p:cSld>
+  <p:clrMapOvr>
+    <a:masterClrMapping/>
+  </p:clrMapOvr>
 </p:sld>
 </file>
 
@@ -4760,37 +5726,85 @@
                   <a:schemeClr val="accent6"/>
                 </a:solidFill>
               </a:rPr>
-              <a:t>1. IP address =&gt; numerical label assigned to each device, participating in a computer network that uses the Internet protocol for communication.</a:t>
-            </a:r>
-            <a:br>
-              <a:rPr lang="en-US" sz="3100" dirty="0" smtClean="0">
-                <a:solidFill>
-                  <a:schemeClr val="accent6"/>
-                </a:solidFill>
-              </a:rPr>
-            </a:br>
-            <a:r>
-              <a:rPr lang="en-US" sz="3100" dirty="0" smtClean="0">
-                <a:solidFill>
-                  <a:schemeClr val="accent6"/>
-                </a:solidFill>
-              </a:rPr>
-              <a:t>2. Subnet mask =&gt; to know to which network a computer belongs.</a:t>
-            </a:r>
-            <a:br>
-              <a:rPr lang="en-US" sz="3100" dirty="0" smtClean="0">
-                <a:solidFill>
-                  <a:schemeClr val="accent6"/>
-                </a:solidFill>
-              </a:rPr>
-            </a:br>
-            <a:r>
-              <a:rPr lang="en-US" sz="3100" dirty="0" smtClean="0">
-                <a:solidFill>
-                  <a:schemeClr val="accent6"/>
-                </a:solidFill>
-              </a:rPr>
-              <a:t>3. DNS server =&gt; to translate the IP addresses into FQDNs.</a:t>
+              <a:t>1. </a:t>
+            </a:r>
+            <a:r>
+              <a:rPr lang="en-US" sz="3100" dirty="0" smtClean="0">
+                <a:solidFill>
+                  <a:schemeClr val="bg1"/>
+                </a:solidFill>
+              </a:rPr>
+              <a:t>IP address </a:t>
+            </a:r>
+            <a:r>
+              <a:rPr lang="en-US" sz="3100" dirty="0" smtClean="0">
+                <a:solidFill>
+                  <a:schemeClr val="accent6"/>
+                </a:solidFill>
+              </a:rPr>
+              <a:t>=&gt; numerical label assigned to each device, participating in a computer network that uses the Internet protocol for communication.</a:t>
+            </a:r>
+            <a:br>
+              <a:rPr lang="en-US" sz="3100" dirty="0" smtClean="0">
+                <a:solidFill>
+                  <a:schemeClr val="accent6"/>
+                </a:solidFill>
+              </a:rPr>
+            </a:br>
+            <a:r>
+              <a:rPr lang="en-US" sz="3100" dirty="0" smtClean="0">
+                <a:solidFill>
+                  <a:schemeClr val="accent6"/>
+                </a:solidFill>
+              </a:rPr>
+              <a:t>2. </a:t>
+            </a:r>
+            <a:r>
+              <a:rPr lang="en-US" sz="3100" dirty="0" smtClean="0">
+                <a:solidFill>
+                  <a:schemeClr val="bg1"/>
+                </a:solidFill>
+              </a:rPr>
+              <a:t>Subnet mask </a:t>
+            </a:r>
+            <a:r>
+              <a:rPr lang="en-US" sz="3100" dirty="0" smtClean="0">
+                <a:solidFill>
+                  <a:schemeClr val="accent6"/>
+                </a:solidFill>
+              </a:rPr>
+              <a:t>=&gt; to know to which network a computer belongs.</a:t>
+            </a:r>
+            <a:br>
+              <a:rPr lang="en-US" sz="3100" dirty="0" smtClean="0">
+                <a:solidFill>
+                  <a:schemeClr val="accent6"/>
+                </a:solidFill>
+              </a:rPr>
+            </a:br>
+            <a:r>
+              <a:rPr lang="en-US" sz="3100" dirty="0" smtClean="0">
+                <a:solidFill>
+                  <a:schemeClr val="accent6"/>
+                </a:solidFill>
+              </a:rPr>
+              <a:t>3. </a:t>
+            </a:r>
+            <a:r>
+              <a:rPr lang="en-US" sz="3100" dirty="0" smtClean="0">
+                <a:solidFill>
+                  <a:schemeClr val="bg1"/>
+                </a:solidFill>
+              </a:rPr>
+              <a:t>DNS server </a:t>
+            </a:r>
+            <a:r>
+              <a:rPr lang="en-US" sz="3100" dirty="0" smtClean="0">
+                <a:solidFill>
+                  <a:schemeClr val="accent6"/>
+                </a:solidFill>
+              </a:rPr>
+              <a:t>=&gt; to translate the IP addresses into FQDNs.</a:t>
             </a:r>
             <a:br>
               <a:rPr lang="en-US" sz="3100" dirty="0" smtClean="0">
@@ -5136,7 +6150,23 @@
                   <a:schemeClr val="accent6"/>
                 </a:solidFill>
               </a:rPr>
-              <a:t>When private addresses are used, the nodes cannot access the Internet, and nodes from the Internet cannot easily access them. That’s why Network Address Translation (NAT) is often used. </a:t>
+              <a:t>When private addresses are used, the nodes cannot access the Internet, and nodes from the Internet cannot easily access them. That’s why Network Address Translation (</a:t>
+            </a:r>
+            <a:r>
+              <a:rPr lang="en-US" sz="2000" dirty="0" smtClean="0">
+                <a:solidFill>
+                  <a:schemeClr val="bg1"/>
+                </a:solidFill>
+              </a:rPr>
+              <a:t>NAT</a:t>
+            </a:r>
+            <a:r>
+              <a:rPr lang="en-US" sz="2000" dirty="0" smtClean="0">
+                <a:solidFill>
+                  <a:schemeClr val="accent6"/>
+                </a:solidFill>
+              </a:rPr>
+              <a:t>) is often used. </a:t>
             </a:r>
           </a:p>
           <a:p>
@@ -5153,7 +6183,23 @@
                   <a:schemeClr val="accent6"/>
                 </a:solidFill>
               </a:rPr>
-              <a:t>In NAT the nodes use a private IP address, but when facing the Internet, this private IP is replaced with the IP address of the NAT router. Hence, nodes on the Internet think that they are communicating with the NAT router, and not with the induvial hosts. The NAT router on its turn uses tables to keep track of all connections.</a:t>
+              <a:t>In NAT the nodes use a private IP address, but when facing the Internet, this private IP is replaced with the IP address of the </a:t>
+            </a:r>
+            <a:r>
+              <a:rPr lang="en-US" sz="2000" dirty="0" smtClean="0">
+                <a:solidFill>
+                  <a:schemeClr val="bg1"/>
+                </a:solidFill>
+              </a:rPr>
+              <a:t>NAT router</a:t>
+            </a:r>
+            <a:r>
+              <a:rPr lang="en-US" sz="2000" dirty="0" smtClean="0">
+                <a:solidFill>
+                  <a:schemeClr val="accent6"/>
+                </a:solidFill>
+              </a:rPr>
+              <a:t>. Hence, nodes on the Internet think that they are communicating with the NAT router, and not with the induvial hosts. The NAT router on its turn uses tables to keep track of all connections.</a:t>
             </a:r>
           </a:p>
           <a:p>
@@ -5216,6 +6262,341 @@
 </file>
 
 <file path=ppt/slides/slide5.xml><?xml version="1.0" encoding="utf-8"?>
+<p:sld xmlns:a="http://schemas.openxmlformats.org/drawingml/2006/main" xmlns:r="http://schemas.openxmlformats.org/officeDocument/2006/relationships" xmlns:p="http://schemas.openxmlformats.org/presentationml/2006/main">
+  <p:cSld>
+    <p:spTree>
+      <p:nvGrpSpPr>
+        <p:cNvPr id="1" name=""/>
+        <p:cNvGrpSpPr/>
+        <p:nvPr/>
+      </p:nvGrpSpPr>
+      <p:grpSpPr>
+        <a:xfrm>
+          <a:off x="0" y="0"/>
+          <a:ext cx="0" cy="0"/>
+          <a:chOff x="0" y="0"/>
+          <a:chExt cx="0" cy="0"/>
+        </a:xfrm>
+      </p:grpSpPr>
+      <p:sp>
+        <p:nvSpPr>
+          <p:cNvPr id="7" name="TextBox 6"/>
+          <p:cNvSpPr txBox="1"/>
+          <p:nvPr/>
+        </p:nvSpPr>
+        <p:spPr>
+          <a:xfrm>
+            <a:off x="304800" y="609601"/>
+            <a:ext cx="8305800" cy="3785652"/>
+          </a:xfrm>
+          <a:prstGeom prst="rect">
+            <a:avLst/>
+          </a:prstGeom>
+          <a:noFill/>
+        </p:spPr>
+        <p:txBody>
+          <a:bodyPr wrap="square" rtlCol="0">
+            <a:spAutoFit/>
+          </a:bodyPr>
+          <a:lstStyle/>
+          <a:p>
+            <a:r>
+              <a:rPr lang="en-US" sz="2000" dirty="0" smtClean="0">
+                <a:solidFill>
+                  <a:schemeClr val="accent6"/>
+                </a:solidFill>
+              </a:rPr>
+              <a:t>IPv4 addresses</a:t>
+            </a:r>
+          </a:p>
+          <a:p>
+            <a:endParaRPr lang="en-US" sz="2000" dirty="0">
+              <a:solidFill>
+                <a:schemeClr val="accent6"/>
+              </a:solidFill>
+            </a:endParaRPr>
+          </a:p>
+          <a:p>
+            <a:r>
+              <a:rPr lang="en-US" sz="2000" dirty="0" smtClean="0">
+                <a:solidFill>
+                  <a:schemeClr val="accent6"/>
+                </a:solidFill>
+              </a:rPr>
+              <a:t>An </a:t>
+            </a:r>
+            <a:r>
+              <a:rPr lang="en-US" sz="2000" dirty="0" smtClean="0">
+                <a:solidFill>
+                  <a:schemeClr val="accent6"/>
+                </a:solidFill>
+              </a:rPr>
+              <a:t>IPv4 address is a 32-bit number, normally expressed in decimal as four octets ranging in value from 0 to 255, separated by dots. The address is divided into two parts: the network part and the host part. All hosts on the same subnet, which can talk to each other directly without a router, have the same network part. ; the network part identifies the subnet.</a:t>
+            </a:r>
+          </a:p>
+          <a:p>
+            <a:endParaRPr lang="en-US" sz="2000" dirty="0" smtClean="0">
+              <a:solidFill>
+                <a:schemeClr val="accent6"/>
+              </a:solidFill>
+            </a:endParaRPr>
+          </a:p>
+          <a:p>
+            <a:r>
+              <a:rPr lang="en-US" sz="2000" dirty="0" smtClean="0">
+                <a:solidFill>
+                  <a:schemeClr val="accent6"/>
+                </a:solidFill>
+              </a:rPr>
+              <a:t>To know which part of an IPv4 address is the network part and which the host, an admin must know the netmask, which is assigned to the subnet.</a:t>
+            </a:r>
+            <a:endParaRPr lang="en-US" sz="2000" dirty="0">
+              <a:solidFill>
+                <a:schemeClr val="accent6"/>
+              </a:solidFill>
+            </a:endParaRPr>
+          </a:p>
+          <a:p>
+            <a:endParaRPr lang="en-US" sz="2000" dirty="0">
+              <a:solidFill>
+                <a:schemeClr val="accent6"/>
+              </a:solidFill>
+            </a:endParaRPr>
+          </a:p>
+          <a:p>
+            <a:endParaRPr lang="en-US" sz="2000" dirty="0" smtClean="0">
+              <a:solidFill>
+                <a:schemeClr val="accent6"/>
+              </a:solidFill>
+            </a:endParaRPr>
+          </a:p>
+        </p:txBody>
+      </p:sp>
+      <p:pic>
+        <p:nvPicPr>
+          <p:cNvPr id="3" name="Picture 2"/>
+          <p:cNvPicPr>
+            <a:picLocks noChangeAspect="1"/>
+          </p:cNvPicPr>
+          <p:nvPr/>
+        </p:nvPicPr>
+        <p:blipFill>
+          <a:blip r:embed="rId2">
+            <a:extLst>
+              <a:ext uri="{28A0092B-C50C-407E-A947-70E740481C1C}">
+                <a14:useLocalDpi xmlns:a14="http://schemas.microsoft.com/office/drawing/2010/main" val="0"/>
+              </a:ext>
+            </a:extLst>
+          </a:blip>
+          <a:stretch>
+            <a:fillRect/>
+          </a:stretch>
+        </p:blipFill>
+        <p:spPr>
+          <a:xfrm>
+            <a:off x="2286000" y="3886200"/>
+            <a:ext cx="4343400" cy="2819033"/>
+          </a:xfrm>
+          <a:prstGeom prst="rect">
+            <a:avLst/>
+          </a:prstGeom>
+        </p:spPr>
+      </p:pic>
+    </p:spTree>
+    <p:extLst>
+      <p:ext uri="{BB962C8B-B14F-4D97-AF65-F5344CB8AC3E}">
+        <p14:creationId xmlns:p14="http://schemas.microsoft.com/office/powerpoint/2010/main" val="1872414501"/>
+      </p:ext>
+    </p:extLst>
+  </p:cSld>
+  <p:clrMapOvr>
+    <a:masterClrMapping/>
+  </p:clrMapOvr>
+</p:sld>
+</file>
+
+<file path=ppt/slides/slide6.xml><?xml version="1.0" encoding="utf-8"?>
+<p:sld xmlns:a="http://schemas.openxmlformats.org/drawingml/2006/main" xmlns:r="http://schemas.openxmlformats.org/officeDocument/2006/relationships" xmlns:p="http://schemas.openxmlformats.org/presentationml/2006/main">
+  <p:cSld>
+    <p:spTree>
+      <p:nvGrpSpPr>
+        <p:cNvPr id="1" name=""/>
+        <p:cNvGrpSpPr/>
+        <p:nvPr/>
+      </p:nvGrpSpPr>
+      <p:grpSpPr>
+        <a:xfrm>
+          <a:off x="0" y="0"/>
+          <a:ext cx="0" cy="0"/>
+          <a:chOff x="0" y="0"/>
+          <a:chExt cx="0" cy="0"/>
+        </a:xfrm>
+      </p:grpSpPr>
+      <p:sp>
+        <p:nvSpPr>
+          <p:cNvPr id="2" name="Title 1"/>
+          <p:cNvSpPr>
+            <a:spLocks noGrp="1"/>
+          </p:cNvSpPr>
+          <p:nvPr>
+            <p:ph type="title"/>
+          </p:nvPr>
+        </p:nvSpPr>
+        <p:spPr/>
+        <p:txBody>
+          <a:bodyPr>
+            <a:normAutofit fontScale="90000"/>
+          </a:bodyPr>
+          <a:lstStyle/>
+          <a:p>
+            <a:r>
+              <a:rPr lang="en-US" dirty="0" smtClean="0">
+                <a:solidFill>
+                  <a:schemeClr val="accent6"/>
+                </a:solidFill>
+              </a:rPr>
+              <a:t/>
+            </a:r>
+            <a:br>
+              <a:rPr lang="en-US" dirty="0" smtClean="0">
+                <a:solidFill>
+                  <a:schemeClr val="accent6"/>
+                </a:solidFill>
+              </a:rPr>
+            </a:br>
+            <a:r>
+              <a:rPr lang="en-US" dirty="0">
+                <a:solidFill>
+                  <a:schemeClr val="accent6"/>
+                </a:solidFill>
+              </a:rPr>
+              <a:t/>
+            </a:r>
+            <a:br>
+              <a:rPr lang="en-US" dirty="0">
+                <a:solidFill>
+                  <a:schemeClr val="accent6"/>
+                </a:solidFill>
+              </a:rPr>
+            </a:br>
+            <a:r>
+              <a:rPr lang="en-US" dirty="0" smtClean="0">
+                <a:solidFill>
+                  <a:schemeClr val="accent6"/>
+                </a:solidFill>
+              </a:rPr>
+              <a:t/>
+            </a:r>
+            <a:br>
+              <a:rPr lang="en-US" dirty="0" smtClean="0">
+                <a:solidFill>
+                  <a:schemeClr val="accent6"/>
+                </a:solidFill>
+              </a:rPr>
+            </a:br>
+            <a:r>
+              <a:rPr lang="en-US" dirty="0">
+                <a:solidFill>
+                  <a:schemeClr val="accent6"/>
+                </a:solidFill>
+              </a:rPr>
+              <a:t/>
+            </a:r>
+            <a:br>
+              <a:rPr lang="en-US" dirty="0">
+                <a:solidFill>
+                  <a:schemeClr val="accent6"/>
+                </a:solidFill>
+              </a:rPr>
+            </a:br>
+            <a:r>
+              <a:rPr lang="en-US" dirty="0" smtClean="0">
+                <a:solidFill>
+                  <a:schemeClr val="accent6"/>
+                </a:solidFill>
+              </a:rPr>
+              <a:t/>
+            </a:r>
+            <a:br>
+              <a:rPr lang="en-US" dirty="0" smtClean="0">
+                <a:solidFill>
+                  <a:schemeClr val="accent6"/>
+                </a:solidFill>
+              </a:rPr>
+            </a:br>
+            <a:r>
+              <a:rPr lang="en-US" sz="2700" dirty="0" smtClean="0">
+                <a:solidFill>
+                  <a:schemeClr val="accent6"/>
+                </a:solidFill>
+              </a:rPr>
+              <a:t>The lowest possible address on a subnet is called the Network Address, the highest is used for broadcasting messages in IPv4 and is called the broadcast address. Network masks could be expressed in 255.255.255.0 for example, or with a network prefix like ‘/24’.</a:t>
+            </a:r>
+            <a:r>
+              <a:rPr lang="en-US" dirty="0" smtClean="0"/>
+              <a:t>TT</a:t>
+            </a:r>
+            <a:br>
+              <a:rPr lang="en-US" dirty="0" smtClean="0"/>
+            </a:br>
+            <a:r>
+              <a:rPr lang="en-US" dirty="0"/>
+              <a:t/>
+            </a:r>
+            <a:br>
+              <a:rPr lang="en-US" dirty="0"/>
+            </a:br>
+            <a:r>
+              <a:rPr lang="en-US" dirty="0" smtClean="0"/>
+              <a:t>The</a:t>
+            </a:r>
+            <a:endParaRPr lang="en-US" dirty="0"/>
+          </a:p>
+        </p:txBody>
+      </p:sp>
+      <p:pic>
+        <p:nvPicPr>
+          <p:cNvPr id="4" name="Content Placeholder 3"/>
+          <p:cNvPicPr>
+            <a:picLocks noGrp="1" noChangeAspect="1"/>
+          </p:cNvPicPr>
+          <p:nvPr>
+            <p:ph idx="1"/>
+          </p:nvPr>
+        </p:nvPicPr>
+        <p:blipFill>
+          <a:blip r:embed="rId2">
+            <a:extLst>
+              <a:ext uri="{28A0092B-C50C-407E-A947-70E740481C1C}">
+                <a14:useLocalDpi xmlns:a14="http://schemas.microsoft.com/office/drawing/2010/main" val="0"/>
+              </a:ext>
+            </a:extLst>
+          </a:blip>
+          <a:stretch>
+            <a:fillRect/>
+          </a:stretch>
+        </p:blipFill>
+        <p:spPr>
+          <a:xfrm>
+            <a:off x="615139" y="3276600"/>
+            <a:ext cx="8071661" cy="1656357"/>
+          </a:xfrm>
+        </p:spPr>
+      </p:pic>
+    </p:spTree>
+    <p:extLst>
+      <p:ext uri="{BB962C8B-B14F-4D97-AF65-F5344CB8AC3E}">
+        <p14:creationId xmlns:p14="http://schemas.microsoft.com/office/powerpoint/2010/main" val="1222210187"/>
+      </p:ext>
+    </p:extLst>
+  </p:cSld>
+  <p:clrMapOvr>
+    <a:masterClrMapping/>
+  </p:clrMapOvr>
+</p:sld>
+</file>
+
+<file path=ppt/slides/slide7.xml><?xml version="1.0" encoding="utf-8"?>
 <p:sld xmlns:a="http://schemas.openxmlformats.org/drawingml/2006/main" xmlns:r="http://schemas.openxmlformats.org/officeDocument/2006/relationships" xmlns:p="http://schemas.openxmlformats.org/presentationml/2006/main">
   <p:cSld>
     <p:spTree>
@@ -5529,7 +6910,7 @@
 </p:sld>
 </file>
 
-<file path=ppt/slides/slide6.xml><?xml version="1.0" encoding="utf-8"?>
+<file path=ppt/slides/slide8.xml><?xml version="1.0" encoding="utf-8"?>
 <p:sld xmlns:a="http://schemas.openxmlformats.org/drawingml/2006/main" xmlns:r="http://schemas.openxmlformats.org/officeDocument/2006/relationships" xmlns:p="http://schemas.openxmlformats.org/presentationml/2006/main">
   <p:cSld>
     <p:spTree>
@@ -5898,23 +7279,55 @@
                   <a:schemeClr val="accent6"/>
                 </a:solidFill>
               </a:rPr>
-              <a:t>The network addresses can be static or dynamic(DHCP). Usually the DHCP also </a:t>
-            </a:r>
-            <a:r>
-              <a:rPr lang="en-US" dirty="0" err="1" smtClean="0">
-                <a:solidFill>
-                  <a:schemeClr val="accent6"/>
-                </a:solidFill>
-              </a:rPr>
-              <a:t>assignes</a:t>
+              <a:t>The network addresses can be static or dynamic(</a:t>
             </a:r>
             <a:r>
               <a:rPr lang="en-US" dirty="0" smtClean="0">
                 <a:solidFill>
-                  <a:schemeClr val="accent6"/>
-                </a:solidFill>
-              </a:rPr>
-              <a:t> the DNS servers to be used. In CentOS 7 the interface(network card) names have new labels:</a:t>
+                  <a:schemeClr val="bg1"/>
+                </a:solidFill>
+              </a:rPr>
+              <a:t>DHCP</a:t>
+            </a:r>
+            <a:r>
+              <a:rPr lang="en-US" dirty="0" smtClean="0">
+                <a:solidFill>
+                  <a:schemeClr val="accent6"/>
+                </a:solidFill>
+              </a:rPr>
+              <a:t>). Usually the DHCP also </a:t>
+            </a:r>
+            <a:r>
+              <a:rPr lang="en-US" dirty="0" smtClean="0">
+                <a:solidFill>
+                  <a:schemeClr val="accent6"/>
+                </a:solidFill>
+              </a:rPr>
+              <a:t>assigns </a:t>
+            </a:r>
+            <a:r>
+              <a:rPr lang="en-US" dirty="0" smtClean="0">
+                <a:solidFill>
+                  <a:schemeClr val="accent6"/>
+                </a:solidFill>
+              </a:rPr>
+              <a:t>the DNS servers to be </a:t>
+            </a:r>
+            <a:r>
+              <a:rPr lang="en-US" dirty="0" smtClean="0">
+                <a:solidFill>
+                  <a:schemeClr val="accent6"/>
+                </a:solidFill>
+              </a:rPr>
+              <a:t>used as well. </a:t>
+            </a:r>
+            <a:r>
+              <a:rPr lang="en-US" dirty="0" smtClean="0">
+                <a:solidFill>
+                  <a:schemeClr val="accent6"/>
+                </a:solidFill>
+              </a:rPr>
+              <a:t>In CentOS 7 the interface(network card) names have new labels:</a:t>
             </a:r>
           </a:p>
           <a:p>
@@ -5936,7 +7349,7 @@
             <a:r>
               <a:rPr lang="en-US" dirty="0" err="1" smtClean="0">
                 <a:solidFill>
-                  <a:schemeClr val="accent6"/>
+                  <a:schemeClr val="bg1"/>
                 </a:solidFill>
               </a:rPr>
               <a:t>en</a:t>
@@ -5952,7 +7365,7 @@
             <a:r>
               <a:rPr lang="en-US" dirty="0" err="1" smtClean="0">
                 <a:solidFill>
-                  <a:schemeClr val="accent6"/>
+                  <a:schemeClr val="bg1"/>
                 </a:solidFill>
               </a:rPr>
               <a:t>wl</a:t>
@@ -5963,7 +7376,119 @@
                   <a:schemeClr val="accent6"/>
                 </a:solidFill>
               </a:rPr>
-              <a:t>’. The next part represents the type of the adapter. An ‘o’ is used for onboard (built in), ‘s’ is for hot plug spot, ‘p’ is for PCI location (externally attached). It ends with a number representing index, ID or port.</a:t>
+              <a:t>’. The next part represents the type of the adapter. An ‘</a:t>
+            </a:r>
+            <a:r>
+              <a:rPr lang="en-US" dirty="0" smtClean="0">
+                <a:solidFill>
+                  <a:schemeClr val="bg1"/>
+                </a:solidFill>
+              </a:rPr>
+              <a:t>o</a:t>
+            </a:r>
+            <a:r>
+              <a:rPr lang="en-US" dirty="0" smtClean="0">
+                <a:solidFill>
+                  <a:schemeClr val="accent6"/>
+                </a:solidFill>
+              </a:rPr>
+              <a:t>’ is used for onboard (</a:t>
+            </a:r>
+            <a:r>
+              <a:rPr lang="en-US" dirty="0" smtClean="0">
+                <a:solidFill>
+                  <a:schemeClr val="bg1"/>
+                </a:solidFill>
+              </a:rPr>
+              <a:t>built i</a:t>
+            </a:r>
+            <a:r>
+              <a:rPr lang="en-US" dirty="0" smtClean="0">
+                <a:solidFill>
+                  <a:schemeClr val="accent6"/>
+                </a:solidFill>
+              </a:rPr>
+              <a:t>n), ‘</a:t>
+            </a:r>
+            <a:r>
+              <a:rPr lang="en-US" dirty="0" smtClean="0">
+                <a:solidFill>
+                  <a:schemeClr val="bg1"/>
+                </a:solidFill>
+              </a:rPr>
+              <a:t>s</a:t>
+            </a:r>
+            <a:r>
+              <a:rPr lang="en-US" dirty="0" smtClean="0">
+                <a:solidFill>
+                  <a:schemeClr val="accent6"/>
+                </a:solidFill>
+              </a:rPr>
+              <a:t>’ is for hot plug spot, ‘</a:t>
+            </a:r>
+            <a:r>
+              <a:rPr lang="en-US" dirty="0" smtClean="0">
+                <a:solidFill>
+                  <a:schemeClr val="bg1"/>
+                </a:solidFill>
+              </a:rPr>
+              <a:t>p</a:t>
+            </a:r>
+            <a:r>
+              <a:rPr lang="en-US" dirty="0" smtClean="0">
+                <a:solidFill>
+                  <a:schemeClr val="accent6"/>
+                </a:solidFill>
+              </a:rPr>
+              <a:t>’ is for PCI location (externally attached). It ends with a number representing </a:t>
+            </a:r>
+            <a:r>
+              <a:rPr lang="en-US" dirty="0" smtClean="0">
+                <a:solidFill>
+                  <a:schemeClr val="bg1"/>
+                </a:solidFill>
+              </a:rPr>
+              <a:t>index,</a:t>
+            </a:r>
+            <a:r>
+              <a:rPr lang="en-US" dirty="0" smtClean="0">
+                <a:solidFill>
+                  <a:schemeClr val="accent6"/>
+                </a:solidFill>
+              </a:rPr>
+              <a:t> </a:t>
+            </a:r>
+            <a:r>
+              <a:rPr lang="en-US" dirty="0" smtClean="0">
+                <a:solidFill>
+                  <a:schemeClr val="bg1"/>
+                </a:solidFill>
+              </a:rPr>
+              <a:t>ID</a:t>
+            </a:r>
+            <a:r>
+              <a:rPr lang="en-US" dirty="0" smtClean="0">
+                <a:solidFill>
+                  <a:schemeClr val="accent6"/>
+                </a:solidFill>
+              </a:rPr>
+              <a:t> or </a:t>
+            </a:r>
+            <a:r>
+              <a:rPr lang="en-US" dirty="0" smtClean="0">
+                <a:solidFill>
+                  <a:schemeClr val="bg1"/>
+                </a:solidFill>
+              </a:rPr>
+              <a:t>port</a:t>
+            </a:r>
+            <a:r>
+              <a:rPr lang="en-US" dirty="0" smtClean="0">
+                <a:solidFill>
+                  <a:schemeClr val="accent6"/>
+                </a:solidFill>
+              </a:rPr>
+              <a:t>.</a:t>
             </a:r>
           </a:p>
           <a:p>
@@ -5980,18 +7505,10 @@
                   <a:schemeClr val="accent6"/>
                 </a:solidFill>
               </a:rPr>
-              <a:t>Example </a:t>
-            </a:r>
-            <a:r>
-              <a:rPr lang="en-US" smtClean="0">
-                <a:solidFill>
-                  <a:schemeClr val="accent6"/>
-                </a:solidFill>
-              </a:rPr>
-              <a:t>=&gt; </a:t>
-            </a:r>
-            <a:r>
-              <a:rPr lang="en-US" smtClean="0">
+              <a:t>Example =&gt; </a:t>
+            </a:r>
+            <a:r>
+              <a:rPr lang="en-US" dirty="0" smtClean="0">
                 <a:solidFill>
                   <a:schemeClr val="bg1"/>
                 </a:solidFill>
@@ -5999,20 +7516,12 @@
               <a:t>eno16777734</a:t>
             </a:r>
             <a:r>
-              <a:rPr lang="en-US" smtClean="0">
-                <a:solidFill>
-                  <a:schemeClr val="accent6"/>
-                </a:solidFill>
-              </a:rPr>
-              <a:t> </a:t>
-            </a:r>
-            <a:r>
               <a:rPr lang="en-US" dirty="0" smtClean="0">
                 <a:solidFill>
                   <a:schemeClr val="accent6"/>
                 </a:solidFill>
               </a:rPr>
-              <a:t>on boarded Ethernet interface with unique index number.</a:t>
+              <a:t> on boarded Ethernet interface with unique index number.</a:t>
             </a:r>
           </a:p>
         </p:txBody>
@@ -6037,7 +7546,7 @@
 </p:sld>
 </file>
 
-<file path=ppt/slides/slide7.xml><?xml version="1.0" encoding="utf-8"?>
+<file path=ppt/slides/slide9.xml><?xml version="1.0" encoding="utf-8"?>
 <p:sld xmlns:a="http://schemas.openxmlformats.org/drawingml/2006/main" xmlns:r="http://schemas.openxmlformats.org/officeDocument/2006/relationships" xmlns:p="http://schemas.openxmlformats.org/presentationml/2006/main">
   <p:cSld>
     <p:spTree>
@@ -6452,6 +7961,66 @@
               </a:rPr>
             </a:br>
             <a:r>
+              <a:rPr lang="en-US" sz="2400" smtClean="0">
+                <a:solidFill>
+                  <a:schemeClr val="accent6"/>
+                </a:solidFill>
+              </a:rPr>
+              <a:t/>
+            </a:r>
+            <a:br>
+              <a:rPr lang="en-US" sz="2400" smtClean="0">
+                <a:solidFill>
+                  <a:schemeClr val="accent6"/>
+                </a:solidFill>
+              </a:rPr>
+            </a:br>
+            <a:r>
+              <a:rPr lang="en-US" sz="2400" smtClean="0">
+                <a:solidFill>
+                  <a:schemeClr val="accent6"/>
+                </a:solidFill>
+              </a:rPr>
+              <a:t/>
+            </a:r>
+            <a:br>
+              <a:rPr lang="en-US" sz="2400" smtClean="0">
+                <a:solidFill>
+                  <a:schemeClr val="accent6"/>
+                </a:solidFill>
+              </a:rPr>
+            </a:br>
+            <a:r>
+              <a:rPr lang="en-US" sz="2400">
+                <a:solidFill>
+                  <a:schemeClr val="accent6"/>
+                </a:solidFill>
+              </a:rPr>
+              <a:t/>
+            </a:r>
+            <a:br>
+              <a:rPr lang="en-US" sz="2400">
+                <a:solidFill>
+                  <a:schemeClr val="accent6"/>
+                </a:solidFill>
+              </a:rPr>
+            </a:br>
+            <a:r>
+              <a:rPr lang="en-US" sz="2400" dirty="0">
+                <a:solidFill>
+                  <a:schemeClr val="accent6"/>
+                </a:solidFill>
+              </a:rPr>
+              <a:t/>
+            </a:r>
+            <a:br>
+              <a:rPr lang="en-US" sz="2400" dirty="0">
+                <a:solidFill>
+                  <a:schemeClr val="accent6"/>
+                </a:solidFill>
+              </a:rPr>
+            </a:br>
+            <a:r>
               <a:rPr lang="en-US" sz="2400" dirty="0" smtClean="0">
                 <a:solidFill>
                   <a:schemeClr val="accent6"/>
@@ -6467,6 +8036,29 @@
               </a:rPr>
             </a:br>
             <a:r>
+              <a:rPr lang="en-US" sz="2400" dirty="0" smtClean="0">
+                <a:solidFill>
+                  <a:schemeClr val="accent6"/>
+                </a:solidFill>
+              </a:rPr>
+              <a:t/>
+            </a:r>
+            <a:br>
+              <a:rPr lang="en-US" sz="2400" dirty="0" smtClean="0">
+                <a:solidFill>
+                  <a:schemeClr val="accent6"/>
+                </a:solidFill>
+              </a:rPr>
+            </a:br>
+            <a:r>
+              <a:rPr lang="en-US" sz="2400" dirty="0" smtClean="0">
+                <a:solidFill>
+                  <a:schemeClr val="accent6"/>
+                </a:solidFill>
+              </a:rPr>
+              <a:t>Network traffic needs to move from host to host and network to network. Each host has a routing table, which tells it how to route traffic for particular networks.</a:t>
+            </a:r>
+            <a:r>
               <a:rPr lang="en-US" sz="2400" dirty="0">
                 <a:solidFill>
                   <a:schemeClr val="accent6"/>
@@ -6482,12 +8074,35 @@
               </a:rPr>
             </a:br>
             <a:r>
+              <a:rPr lang="en-US" sz="2400" dirty="0" smtClean="0">
+                <a:solidFill>
+                  <a:schemeClr val="accent6"/>
+                </a:solidFill>
+              </a:rPr>
+              <a:t/>
+            </a:r>
+            <a:br>
+              <a:rPr lang="en-US" sz="2400" dirty="0" smtClean="0">
+                <a:solidFill>
+                  <a:schemeClr val="accent6"/>
+                </a:solidFill>
+              </a:rPr>
+            </a:br>
+            <a:r>
               <a:rPr lang="en-US" sz="1800" dirty="0" smtClean="0">
                 <a:solidFill>
                   <a:schemeClr val="accent6"/>
                 </a:solidFill>
               </a:rPr>
-              <a:t>Show current network settings =&gt; </a:t>
+              <a:t>Show </a:t>
+            </a:r>
+            <a:r>
+              <a:rPr lang="en-US" sz="1800" dirty="0" smtClean="0">
+                <a:solidFill>
+                  <a:schemeClr val="accent6"/>
+                </a:solidFill>
+              </a:rPr>
+              <a:t>current network settings =&gt; </a:t>
             </a:r>
             <a:r>
               <a:rPr lang="en-US" sz="1800" dirty="0" err="1">
@@ -7289,986 +8904,6 @@
       </p:par>
     </p:tnLst>
   </p:timing>
-</p:sld>
-</file>
-
-<file path=ppt/slides/slide8.xml><?xml version="1.0" encoding="utf-8"?>
-<p:sld xmlns:a="http://schemas.openxmlformats.org/drawingml/2006/main" xmlns:r="http://schemas.openxmlformats.org/officeDocument/2006/relationships" xmlns:p="http://schemas.openxmlformats.org/presentationml/2006/main">
-  <p:cSld>
-    <p:spTree>
-      <p:nvGrpSpPr>
-        <p:cNvPr id="1" name=""/>
-        <p:cNvGrpSpPr/>
-        <p:nvPr/>
-      </p:nvGrpSpPr>
-      <p:grpSpPr>
-        <a:xfrm>
-          <a:off x="0" y="0"/>
-          <a:ext cx="0" cy="0"/>
-          <a:chOff x="0" y="0"/>
-          <a:chExt cx="0" cy="0"/>
-        </a:xfrm>
-      </p:grpSpPr>
-      <p:sp>
-        <p:nvSpPr>
-          <p:cNvPr id="2" name="Title 1"/>
-          <p:cNvSpPr>
-            <a:spLocks noGrp="1"/>
-          </p:cNvSpPr>
-          <p:nvPr>
-            <p:ph type="title"/>
-          </p:nvPr>
-        </p:nvSpPr>
-        <p:spPr>
-          <a:xfrm>
-            <a:off x="457200" y="274638"/>
-            <a:ext cx="8229600" cy="3687762"/>
-          </a:xfrm>
-        </p:spPr>
-        <p:txBody>
-          <a:bodyPr>
-            <a:normAutofit/>
-          </a:bodyPr>
-          <a:lstStyle/>
-          <a:p>
-            <a:r>
-              <a:rPr lang="en-US" sz="1600" dirty="0" smtClean="0">
-                <a:solidFill>
-                  <a:schemeClr val="accent6"/>
-                </a:solidFill>
-              </a:rPr>
-              <a:t>Setting up hostnames and Name resolution</a:t>
-            </a:r>
-            <a:br>
-              <a:rPr lang="en-US" sz="1600" dirty="0" smtClean="0">
-                <a:solidFill>
-                  <a:schemeClr val="accent6"/>
-                </a:solidFill>
-              </a:rPr>
-            </a:br>
-            <a:r>
-              <a:rPr lang="en-US" sz="1600" dirty="0" smtClean="0">
-                <a:solidFill>
-                  <a:schemeClr val="accent6"/>
-                </a:solidFill>
-              </a:rPr>
-              <a:t>A hostname typically consists of name of the host and the DNS domain in which the host resides.</a:t>
-            </a:r>
-            <a:br>
-              <a:rPr lang="en-US" sz="1600" dirty="0" smtClean="0">
-                <a:solidFill>
-                  <a:schemeClr val="accent6"/>
-                </a:solidFill>
-              </a:rPr>
-            </a:br>
-            <a:r>
-              <a:rPr lang="en-US" sz="1600" dirty="0" smtClean="0">
-                <a:solidFill>
-                  <a:schemeClr val="accent6"/>
-                </a:solidFill>
-              </a:rPr>
-              <a:t>linuxcourse.softintellect.bg =&gt; </a:t>
-            </a:r>
-            <a:r>
-              <a:rPr lang="en-US" sz="1600" dirty="0" err="1" smtClean="0">
-                <a:solidFill>
-                  <a:schemeClr val="accent6"/>
-                </a:solidFill>
-              </a:rPr>
-              <a:t>linuxcourse</a:t>
-            </a:r>
-            <a:r>
-              <a:rPr lang="en-US" sz="1600" dirty="0">
-                <a:solidFill>
-                  <a:schemeClr val="accent6"/>
-                </a:solidFill>
-              </a:rPr>
-              <a:t> </a:t>
-            </a:r>
-            <a:r>
-              <a:rPr lang="en-US" sz="1600" dirty="0" smtClean="0">
-                <a:solidFill>
-                  <a:schemeClr val="accent6"/>
-                </a:solidFill>
-              </a:rPr>
-              <a:t>= name of host, softintellect.bg = DNS domain.</a:t>
-            </a:r>
-            <a:r>
-              <a:rPr lang="en-US" sz="1600" dirty="0">
-                <a:solidFill>
-                  <a:schemeClr val="accent6"/>
-                </a:solidFill>
-              </a:rPr>
-              <a:t/>
-            </a:r>
-            <a:br>
-              <a:rPr lang="en-US" sz="1600" dirty="0">
-                <a:solidFill>
-                  <a:schemeClr val="accent6"/>
-                </a:solidFill>
-              </a:rPr>
-            </a:br>
-            <a:r>
-              <a:rPr lang="en-US" sz="1600" dirty="0" smtClean="0">
-                <a:solidFill>
-                  <a:srgbClr val="FF0000"/>
-                </a:solidFill>
-              </a:rPr>
-              <a:t>Exercises.</a:t>
-            </a:r>
-            <a:r>
-              <a:rPr lang="en-US" sz="1600" dirty="0" smtClean="0">
-                <a:solidFill>
-                  <a:schemeClr val="accent6"/>
-                </a:solidFill>
-              </a:rPr>
-              <a:t/>
-            </a:r>
-            <a:br>
-              <a:rPr lang="en-US" sz="1600" dirty="0" smtClean="0">
-                <a:solidFill>
-                  <a:schemeClr val="accent6"/>
-                </a:solidFill>
-              </a:rPr>
-            </a:br>
-            <a:r>
-              <a:rPr lang="en-US" sz="1600" dirty="0" smtClean="0">
-                <a:solidFill>
-                  <a:schemeClr val="bg1"/>
-                </a:solidFill>
-              </a:rPr>
-              <a:t>1. Run ‘</a:t>
-            </a:r>
-            <a:r>
-              <a:rPr lang="en-US" sz="1600" dirty="0" err="1" smtClean="0">
-                <a:solidFill>
-                  <a:schemeClr val="bg1"/>
-                </a:solidFill>
-              </a:rPr>
-              <a:t>hostnamectl</a:t>
-            </a:r>
-            <a:r>
-              <a:rPr lang="en-US" sz="1600" dirty="0" smtClean="0">
-                <a:solidFill>
-                  <a:schemeClr val="bg1"/>
-                </a:solidFill>
-              </a:rPr>
-              <a:t> status’ and analyze the output.</a:t>
-            </a:r>
-            <a:br>
-              <a:rPr lang="en-US" sz="1600" dirty="0" smtClean="0">
-                <a:solidFill>
-                  <a:schemeClr val="bg1"/>
-                </a:solidFill>
-              </a:rPr>
-            </a:br>
-            <a:r>
-              <a:rPr lang="en-US" sz="1600" dirty="0" smtClean="0">
-                <a:solidFill>
-                  <a:schemeClr val="bg1"/>
-                </a:solidFill>
-              </a:rPr>
-              <a:t>2. Change your Linux node hostname, read the ‘</a:t>
-            </a:r>
-            <a:r>
-              <a:rPr lang="en-US" sz="1600" dirty="0" err="1" smtClean="0">
-                <a:solidFill>
-                  <a:schemeClr val="bg1"/>
-                </a:solidFill>
-              </a:rPr>
-              <a:t>hostnamectl</a:t>
-            </a:r>
-            <a:r>
-              <a:rPr lang="en-US" sz="1600" dirty="0" smtClean="0">
-                <a:solidFill>
-                  <a:schemeClr val="bg1"/>
-                </a:solidFill>
-              </a:rPr>
-              <a:t>’ man page.</a:t>
-            </a:r>
-            <a:r>
-              <a:rPr lang="en-US" sz="1600" dirty="0" smtClean="0">
-                <a:solidFill>
-                  <a:schemeClr val="accent6"/>
-                </a:solidFill>
-              </a:rPr>
-              <a:t/>
-            </a:r>
-            <a:br>
-              <a:rPr lang="en-US" sz="1600" dirty="0" smtClean="0">
-                <a:solidFill>
-                  <a:schemeClr val="accent6"/>
-                </a:solidFill>
-              </a:rPr>
-            </a:br>
-            <a:r>
-              <a:rPr lang="en-US" sz="1600" dirty="0" smtClean="0">
-                <a:solidFill>
-                  <a:schemeClr val="accent6"/>
-                </a:solidFill>
-              </a:rPr>
-              <a:t>Resolution files introduction:</a:t>
-            </a:r>
-            <a:br>
-              <a:rPr lang="en-US" sz="1600" dirty="0" smtClean="0">
-                <a:solidFill>
-                  <a:schemeClr val="accent6"/>
-                </a:solidFill>
-              </a:rPr>
-            </a:br>
-            <a:r>
-              <a:rPr lang="en-US" sz="1600" dirty="0" smtClean="0">
-                <a:solidFill>
-                  <a:schemeClr val="bg1"/>
-                </a:solidFill>
-              </a:rPr>
-              <a:t>/</a:t>
-            </a:r>
-            <a:r>
-              <a:rPr lang="en-US" sz="1600" dirty="0" err="1" smtClean="0">
-                <a:solidFill>
-                  <a:schemeClr val="bg1"/>
-                </a:solidFill>
-              </a:rPr>
-              <a:t>etc</a:t>
-            </a:r>
-            <a:r>
-              <a:rPr lang="en-US" sz="1600" dirty="0" smtClean="0">
-                <a:solidFill>
-                  <a:schemeClr val="bg1"/>
-                </a:solidFill>
-              </a:rPr>
-              <a:t>/</a:t>
-            </a:r>
-            <a:r>
-              <a:rPr lang="en-US" sz="1600" dirty="0" err="1" smtClean="0">
-                <a:solidFill>
-                  <a:schemeClr val="bg1"/>
-                </a:solidFill>
-              </a:rPr>
-              <a:t>nsswitch.conf</a:t>
-            </a:r>
-            <a:r>
-              <a:rPr lang="en-US" sz="1600" dirty="0" smtClean="0">
-                <a:solidFill>
-                  <a:schemeClr val="accent6"/>
-                </a:solidFill>
-              </a:rPr>
-              <a:t> =&gt; how the system uses name resolutions.</a:t>
-            </a:r>
-            <a:br>
-              <a:rPr lang="en-US" sz="1600" dirty="0" smtClean="0">
-                <a:solidFill>
-                  <a:schemeClr val="accent6"/>
-                </a:solidFill>
-              </a:rPr>
-            </a:br>
-            <a:endParaRPr lang="en-US" sz="1600" dirty="0">
-              <a:solidFill>
-                <a:schemeClr val="accent6"/>
-              </a:solidFill>
-            </a:endParaRPr>
-          </a:p>
-        </p:txBody>
-      </p:sp>
-      <p:pic>
-        <p:nvPicPr>
-          <p:cNvPr id="7" name="Picture 6"/>
-          <p:cNvPicPr>
-            <a:picLocks noChangeAspect="1"/>
-          </p:cNvPicPr>
-          <p:nvPr/>
-        </p:nvPicPr>
-        <p:blipFill>
-          <a:blip r:embed="rId2">
-            <a:extLst>
-              <a:ext uri="{28A0092B-C50C-407E-A947-70E740481C1C}">
-                <a14:useLocalDpi xmlns:a14="http://schemas.microsoft.com/office/drawing/2010/main" val="0"/>
-              </a:ext>
-            </a:extLst>
-          </a:blip>
-          <a:stretch>
-            <a:fillRect/>
-          </a:stretch>
-        </p:blipFill>
-        <p:spPr>
-          <a:xfrm>
-            <a:off x="2286000" y="3048000"/>
-            <a:ext cx="4351020" cy="1630946"/>
-          </a:xfrm>
-          <a:prstGeom prst="rect">
-            <a:avLst/>
-          </a:prstGeom>
-        </p:spPr>
-      </p:pic>
-    </p:spTree>
-    <p:extLst>
-      <p:ext uri="{BB962C8B-B14F-4D97-AF65-F5344CB8AC3E}">
-        <p14:creationId xmlns:p14="http://schemas.microsoft.com/office/powerpoint/2010/main" val="2089259354"/>
-      </p:ext>
-    </p:extLst>
-  </p:cSld>
-  <p:clrMapOvr>
-    <a:masterClrMapping/>
-  </p:clrMapOvr>
-</p:sld>
-</file>
-
-<file path=ppt/slides/slide9.xml><?xml version="1.0" encoding="utf-8"?>
-<p:sld xmlns:a="http://schemas.openxmlformats.org/drawingml/2006/main" xmlns:r="http://schemas.openxmlformats.org/officeDocument/2006/relationships" xmlns:p="http://schemas.openxmlformats.org/presentationml/2006/main">
-  <p:cSld>
-    <p:spTree>
-      <p:nvGrpSpPr>
-        <p:cNvPr id="1" name=""/>
-        <p:cNvGrpSpPr/>
-        <p:nvPr/>
-      </p:nvGrpSpPr>
-      <p:grpSpPr>
-        <a:xfrm>
-          <a:off x="0" y="0"/>
-          <a:ext cx="0" cy="0"/>
-          <a:chOff x="0" y="0"/>
-          <a:chExt cx="0" cy="0"/>
-        </a:xfrm>
-      </p:grpSpPr>
-      <p:sp>
-        <p:nvSpPr>
-          <p:cNvPr id="2" name="Title 1"/>
-          <p:cNvSpPr>
-            <a:spLocks noGrp="1"/>
-          </p:cNvSpPr>
-          <p:nvPr>
-            <p:ph type="title"/>
-          </p:nvPr>
-        </p:nvSpPr>
-        <p:spPr/>
-        <p:txBody>
-          <a:bodyPr>
-            <a:normAutofit fontScale="90000"/>
-          </a:bodyPr>
-          <a:lstStyle/>
-          <a:p>
-            <a:r>
-              <a:rPr lang="en-US" sz="2200" dirty="0"/>
-              <a:t/>
-            </a:r>
-            <a:br>
-              <a:rPr lang="en-US" sz="2200" dirty="0"/>
-            </a:br>
-            <a:r>
-              <a:rPr lang="en-US" sz="2200" dirty="0" smtClean="0"/>
-              <a:t/>
-            </a:r>
-            <a:br>
-              <a:rPr lang="en-US" sz="2200" dirty="0" smtClean="0"/>
-            </a:br>
-            <a:r>
-              <a:rPr lang="en-US" sz="2200" dirty="0"/>
-              <a:t/>
-            </a:r>
-            <a:br>
-              <a:rPr lang="en-US" sz="2200" dirty="0"/>
-            </a:br>
-            <a:r>
-              <a:rPr lang="en-US" sz="2200" dirty="0" smtClean="0"/>
-              <a:t/>
-            </a:r>
-            <a:br>
-              <a:rPr lang="en-US" sz="2200" dirty="0" smtClean="0"/>
-            </a:br>
-            <a:r>
-              <a:rPr lang="en-US" sz="2200" dirty="0"/>
-              <a:t/>
-            </a:r>
-            <a:br>
-              <a:rPr lang="en-US" sz="2200" dirty="0"/>
-            </a:br>
-            <a:r>
-              <a:rPr lang="en-US" sz="2200" dirty="0" smtClean="0"/>
-              <a:t/>
-            </a:r>
-            <a:br>
-              <a:rPr lang="en-US" sz="2200" dirty="0" smtClean="0"/>
-            </a:br>
-            <a:r>
-              <a:rPr lang="en-US" sz="2200" dirty="0"/>
-              <a:t/>
-            </a:r>
-            <a:br>
-              <a:rPr lang="en-US" sz="2200" dirty="0"/>
-            </a:br>
-            <a:r>
-              <a:rPr lang="en-US" sz="2200" dirty="0" smtClean="0"/>
-              <a:t/>
-            </a:r>
-            <a:br>
-              <a:rPr lang="en-US" sz="2200" dirty="0" smtClean="0"/>
-            </a:br>
-            <a:r>
-              <a:rPr lang="en-US" sz="2200" dirty="0" smtClean="0"/>
-              <a:t/>
-            </a:r>
-            <a:br>
-              <a:rPr lang="en-US" sz="2200" dirty="0" smtClean="0"/>
-            </a:br>
-            <a:r>
-              <a:rPr lang="en-US" sz="2200" dirty="0"/>
-              <a:t/>
-            </a:r>
-            <a:br>
-              <a:rPr lang="en-US" sz="2200" dirty="0"/>
-            </a:br>
-            <a:r>
-              <a:rPr lang="en-US" sz="2200" dirty="0" smtClean="0"/>
-              <a:t/>
-            </a:r>
-            <a:br>
-              <a:rPr lang="en-US" sz="2200" dirty="0" smtClean="0"/>
-            </a:br>
-            <a:r>
-              <a:rPr lang="en-US" sz="2200" dirty="0"/>
-              <a:t/>
-            </a:r>
-            <a:br>
-              <a:rPr lang="en-US" sz="2200" dirty="0"/>
-            </a:br>
-            <a:r>
-              <a:rPr lang="en-US" sz="2200" dirty="0" smtClean="0"/>
-              <a:t/>
-            </a:r>
-            <a:br>
-              <a:rPr lang="en-US" sz="2200" dirty="0" smtClean="0"/>
-            </a:br>
-            <a:r>
-              <a:rPr lang="en-US" sz="2200" dirty="0"/>
-              <a:t/>
-            </a:r>
-            <a:br>
-              <a:rPr lang="en-US" sz="2200" dirty="0"/>
-            </a:br>
-            <a:r>
-              <a:rPr lang="en-US" sz="2200" dirty="0" smtClean="0"/>
-              <a:t/>
-            </a:r>
-            <a:br>
-              <a:rPr lang="en-US" sz="2200" dirty="0" smtClean="0"/>
-            </a:br>
-            <a:r>
-              <a:rPr lang="en-US" sz="2200" dirty="0"/>
-              <a:t/>
-            </a:r>
-            <a:br>
-              <a:rPr lang="en-US" sz="2200" dirty="0"/>
-            </a:br>
-            <a:r>
-              <a:rPr lang="en-US" sz="2200" dirty="0" smtClean="0"/>
-              <a:t/>
-            </a:r>
-            <a:br>
-              <a:rPr lang="en-US" sz="2200" dirty="0" smtClean="0"/>
-            </a:br>
-            <a:r>
-              <a:rPr lang="en-US" sz="2200" dirty="0"/>
-              <a:t/>
-            </a:r>
-            <a:br>
-              <a:rPr lang="en-US" sz="2200" dirty="0"/>
-            </a:br>
-            <a:r>
-              <a:rPr lang="en-US" sz="2200" dirty="0" smtClean="0"/>
-              <a:t/>
-            </a:r>
-            <a:br>
-              <a:rPr lang="en-US" sz="2200" dirty="0" smtClean="0"/>
-            </a:br>
-            <a:r>
-              <a:rPr lang="en-US" sz="2200" dirty="0"/>
-              <a:t/>
-            </a:r>
-            <a:br>
-              <a:rPr lang="en-US" sz="2200" dirty="0"/>
-            </a:br>
-            <a:r>
-              <a:rPr lang="en-US" sz="2000" dirty="0" smtClean="0">
-                <a:solidFill>
-                  <a:schemeClr val="accent6"/>
-                </a:solidFill>
-              </a:rPr>
-              <a:t>/</a:t>
-            </a:r>
-            <a:r>
-              <a:rPr lang="en-US" sz="2000" dirty="0" err="1" smtClean="0">
-                <a:solidFill>
-                  <a:schemeClr val="accent6"/>
-                </a:solidFill>
-              </a:rPr>
-              <a:t>etc</a:t>
-            </a:r>
-            <a:r>
-              <a:rPr lang="en-US" sz="2000" dirty="0" smtClean="0">
-                <a:solidFill>
-                  <a:schemeClr val="accent6"/>
-                </a:solidFill>
-              </a:rPr>
-              <a:t>/hosts =&gt; you might want to put some hostname to </a:t>
-            </a:r>
-            <a:r>
-              <a:rPr lang="en-US" sz="2000" dirty="0" err="1" smtClean="0">
-                <a:solidFill>
-                  <a:schemeClr val="accent6"/>
-                </a:solidFill>
-              </a:rPr>
-              <a:t>ip</a:t>
-            </a:r>
-            <a:r>
-              <a:rPr lang="en-US" sz="2000" dirty="0" smtClean="0">
-                <a:solidFill>
-                  <a:schemeClr val="accent6"/>
-                </a:solidFill>
-              </a:rPr>
-              <a:t> resolutions before DNS can be referenced(mail servers, isolated nodes without networking)</a:t>
-            </a:r>
-            <a:r>
-              <a:rPr lang="en-US" sz="2000" dirty="0">
-                <a:solidFill>
-                  <a:schemeClr val="accent6"/>
-                </a:solidFill>
-              </a:rPr>
-              <a:t/>
-            </a:r>
-            <a:br>
-              <a:rPr lang="en-US" sz="2000" dirty="0">
-                <a:solidFill>
-                  <a:schemeClr val="accent6"/>
-                </a:solidFill>
-              </a:rPr>
-            </a:br>
-            <a:r>
-              <a:rPr lang="en-US" sz="2000" dirty="0" smtClean="0">
-                <a:solidFill>
-                  <a:schemeClr val="accent6"/>
-                </a:solidFill>
-              </a:rPr>
-              <a:t>192.168.1.10 foo.mydomain.org foo</a:t>
-            </a:r>
-            <a:br>
-              <a:rPr lang="en-US" sz="2000" dirty="0" smtClean="0">
-                <a:solidFill>
-                  <a:schemeClr val="accent6"/>
-                </a:solidFill>
-              </a:rPr>
-            </a:br>
-            <a:r>
-              <a:rPr lang="en-US" sz="2000" dirty="0" smtClean="0">
-                <a:solidFill>
-                  <a:schemeClr val="accent6"/>
-                </a:solidFill>
-              </a:rPr>
-              <a:t>/</a:t>
-            </a:r>
-            <a:r>
-              <a:rPr lang="en-US" sz="2000" dirty="0" err="1" smtClean="0">
-                <a:solidFill>
-                  <a:schemeClr val="accent6"/>
-                </a:solidFill>
-              </a:rPr>
-              <a:t>etc</a:t>
-            </a:r>
-            <a:r>
-              <a:rPr lang="en-US" sz="2000" dirty="0" smtClean="0">
-                <a:solidFill>
-                  <a:schemeClr val="accent6"/>
-                </a:solidFill>
-              </a:rPr>
-              <a:t>/</a:t>
-            </a:r>
-            <a:r>
-              <a:rPr lang="en-US" sz="2000" dirty="0" err="1" smtClean="0">
-                <a:solidFill>
-                  <a:schemeClr val="accent6"/>
-                </a:solidFill>
-              </a:rPr>
-              <a:t>resolv.conf</a:t>
-            </a:r>
-            <a:r>
-              <a:rPr lang="en-US" sz="2000" dirty="0" smtClean="0">
-                <a:solidFill>
-                  <a:schemeClr val="accent6"/>
-                </a:solidFill>
-              </a:rPr>
-              <a:t> =&gt; put the DNS servers for usually internet look up. It could be static or done by the DHCP.</a:t>
-            </a:r>
-            <a:br>
-              <a:rPr lang="en-US" sz="2000" dirty="0" smtClean="0">
-                <a:solidFill>
-                  <a:schemeClr val="accent6"/>
-                </a:solidFill>
-              </a:rPr>
-            </a:br>
-            <a:r>
-              <a:rPr lang="en-US" sz="2000" dirty="0">
-                <a:solidFill>
-                  <a:schemeClr val="accent6"/>
-                </a:solidFill>
-              </a:rPr>
-              <a:t/>
-            </a:r>
-            <a:br>
-              <a:rPr lang="en-US" sz="2000" dirty="0">
-                <a:solidFill>
-                  <a:schemeClr val="accent6"/>
-                </a:solidFill>
-              </a:rPr>
-            </a:br>
-            <a:r>
-              <a:rPr lang="en-US" sz="2000" dirty="0" smtClean="0">
-                <a:solidFill>
-                  <a:srgbClr val="FF0000"/>
-                </a:solidFill>
-              </a:rPr>
-              <a:t>Exercises:</a:t>
-            </a:r>
-            <a:r>
-              <a:rPr lang="en-US" sz="2000" dirty="0" smtClean="0">
-                <a:solidFill>
-                  <a:schemeClr val="accent6"/>
-                </a:solidFill>
-              </a:rPr>
-              <a:t/>
-            </a:r>
-            <a:br>
-              <a:rPr lang="en-US" sz="2000" dirty="0" smtClean="0">
-                <a:solidFill>
-                  <a:schemeClr val="accent6"/>
-                </a:solidFill>
-              </a:rPr>
-            </a:br>
-            <a:r>
-              <a:rPr lang="en-US" sz="2000" dirty="0" smtClean="0">
-                <a:solidFill>
-                  <a:schemeClr val="bg1"/>
-                </a:solidFill>
-              </a:rPr>
-              <a:t>1. What is the content of /</a:t>
-            </a:r>
-            <a:r>
-              <a:rPr lang="en-US" sz="2000" dirty="0" err="1" smtClean="0">
-                <a:solidFill>
-                  <a:schemeClr val="bg1"/>
-                </a:solidFill>
-              </a:rPr>
-              <a:t>etc</a:t>
-            </a:r>
-            <a:r>
-              <a:rPr lang="en-US" sz="2000" dirty="0" smtClean="0">
-                <a:solidFill>
-                  <a:schemeClr val="bg1"/>
-                </a:solidFill>
-              </a:rPr>
-              <a:t>/</a:t>
-            </a:r>
-            <a:r>
-              <a:rPr lang="en-US" sz="2000" dirty="0" err="1" smtClean="0">
-                <a:solidFill>
-                  <a:schemeClr val="bg1"/>
-                </a:solidFill>
-              </a:rPr>
-              <a:t>nsswitch.conf</a:t>
-            </a:r>
-            <a:r>
-              <a:rPr lang="en-US" sz="2000" dirty="0">
-                <a:solidFill>
-                  <a:schemeClr val="bg1"/>
-                </a:solidFill>
-              </a:rPr>
-              <a:t> </a:t>
-            </a:r>
-            <a:r>
-              <a:rPr lang="en-US" sz="2000" dirty="0" smtClean="0">
-                <a:solidFill>
-                  <a:schemeClr val="bg1"/>
-                </a:solidFill>
-              </a:rPr>
-              <a:t>? What does the line ‘hosts: files </a:t>
-            </a:r>
-            <a:r>
-              <a:rPr lang="en-US" sz="2000" dirty="0" err="1" smtClean="0">
-                <a:solidFill>
-                  <a:schemeClr val="bg1"/>
-                </a:solidFill>
-              </a:rPr>
-              <a:t>dns</a:t>
-            </a:r>
-            <a:r>
-              <a:rPr lang="en-US" sz="2000" dirty="0" smtClean="0">
-                <a:solidFill>
-                  <a:schemeClr val="bg1"/>
-                </a:solidFill>
-              </a:rPr>
-              <a:t>’ do according to you ?</a:t>
-            </a:r>
-            <a:br>
-              <a:rPr lang="en-US" sz="2000" dirty="0" smtClean="0">
-                <a:solidFill>
-                  <a:schemeClr val="bg1"/>
-                </a:solidFill>
-              </a:rPr>
-            </a:br>
-            <a:r>
-              <a:rPr lang="en-US" sz="2000" dirty="0" smtClean="0">
-                <a:solidFill>
-                  <a:schemeClr val="bg1"/>
-                </a:solidFill>
-              </a:rPr>
-              <a:t>2. List your /</a:t>
-            </a:r>
-            <a:r>
-              <a:rPr lang="en-US" sz="2000" dirty="0" err="1" smtClean="0">
-                <a:solidFill>
-                  <a:schemeClr val="bg1"/>
-                </a:solidFill>
-              </a:rPr>
-              <a:t>etc</a:t>
-            </a:r>
-            <a:r>
-              <a:rPr lang="en-US" sz="2000" dirty="0" smtClean="0">
-                <a:solidFill>
-                  <a:schemeClr val="bg1"/>
-                </a:solidFill>
-              </a:rPr>
-              <a:t>/hosts files ? </a:t>
-            </a:r>
-            <a:r>
-              <a:rPr lang="en-US" sz="2000" dirty="0">
-                <a:solidFill>
-                  <a:schemeClr val="bg1"/>
-                </a:solidFill>
-              </a:rPr>
-              <a:t>A</a:t>
-            </a:r>
-            <a:r>
-              <a:rPr lang="en-US" sz="2000" dirty="0" smtClean="0">
-                <a:solidFill>
-                  <a:schemeClr val="bg1"/>
-                </a:solidFill>
-              </a:rPr>
-              <a:t>dd an imaginary printer FQDN ( linuxprinter.softintellect.bg), IP 192.168.0.3</a:t>
-            </a:r>
-            <a:br>
-              <a:rPr lang="en-US" sz="2000" dirty="0" smtClean="0">
-                <a:solidFill>
-                  <a:schemeClr val="bg1"/>
-                </a:solidFill>
-              </a:rPr>
-            </a:br>
-            <a:r>
-              <a:rPr lang="en-US" sz="2000" dirty="0" smtClean="0">
-                <a:solidFill>
-                  <a:schemeClr val="bg1"/>
-                </a:solidFill>
-              </a:rPr>
-              <a:t>3. List your DNS servers ? What is the DNS server used by google ? Try to switch it ?</a:t>
-            </a:r>
-            <a:br>
-              <a:rPr lang="en-US" sz="2000" dirty="0" smtClean="0">
-                <a:solidFill>
-                  <a:schemeClr val="bg1"/>
-                </a:solidFill>
-              </a:rPr>
-            </a:br>
-            <a:r>
-              <a:rPr lang="en-US" sz="2000" dirty="0">
-                <a:solidFill>
-                  <a:schemeClr val="bg1"/>
-                </a:solidFill>
-              </a:rPr>
-              <a:t/>
-            </a:r>
-            <a:br>
-              <a:rPr lang="en-US" sz="2000" dirty="0">
-                <a:solidFill>
-                  <a:schemeClr val="bg1"/>
-                </a:solidFill>
-              </a:rPr>
-            </a:br>
-            <a:r>
-              <a:rPr lang="en-US" sz="2000" dirty="0" smtClean="0">
-                <a:solidFill>
-                  <a:srgbClr val="FF0000"/>
-                </a:solidFill>
-              </a:rPr>
-              <a:t>Homework:</a:t>
-            </a:r>
-            <a:r>
-              <a:rPr lang="en-US" sz="2000" dirty="0" smtClean="0">
-                <a:solidFill>
-                  <a:schemeClr val="bg1"/>
-                </a:solidFill>
-              </a:rPr>
-              <a:t/>
-            </a:r>
-            <a:br>
-              <a:rPr lang="en-US" sz="2000" dirty="0" smtClean="0">
-                <a:solidFill>
-                  <a:schemeClr val="bg1"/>
-                </a:solidFill>
-              </a:rPr>
-            </a:br>
-            <a:r>
-              <a:rPr lang="en-US" sz="2000" dirty="0" smtClean="0">
-                <a:solidFill>
-                  <a:schemeClr val="bg1"/>
-                </a:solidFill>
-              </a:rPr>
-              <a:t>1. What is a bond interface ? Why would we want to use one ?</a:t>
-            </a:r>
-            <a:br>
-              <a:rPr lang="en-US" sz="2000" dirty="0" smtClean="0">
-                <a:solidFill>
-                  <a:schemeClr val="bg1"/>
-                </a:solidFill>
-              </a:rPr>
-            </a:br>
-            <a:r>
-              <a:rPr lang="en-US" sz="2000" dirty="0" smtClean="0">
-                <a:solidFill>
-                  <a:schemeClr val="bg1"/>
-                </a:solidFill>
-              </a:rPr>
-              <a:t>2. Add a static connection using </a:t>
-            </a:r>
-            <a:r>
-              <a:rPr lang="en-US" sz="2000" dirty="0" err="1" smtClean="0">
-                <a:solidFill>
-                  <a:schemeClr val="bg1"/>
-                </a:solidFill>
-              </a:rPr>
-              <a:t>nmcli</a:t>
-            </a:r>
-            <a:r>
-              <a:rPr lang="en-US" sz="2000" dirty="0" smtClean="0">
-                <a:solidFill>
-                  <a:schemeClr val="bg1"/>
-                </a:solidFill>
-              </a:rPr>
-              <a:t>, you could choose the settings.</a:t>
-            </a:r>
-            <a:br>
-              <a:rPr lang="en-US" sz="2000" dirty="0" smtClean="0">
-                <a:solidFill>
-                  <a:schemeClr val="bg1"/>
-                </a:solidFill>
-              </a:rPr>
-            </a:br>
-            <a:r>
-              <a:rPr lang="en-US" sz="2000" dirty="0" smtClean="0">
-                <a:solidFill>
-                  <a:schemeClr val="bg1"/>
-                </a:solidFill>
-              </a:rPr>
-              <a:t>3. Change your hostname.</a:t>
-            </a:r>
-            <a:br>
-              <a:rPr lang="en-US" sz="2000" dirty="0" smtClean="0">
-                <a:solidFill>
-                  <a:schemeClr val="bg1"/>
-                </a:solidFill>
-              </a:rPr>
-            </a:br>
-            <a:r>
-              <a:rPr lang="en-US" sz="2000" dirty="0" smtClean="0">
-                <a:solidFill>
-                  <a:schemeClr val="bg1"/>
-                </a:solidFill>
-              </a:rPr>
-              <a:t>4. Change your DNS server with Googles.</a:t>
-            </a:r>
-            <a:br>
-              <a:rPr lang="en-US" sz="2000" dirty="0" smtClean="0">
-                <a:solidFill>
-                  <a:schemeClr val="bg1"/>
-                </a:solidFill>
-              </a:rPr>
-            </a:br>
-            <a:r>
-              <a:rPr lang="en-US" sz="2000" dirty="0" smtClean="0">
-                <a:solidFill>
-                  <a:schemeClr val="bg1"/>
-                </a:solidFill>
-              </a:rPr>
-              <a:t>5. Trace the connection </a:t>
-            </a:r>
-            <a:r>
-              <a:rPr lang="en-US" sz="2000" dirty="0">
-                <a:solidFill>
-                  <a:schemeClr val="bg1"/>
-                </a:solidFill>
-              </a:rPr>
-              <a:t>from your host to </a:t>
-            </a:r>
-            <a:r>
-              <a:rPr lang="en-US" sz="2000" dirty="0">
-                <a:solidFill>
-                  <a:schemeClr val="bg1"/>
-                </a:solidFill>
-                <a:hlinkClick r:id="rId2"/>
-              </a:rPr>
-              <a:t>http://soft-intellect.com/linux</a:t>
-            </a:r>
-            <a:r>
-              <a:rPr lang="en-US" sz="2000" dirty="0" smtClean="0">
-                <a:solidFill>
-                  <a:schemeClr val="bg1"/>
-                </a:solidFill>
-                <a:hlinkClick r:id="rId2"/>
-              </a:rPr>
-              <a:t>/</a:t>
-            </a:r>
-            <a:r>
-              <a:rPr lang="en-US" sz="2000" dirty="0" smtClean="0">
-                <a:solidFill>
-                  <a:schemeClr val="bg1"/>
-                </a:solidFill>
-              </a:rPr>
-              <a:t>, what </a:t>
-            </a:r>
-            <a:r>
-              <a:rPr lang="en-US" sz="2200" dirty="0" smtClean="0">
-                <a:solidFill>
-                  <a:schemeClr val="bg1"/>
-                </a:solidFill>
-              </a:rPr>
-              <a:t>command did you use ? </a:t>
-            </a:r>
-            <a:r>
-              <a:rPr lang="en-US" dirty="0">
-                <a:solidFill>
-                  <a:schemeClr val="accent6"/>
-                </a:solidFill>
-              </a:rPr>
-              <a:t/>
-            </a:r>
-            <a:br>
-              <a:rPr lang="en-US" dirty="0">
-                <a:solidFill>
-                  <a:schemeClr val="accent6"/>
-                </a:solidFill>
-              </a:rPr>
-            </a:br>
-            <a:endParaRPr lang="en-US" dirty="0"/>
-          </a:p>
-        </p:txBody>
-      </p:sp>
-    </p:spTree>
-    <p:extLst>
-      <p:ext uri="{BB962C8B-B14F-4D97-AF65-F5344CB8AC3E}">
-        <p14:creationId xmlns:p14="http://schemas.microsoft.com/office/powerpoint/2010/main" val="438055274"/>
-      </p:ext>
-    </p:extLst>
-  </p:cSld>
-  <p:clrMapOvr>
-    <a:masterClrMapping/>
-  </p:clrMapOvr>
 </p:sld>
 </file>
 

--- a/06.Networking/06-Networking.pptx
+++ b/06.Networking/06-Networking.pptx
@@ -7961,45 +7961,45 @@
               </a:rPr>
             </a:br>
             <a:r>
-              <a:rPr lang="en-US" sz="2400" smtClean="0">
-                <a:solidFill>
-                  <a:schemeClr val="accent6"/>
-                </a:solidFill>
-              </a:rPr>
-              <a:t/>
-            </a:r>
-            <a:br>
-              <a:rPr lang="en-US" sz="2400" smtClean="0">
-                <a:solidFill>
-                  <a:schemeClr val="accent6"/>
-                </a:solidFill>
-              </a:rPr>
-            </a:br>
-            <a:r>
-              <a:rPr lang="en-US" sz="2400" smtClean="0">
-                <a:solidFill>
-                  <a:schemeClr val="accent6"/>
-                </a:solidFill>
-              </a:rPr>
-              <a:t/>
-            </a:r>
-            <a:br>
-              <a:rPr lang="en-US" sz="2400" smtClean="0">
-                <a:solidFill>
-                  <a:schemeClr val="accent6"/>
-                </a:solidFill>
-              </a:rPr>
-            </a:br>
-            <a:r>
-              <a:rPr lang="en-US" sz="2400">
-                <a:solidFill>
-                  <a:schemeClr val="accent6"/>
-                </a:solidFill>
-              </a:rPr>
-              <a:t/>
-            </a:r>
-            <a:br>
-              <a:rPr lang="en-US" sz="2400">
+              <a:rPr lang="en-US" sz="2400" dirty="0" smtClean="0">
+                <a:solidFill>
+                  <a:schemeClr val="accent6"/>
+                </a:solidFill>
+              </a:rPr>
+              <a:t/>
+            </a:r>
+            <a:br>
+              <a:rPr lang="en-US" sz="2400" dirty="0" smtClean="0">
+                <a:solidFill>
+                  <a:schemeClr val="accent6"/>
+                </a:solidFill>
+              </a:rPr>
+            </a:br>
+            <a:r>
+              <a:rPr lang="en-US" sz="2400" dirty="0" smtClean="0">
+                <a:solidFill>
+                  <a:schemeClr val="accent6"/>
+                </a:solidFill>
+              </a:rPr>
+              <a:t/>
+            </a:r>
+            <a:br>
+              <a:rPr lang="en-US" sz="2400" dirty="0" smtClean="0">
+                <a:solidFill>
+                  <a:schemeClr val="accent6"/>
+                </a:solidFill>
+              </a:rPr>
+            </a:br>
+            <a:r>
+              <a:rPr lang="en-US" sz="2400" dirty="0">
+                <a:solidFill>
+                  <a:schemeClr val="accent6"/>
+                </a:solidFill>
+              </a:rPr>
+              <a:t/>
+            </a:r>
+            <a:br>
+              <a:rPr lang="en-US" sz="2400" dirty="0">
                 <a:solidFill>
                   <a:schemeClr val="accent6"/>
                 </a:solidFill>

--- a/06.Networking/06-Networking.pptx
+++ b/06.Networking/06-Networking.pptx
@@ -218,7 +218,7 @@
           <a:p>
             <a:fld id="{F75B78E0-CD5B-164B-84D5-F7B3D2B49E85}" type="datetimeFigureOut">
               <a:rPr lang="en-US" smtClean="0"/>
-              <a:t>4/10/17</a:t>
+              <a:t>4/19/17</a:t>
             </a:fld>
             <a:endParaRPr lang="en-US"/>
           </a:p>
@@ -667,7 +667,7 @@
           <a:p>
             <a:fld id="{3EA744D9-3FBE-48D8-BF2A-85DF203E4D20}" type="datetimeFigureOut">
               <a:rPr lang="bg-BG" smtClean="0"/>
-              <a:t>10.04.17 г.</a:t>
+              <a:t>19.04.17 г.</a:t>
             </a:fld>
             <a:endParaRPr lang="bg-BG"/>
           </a:p>
@@ -837,7 +837,7 @@
           <a:p>
             <a:fld id="{3EA744D9-3FBE-48D8-BF2A-85DF203E4D20}" type="datetimeFigureOut">
               <a:rPr lang="bg-BG" smtClean="0"/>
-              <a:t>10.04.17 г.</a:t>
+              <a:t>19.04.17 г.</a:t>
             </a:fld>
             <a:endParaRPr lang="bg-BG"/>
           </a:p>
@@ -1017,7 +1017,7 @@
           <a:p>
             <a:fld id="{3EA744D9-3FBE-48D8-BF2A-85DF203E4D20}" type="datetimeFigureOut">
               <a:rPr lang="bg-BG" smtClean="0"/>
-              <a:t>10.04.17 г.</a:t>
+              <a:t>19.04.17 г.</a:t>
             </a:fld>
             <a:endParaRPr lang="bg-BG"/>
           </a:p>
@@ -1187,7 +1187,7 @@
           <a:p>
             <a:fld id="{3EA744D9-3FBE-48D8-BF2A-85DF203E4D20}" type="datetimeFigureOut">
               <a:rPr lang="bg-BG" smtClean="0"/>
-              <a:t>10.04.17 г.</a:t>
+              <a:t>19.04.17 г.</a:t>
             </a:fld>
             <a:endParaRPr lang="bg-BG"/>
           </a:p>
@@ -1433,7 +1433,7 @@
           <a:p>
             <a:fld id="{3EA744D9-3FBE-48D8-BF2A-85DF203E4D20}" type="datetimeFigureOut">
               <a:rPr lang="bg-BG" smtClean="0"/>
-              <a:t>10.04.17 г.</a:t>
+              <a:t>19.04.17 г.</a:t>
             </a:fld>
             <a:endParaRPr lang="bg-BG"/>
           </a:p>
@@ -1721,7 +1721,7 @@
           <a:p>
             <a:fld id="{3EA744D9-3FBE-48D8-BF2A-85DF203E4D20}" type="datetimeFigureOut">
               <a:rPr lang="bg-BG" smtClean="0"/>
-              <a:t>10.04.17 г.</a:t>
+              <a:t>19.04.17 г.</a:t>
             </a:fld>
             <a:endParaRPr lang="bg-BG"/>
           </a:p>
@@ -2143,7 +2143,7 @@
           <a:p>
             <a:fld id="{3EA744D9-3FBE-48D8-BF2A-85DF203E4D20}" type="datetimeFigureOut">
               <a:rPr lang="bg-BG" smtClean="0"/>
-              <a:t>10.04.17 г.</a:t>
+              <a:t>19.04.17 г.</a:t>
             </a:fld>
             <a:endParaRPr lang="bg-BG"/>
           </a:p>
@@ -2261,7 +2261,7 @@
           <a:p>
             <a:fld id="{3EA744D9-3FBE-48D8-BF2A-85DF203E4D20}" type="datetimeFigureOut">
               <a:rPr lang="bg-BG" smtClean="0"/>
-              <a:t>10.04.17 г.</a:t>
+              <a:t>19.04.17 г.</a:t>
             </a:fld>
             <a:endParaRPr lang="bg-BG"/>
           </a:p>
@@ -2356,7 +2356,7 @@
           <a:p>
             <a:fld id="{3EA744D9-3FBE-48D8-BF2A-85DF203E4D20}" type="datetimeFigureOut">
               <a:rPr lang="bg-BG" smtClean="0"/>
-              <a:t>10.04.17 г.</a:t>
+              <a:t>19.04.17 г.</a:t>
             </a:fld>
             <a:endParaRPr lang="bg-BG"/>
           </a:p>
@@ -2633,7 +2633,7 @@
           <a:p>
             <a:fld id="{3EA744D9-3FBE-48D8-BF2A-85DF203E4D20}" type="datetimeFigureOut">
               <a:rPr lang="bg-BG" smtClean="0"/>
-              <a:t>10.04.17 г.</a:t>
+              <a:t>19.04.17 г.</a:t>
             </a:fld>
             <a:endParaRPr lang="bg-BG"/>
           </a:p>
@@ -2886,7 +2886,7 @@
           <a:p>
             <a:fld id="{3EA744D9-3FBE-48D8-BF2A-85DF203E4D20}" type="datetimeFigureOut">
               <a:rPr lang="bg-BG" smtClean="0"/>
-              <a:t>10.04.17 г.</a:t>
+              <a:t>19.04.17 г.</a:t>
             </a:fld>
             <a:endParaRPr lang="bg-BG"/>
           </a:p>
@@ -3108,7 +3108,7 @@
           <a:p>
             <a:fld id="{3EA744D9-3FBE-48D8-BF2A-85DF203E4D20}" type="datetimeFigureOut">
               <a:rPr lang="bg-BG" smtClean="0"/>
-              <a:t>10.04.17 г.</a:t>
+              <a:t>19.04.17 г.</a:t>
             </a:fld>
             <a:endParaRPr lang="bg-BG"/>
           </a:p>
@@ -3631,6 +3631,37 @@
                   <a:schemeClr val="bg1"/>
                 </a:solidFill>
               </a:rPr>
+              <a:t>TCP/IP</a:t>
+            </a:r>
+            <a:r>
+              <a:rPr lang="en-US" sz="2000" dirty="0" smtClean="0">
+                <a:solidFill>
+                  <a:schemeClr val="accent6"/>
+                </a:solidFill>
+              </a:rPr>
+              <a:t> is conceptual model and set of communications protocols used on the Internet.</a:t>
+            </a:r>
+            <a:r>
+              <a:rPr lang="en-US" sz="2000" dirty="0" smtClean="0">
+                <a:solidFill>
+                  <a:schemeClr val="accent6"/>
+                </a:solidFill>
+              </a:rPr>
+              <a:t/>
+            </a:r>
+            <a:br>
+              <a:rPr lang="en-US" sz="2000" dirty="0" smtClean="0">
+                <a:solidFill>
+                  <a:schemeClr val="accent6"/>
+                </a:solidFill>
+              </a:rPr>
+            </a:br>
+            <a:r>
+              <a:rPr lang="en-US" sz="2000" dirty="0" smtClean="0">
+                <a:solidFill>
+                  <a:schemeClr val="bg1"/>
+                </a:solidFill>
+              </a:rPr>
               <a:t>TCIP/IP</a:t>
             </a:r>
             <a:r>
@@ -4017,7 +4048,7 @@
         <p:spPr>
           <a:xfrm>
             <a:off x="6781800" y="803701"/>
-            <a:ext cx="2743200" cy="1200329"/>
+            <a:ext cx="2743200" cy="646331"/>
           </a:xfrm>
           <a:prstGeom prst="rect">
             <a:avLst/>
@@ -4029,24 +4060,6 @@
             <a:spAutoFit/>
           </a:bodyPr>
           <a:lstStyle/>
-          <a:p>
-            <a:r>
-              <a:rPr lang="en-US" sz="3600" dirty="0" smtClean="0">
-                <a:ln w="0"/>
-                <a:solidFill>
-                  <a:schemeClr val="accent1"/>
-                </a:solidFill>
-                <a:effectLst>
-                  <a:outerShdw blurRad="38100" dist="25400" dir="5400000" algn="ctr" rotWithShape="0">
-                    <a:srgbClr val="6E747A">
-                      <a:alpha val="43000"/>
-                    </a:srgbClr>
-                  </a:outerShdw>
-                </a:effectLst>
-              </a:rPr>
-              <a:t>Networking</a:t>
-            </a:r>
-          </a:p>
           <a:p>
             <a:r>
               <a:rPr lang="en-US" sz="3600" dirty="0" smtClean="0"/>
@@ -4137,31 +4150,108 @@
         </p:spPr>
         <p:txBody>
           <a:bodyPr>
-            <a:normAutofit/>
+            <a:noAutofit/>
           </a:bodyPr>
           <a:lstStyle/>
           <a:p>
             <a:r>
               <a:rPr lang="en-US" sz="1600" dirty="0" smtClean="0">
                 <a:solidFill>
-                  <a:schemeClr val="accent6"/>
-                </a:solidFill>
-              </a:rPr>
-              <a:t>Setting up hostnames and Name resolution</a:t>
-            </a:r>
-            <a:br>
+                  <a:srgbClr val="FF0000"/>
+                </a:solidFill>
+              </a:rPr>
+              <a:t>Exercises:</a:t>
+            </a:r>
+            <a:r>
               <a:rPr lang="en-US" sz="1600" dirty="0" smtClean="0">
                 <a:solidFill>
                   <a:schemeClr val="accent6"/>
                 </a:solidFill>
               </a:rPr>
-            </a:br>
-            <a:r>
+              <a:t/>
+            </a:r>
+            <a:br>
               <a:rPr lang="en-US" sz="1600" dirty="0" smtClean="0">
                 <a:solidFill>
                   <a:schemeClr val="accent6"/>
                 </a:solidFill>
               </a:rPr>
+            </a:br>
+            <a:r>
+              <a:rPr lang="en-US" sz="1600" dirty="0" smtClean="0">
+                <a:solidFill>
+                  <a:schemeClr val="accent6"/>
+                </a:solidFill>
+              </a:rPr>
+              <a:t>1. Use </a:t>
+            </a:r>
+            <a:r>
+              <a:rPr lang="en-US" sz="1600" dirty="0" err="1" smtClean="0">
+                <a:solidFill>
+                  <a:schemeClr val="accent6"/>
+                </a:solidFill>
+              </a:rPr>
+              <a:t>nmtui</a:t>
+            </a:r>
+            <a:r>
+              <a:rPr lang="en-US" sz="1600" dirty="0" smtClean="0">
+                <a:solidFill>
+                  <a:schemeClr val="accent6"/>
+                </a:solidFill>
+              </a:rPr>
+              <a:t> and create an imaginary connection.</a:t>
+            </a:r>
+            <a:br>
+              <a:rPr lang="en-US" sz="1600" dirty="0" smtClean="0">
+                <a:solidFill>
+                  <a:schemeClr val="accent6"/>
+                </a:solidFill>
+              </a:rPr>
+            </a:br>
+            <a:r>
+              <a:rPr lang="en-US" sz="1600" dirty="0" smtClean="0">
+                <a:solidFill>
+                  <a:schemeClr val="accent6"/>
+                </a:solidFill>
+              </a:rPr>
+              <a:t/>
+            </a:r>
+            <a:br>
+              <a:rPr lang="en-US" sz="1600" dirty="0" smtClean="0">
+                <a:solidFill>
+                  <a:schemeClr val="accent6"/>
+                </a:solidFill>
+              </a:rPr>
+            </a:br>
+            <a:r>
+              <a:rPr lang="en-US" sz="1600" dirty="0" smtClean="0">
+                <a:solidFill>
+                  <a:schemeClr val="accent6"/>
+                </a:solidFill>
+              </a:rPr>
+              <a:t>Setting </a:t>
+            </a:r>
+            <a:r>
+              <a:rPr lang="en-US" sz="1600" dirty="0" smtClean="0">
+                <a:solidFill>
+                  <a:schemeClr val="accent6"/>
+                </a:solidFill>
+              </a:rPr>
+              <a:t>up hostnames and Name resolution</a:t>
+            </a:r>
+            <a:br>
+              <a:rPr lang="en-US" sz="1600" dirty="0" smtClean="0">
+                <a:solidFill>
+                  <a:schemeClr val="accent6"/>
+                </a:solidFill>
+              </a:rPr>
+            </a:br>
+            <a:r>
+              <a:rPr lang="en-US" sz="1600" dirty="0" smtClean="0">
+                <a:solidFill>
+                  <a:schemeClr val="accent6"/>
+                </a:solidFill>
+              </a:rPr>
               <a:t>A hostname typically consists of name of the host and the DNS domain in which the host resides.</a:t>
             </a:r>
             <a:br>
@@ -4244,7 +4334,7 @@
             <a:r>
               <a:rPr lang="en-US" sz="1600" dirty="0" smtClean="0">
                 <a:solidFill>
-                  <a:schemeClr val="bg1"/>
+                  <a:schemeClr val="accent6"/>
                 </a:solidFill>
               </a:rPr>
               <a:t>1. Run ‘</a:t>
@@ -4263,19 +4353,27 @@
                   <a:schemeClr val="bg1"/>
                 </a:solidFill>
               </a:rPr>
-              <a:t> status’ and analyze the output.</a:t>
-            </a:r>
-            <a:br>
+              <a:t> status</a:t>
+            </a:r>
+            <a:r>
               <a:rPr lang="en-US" sz="1600" dirty="0" smtClean="0">
                 <a:solidFill>
-                  <a:schemeClr val="bg1"/>
-                </a:solidFill>
-              </a:rPr>
-            </a:br>
-            <a:r>
+                  <a:schemeClr val="accent6"/>
+                </a:solidFill>
+              </a:rPr>
+              <a:t>’ and analyze the output.</a:t>
+            </a:r>
+            <a:br>
               <a:rPr lang="en-US" sz="1600" dirty="0" smtClean="0">
                 <a:solidFill>
-                  <a:schemeClr val="bg1"/>
+                  <a:schemeClr val="accent6"/>
+                </a:solidFill>
+              </a:rPr>
+            </a:br>
+            <a:r>
+              <a:rPr lang="en-US" sz="1600" dirty="0" smtClean="0">
+                <a:solidFill>
+                  <a:schemeClr val="accent6"/>
                 </a:solidFill>
               </a:rPr>
               <a:t>2. Change your Linux node hostname, read the ‘</a:t>
@@ -4291,18 +4389,10 @@
             <a:r>
               <a:rPr lang="en-US" sz="1600" dirty="0" smtClean="0">
                 <a:solidFill>
-                  <a:schemeClr val="bg1"/>
+                  <a:schemeClr val="accent6"/>
                 </a:solidFill>
               </a:rPr>
               <a:t>’ man page.</a:t>
-            </a:r>
-            <a:r>
-              <a:rPr lang="en-US" sz="1600" dirty="0" smtClean="0">
-                <a:solidFill>
-                  <a:schemeClr val="accent6"/>
-                </a:solidFill>
-              </a:rPr>
-              <a:t/>
             </a:r>
             <a:br>
               <a:rPr lang="en-US" sz="1600" dirty="0" smtClean="0">
@@ -4403,8 +4493,8 @@
         </p:blipFill>
         <p:spPr>
           <a:xfrm>
-            <a:off x="2286000" y="3048000"/>
-            <a:ext cx="4351020" cy="1630946"/>
+            <a:off x="669721" y="3581400"/>
+            <a:ext cx="8029779" cy="3009900"/>
           </a:xfrm>
           <a:prstGeom prst="rect">
             <a:avLst/>
@@ -4601,7 +4691,7 @@
             <a:r>
               <a:rPr lang="en-US" sz="2000" dirty="0" smtClean="0">
                 <a:solidFill>
-                  <a:schemeClr val="accent6"/>
+                  <a:schemeClr val="bg1"/>
                 </a:solidFill>
               </a:rPr>
               <a:t>/</a:t>
@@ -4609,7 +4699,7 @@
             <a:r>
               <a:rPr lang="en-US" sz="2000" dirty="0" err="1" smtClean="0">
                 <a:solidFill>
-                  <a:schemeClr val="accent6"/>
+                  <a:schemeClr val="bg1"/>
                 </a:solidFill>
               </a:rPr>
               <a:t>etc</a:t>
@@ -4617,10 +4707,18 @@
             <a:r>
               <a:rPr lang="en-US" sz="2000" dirty="0" smtClean="0">
                 <a:solidFill>
-                  <a:schemeClr val="accent6"/>
-                </a:solidFill>
-              </a:rPr>
-              <a:t>/hosts =&gt; you might want to put some hostname to </a:t>
+                  <a:schemeClr val="bg1"/>
+                </a:solidFill>
+              </a:rPr>
+              <a:t>/hosts </a:t>
+            </a:r>
+            <a:r>
+              <a:rPr lang="en-US" sz="2000" dirty="0" smtClean="0">
+                <a:solidFill>
+                  <a:schemeClr val="accent6"/>
+                </a:solidFill>
+              </a:rPr>
+              <a:t>=&gt; you might want to put some hostname to </a:t>
             </a:r>
             <a:r>
               <a:rPr lang="en-US" sz="2000" dirty="0" err="1" smtClean="0">
@@ -4659,19 +4757,58 @@
                   <a:schemeClr val="accent6"/>
                 </a:solidFill>
               </a:rPr>
-              <a:t>192.168.1.10 foo.mydomain.org foo</a:t>
-            </a:r>
-            <a:br>
-              <a:rPr lang="en-US" sz="2000" dirty="0" smtClean="0">
-                <a:solidFill>
-                  <a:schemeClr val="accent6"/>
-                </a:solidFill>
-              </a:rPr>
-            </a:br>
-            <a:r>
-              <a:rPr lang="en-US" sz="2000" dirty="0" smtClean="0">
-                <a:solidFill>
-                  <a:schemeClr val="accent6"/>
+              <a:t>192.168.1.10 </a:t>
+            </a:r>
+            <a:r>
+              <a:rPr lang="en-US" sz="2000" dirty="0" err="1" smtClean="0">
+                <a:solidFill>
+                  <a:schemeClr val="accent6"/>
+                </a:solidFill>
+              </a:rPr>
+              <a:t>foo.mydomain.org</a:t>
+            </a:r>
+            <a:r>
+              <a:rPr lang="en-US" sz="2000" dirty="0" smtClean="0">
+                <a:solidFill>
+                  <a:schemeClr val="accent6"/>
+                </a:solidFill>
+              </a:rPr>
+              <a:t> </a:t>
+            </a:r>
+            <a:r>
+              <a:rPr lang="en-US" sz="2000" dirty="0" smtClean="0">
+                <a:solidFill>
+                  <a:schemeClr val="accent6"/>
+                </a:solidFill>
+              </a:rPr>
+              <a:t>foo</a:t>
+            </a:r>
+            <a:br>
+              <a:rPr lang="en-US" sz="2000" dirty="0" smtClean="0">
+                <a:solidFill>
+                  <a:schemeClr val="accent6"/>
+                </a:solidFill>
+              </a:rPr>
+            </a:br>
+            <a:r>
+              <a:rPr lang="en-US" sz="2000" dirty="0" smtClean="0">
+                <a:solidFill>
+                  <a:schemeClr val="accent6"/>
+                </a:solidFill>
+              </a:rPr>
+              <a:t/>
+            </a:r>
+            <a:br>
+              <a:rPr lang="en-US" sz="2000" dirty="0" smtClean="0">
+                <a:solidFill>
+                  <a:schemeClr val="accent6"/>
+                </a:solidFill>
+              </a:rPr>
+            </a:br>
+            <a:r>
+              <a:rPr lang="en-US" sz="2000" dirty="0" smtClean="0">
+                <a:solidFill>
+                  <a:schemeClr val="bg1"/>
                 </a:solidFill>
               </a:rPr>
               <a:t>/</a:t>
@@ -4679,7 +4816,7 @@
             <a:r>
               <a:rPr lang="en-US" sz="2000" dirty="0" err="1" smtClean="0">
                 <a:solidFill>
-                  <a:schemeClr val="accent6"/>
+                  <a:schemeClr val="bg1"/>
                 </a:solidFill>
               </a:rPr>
               <a:t>etc</a:t>
@@ -4687,7 +4824,7 @@
             <a:r>
               <a:rPr lang="en-US" sz="2000" dirty="0" smtClean="0">
                 <a:solidFill>
-                  <a:schemeClr val="accent6"/>
+                  <a:schemeClr val="bg1"/>
                 </a:solidFill>
               </a:rPr>
               <a:t>/</a:t>
@@ -4695,7 +4832,7 @@
             <a:r>
               <a:rPr lang="en-US" sz="2000" dirty="0" err="1" smtClean="0">
                 <a:solidFill>
-                  <a:schemeClr val="accent6"/>
+                  <a:schemeClr val="bg1"/>
                 </a:solidFill>
               </a:rPr>
               <a:t>resolv.conf</a:t>
@@ -4703,10 +4840,18 @@
             <a:r>
               <a:rPr lang="en-US" sz="2000" dirty="0" smtClean="0">
                 <a:solidFill>
-                  <a:schemeClr val="accent6"/>
-                </a:solidFill>
-              </a:rPr>
-              <a:t> =&gt; put the DNS servers for usually internet look up. It could be static or done by the DHCP.</a:t>
+                  <a:schemeClr val="bg1"/>
+                </a:solidFill>
+              </a:rPr>
+              <a:t> </a:t>
+            </a:r>
+            <a:r>
+              <a:rPr lang="en-US" sz="2000" dirty="0" smtClean="0">
+                <a:solidFill>
+                  <a:schemeClr val="accent6"/>
+                </a:solidFill>
+              </a:rPr>
+              <a:t>=&gt; put the DNS servers for usually internet look up. It could be static or done by the DHCP.</a:t>
             </a:r>
             <a:br>
               <a:rPr lang="en-US" sz="2000" dirty="0" smtClean="0">
@@ -4756,10 +4901,18 @@
             <a:r>
               <a:rPr lang="en-US" sz="2000" dirty="0" smtClean="0">
                 <a:solidFill>
-                  <a:schemeClr val="bg1"/>
-                </a:solidFill>
-              </a:rPr>
-              <a:t>1. What is the content of /</a:t>
+                  <a:schemeClr val="accent6"/>
+                </a:solidFill>
+              </a:rPr>
+              <a:t>1. What is the content of </a:t>
+            </a:r>
+            <a:r>
+              <a:rPr lang="en-US" sz="2000" dirty="0" smtClean="0">
+                <a:solidFill>
+                  <a:schemeClr val="bg1"/>
+                </a:solidFill>
+              </a:rPr>
+              <a:t>/</a:t>
             </a:r>
             <a:r>
               <a:rPr lang="en-US" sz="2000" dirty="0" err="1" smtClean="0">
@@ -4799,12 +4952,20 @@
                   <a:schemeClr val="bg1"/>
                 </a:solidFill>
               </a:rPr>
-              <a:t>? What does the line ‘hosts: files </a:t>
+              <a:t>? </a:t>
+            </a:r>
+            <a:r>
+              <a:rPr lang="en-US" sz="2000" dirty="0" smtClean="0">
+                <a:solidFill>
+                  <a:schemeClr val="accent6"/>
+                </a:solidFill>
+              </a:rPr>
+              <a:t>What does the line ‘hosts: files </a:t>
             </a:r>
             <a:r>
               <a:rPr lang="en-US" sz="2000" dirty="0" err="1" smtClean="0">
                 <a:solidFill>
-                  <a:schemeClr val="bg1"/>
+                  <a:schemeClr val="accent6"/>
                 </a:solidFill>
               </a:rPr>
               <a:t>dns</a:t>
@@ -4812,7 +4973,7 @@
             <a:r>
               <a:rPr lang="en-US" sz="2000" dirty="0" smtClean="0">
                 <a:solidFill>
-                  <a:schemeClr val="bg1"/>
+                  <a:schemeClr val="accent6"/>
                 </a:solidFill>
               </a:rPr>
               <a:t>’ do according to you ?</a:t>
@@ -4820,17 +4981,25 @@
             <a:br>
               <a:rPr lang="en-US" sz="2000" dirty="0" smtClean="0">
                 <a:solidFill>
-                  <a:schemeClr val="bg1"/>
-                </a:solidFill>
-              </a:rPr>
-            </a:br>
-            <a:r>
-              <a:rPr lang="en-US" sz="2000" dirty="0" smtClean="0">
-                <a:solidFill>
-                  <a:schemeClr val="bg1"/>
-                </a:solidFill>
-              </a:rPr>
-              <a:t>2. List your /</a:t>
+                  <a:schemeClr val="accent6"/>
+                </a:solidFill>
+              </a:rPr>
+            </a:br>
+            <a:r>
+              <a:rPr lang="en-US" sz="2000" dirty="0" smtClean="0">
+                <a:solidFill>
+                  <a:schemeClr val="accent6"/>
+                </a:solidFill>
+              </a:rPr>
+              <a:t>2. List your</a:t>
+            </a:r>
+            <a:r>
+              <a:rPr lang="en-US" sz="2000" dirty="0" smtClean="0">
+                <a:solidFill>
+                  <a:schemeClr val="bg1"/>
+                </a:solidFill>
+              </a:rPr>
+              <a:t> /</a:t>
             </a:r>
             <a:r>
               <a:rPr lang="en-US" sz="2000" dirty="0" err="1" smtClean="0">
@@ -4846,12 +5015,20 @@
                   <a:schemeClr val="bg1"/>
                 </a:solidFill>
               </a:rPr>
-              <a:t>/hosts files ? </a:t>
+              <a:t>/hosts </a:t>
+            </a:r>
+            <a:r>
+              <a:rPr lang="en-US" sz="2000" dirty="0" smtClean="0">
+                <a:solidFill>
+                  <a:schemeClr val="accent6"/>
+                </a:solidFill>
+              </a:rPr>
+              <a:t>files ? </a:t>
             </a:r>
             <a:r>
               <a:rPr lang="en-US" sz="2000" dirty="0">
                 <a:solidFill>
-                  <a:schemeClr val="bg1"/>
+                  <a:schemeClr val="accent6"/>
                 </a:solidFill>
               </a:rPr>
               <a:t>A</a:t>
@@ -4859,22 +5036,30 @@
             <a:r>
               <a:rPr lang="en-US" sz="2000" dirty="0" smtClean="0">
                 <a:solidFill>
-                  <a:schemeClr val="bg1"/>
+                  <a:schemeClr val="accent6"/>
                 </a:solidFill>
               </a:rPr>
               <a:t>dd an imaginary printer FQDN ( linuxprinter.softintellect.bg), IP 192.168.0.3</a:t>
             </a:r>
-            <a:br>
-              <a:rPr lang="en-US" sz="2000" dirty="0" smtClean="0">
-                <a:solidFill>
-                  <a:schemeClr val="bg1"/>
-                </a:solidFill>
-              </a:rPr>
-            </a:br>
-            <a:r>
-              <a:rPr lang="en-US" sz="2000" dirty="0" smtClean="0">
-                <a:solidFill>
-                  <a:schemeClr val="bg1"/>
+            <a:r>
+              <a:rPr lang="en-US" sz="2000" dirty="0" smtClean="0">
+                <a:solidFill>
+                  <a:schemeClr val="bg1"/>
+                </a:solidFill>
+              </a:rPr>
+              <a:t/>
+            </a:r>
+            <a:br>
+              <a:rPr lang="en-US" sz="2000" dirty="0" smtClean="0">
+                <a:solidFill>
+                  <a:schemeClr val="bg1"/>
+                </a:solidFill>
+              </a:rPr>
+            </a:br>
+            <a:r>
+              <a:rPr lang="en-US" sz="2000" dirty="0" smtClean="0">
+                <a:solidFill>
+                  <a:schemeClr val="accent6"/>
                 </a:solidFill>
               </a:rPr>
               <a:t>3. List your DNS servers ? What is the DNS server used by google ? Try to switch it ?</a:t>
@@ -4882,7 +5067,7 @@
             <a:br>
               <a:rPr lang="en-US" sz="2000" dirty="0" smtClean="0">
                 <a:solidFill>
-                  <a:schemeClr val="bg1"/>
+                  <a:schemeClr val="accent6"/>
                 </a:solidFill>
               </a:rPr>
             </a:br>
@@ -4927,7 +5112,7 @@
             <a:r>
               <a:rPr lang="en-US" sz="2000" dirty="0" smtClean="0">
                 <a:solidFill>
-                  <a:schemeClr val="bg1"/>
+                  <a:schemeClr val="accent6"/>
                 </a:solidFill>
               </a:rPr>
               <a:t>1. What is a bond interface ? Why would we want to use one ?</a:t>
@@ -4935,14 +5120,14 @@
             <a:br>
               <a:rPr lang="en-US" sz="2000" dirty="0" smtClean="0">
                 <a:solidFill>
-                  <a:schemeClr val="bg1"/>
-                </a:solidFill>
-              </a:rPr>
-            </a:br>
-            <a:r>
-              <a:rPr lang="en-US" sz="2000" dirty="0" smtClean="0">
-                <a:solidFill>
-                  <a:schemeClr val="bg1"/>
+                  <a:schemeClr val="accent6"/>
+                </a:solidFill>
+              </a:rPr>
+            </a:br>
+            <a:r>
+              <a:rPr lang="en-US" sz="2000" dirty="0" smtClean="0">
+                <a:solidFill>
+                  <a:schemeClr val="accent6"/>
                 </a:solidFill>
               </a:rPr>
               <a:t>2. Add a static connection using </a:t>
@@ -4950,7 +5135,7 @@
             <a:r>
               <a:rPr lang="en-US" sz="2000" dirty="0" err="1" smtClean="0">
                 <a:solidFill>
-                  <a:schemeClr val="bg1"/>
+                  <a:schemeClr val="accent6"/>
                 </a:solidFill>
               </a:rPr>
               <a:t>nmcli</a:t>
@@ -4958,7 +5143,7 @@
             <a:r>
               <a:rPr lang="en-US" sz="2000" dirty="0" smtClean="0">
                 <a:solidFill>
-                  <a:schemeClr val="bg1"/>
+                  <a:schemeClr val="accent6"/>
                 </a:solidFill>
               </a:rPr>
               <a:t>, you could choose the settings.</a:t>
@@ -4966,14 +5151,14 @@
             <a:br>
               <a:rPr lang="en-US" sz="2000" dirty="0" smtClean="0">
                 <a:solidFill>
-                  <a:schemeClr val="bg1"/>
-                </a:solidFill>
-              </a:rPr>
-            </a:br>
-            <a:r>
-              <a:rPr lang="en-US" sz="2000" dirty="0" smtClean="0">
-                <a:solidFill>
-                  <a:schemeClr val="bg1"/>
+                  <a:schemeClr val="accent6"/>
+                </a:solidFill>
+              </a:rPr>
+            </a:br>
+            <a:r>
+              <a:rPr lang="en-US" sz="2000" dirty="0" smtClean="0">
+                <a:solidFill>
+                  <a:schemeClr val="accent6"/>
                 </a:solidFill>
               </a:rPr>
               <a:t>3. Change your hostname.</a:t>
@@ -4981,14 +5166,14 @@
             <a:br>
               <a:rPr lang="en-US" sz="2000" dirty="0" smtClean="0">
                 <a:solidFill>
-                  <a:schemeClr val="bg1"/>
-                </a:solidFill>
-              </a:rPr>
-            </a:br>
-            <a:r>
-              <a:rPr lang="en-US" sz="2000" dirty="0" smtClean="0">
-                <a:solidFill>
-                  <a:schemeClr val="bg1"/>
+                  <a:schemeClr val="accent6"/>
+                </a:solidFill>
+              </a:rPr>
+            </a:br>
+            <a:r>
+              <a:rPr lang="en-US" sz="2000" dirty="0" smtClean="0">
+                <a:solidFill>
+                  <a:schemeClr val="accent6"/>
                 </a:solidFill>
               </a:rPr>
               <a:t>4. Change your DNS server with Googles.</a:t>
@@ -4996,14 +5181,14 @@
             <a:br>
               <a:rPr lang="en-US" sz="2000" dirty="0" smtClean="0">
                 <a:solidFill>
-                  <a:schemeClr val="bg1"/>
-                </a:solidFill>
-              </a:rPr>
-            </a:br>
-            <a:r>
-              <a:rPr lang="en-US" sz="2000" dirty="0" smtClean="0">
-                <a:solidFill>
-                  <a:schemeClr val="bg1"/>
+                  <a:schemeClr val="accent6"/>
+                </a:solidFill>
+              </a:rPr>
+            </a:br>
+            <a:r>
+              <a:rPr lang="en-US" sz="2000" dirty="0" smtClean="0">
+                <a:solidFill>
+                  <a:schemeClr val="accent6"/>
                 </a:solidFill>
               </a:rPr>
               <a:t>5. Trace the connection </a:t>
@@ -5011,7 +5196,7 @@
             <a:r>
               <a:rPr lang="en-US" sz="2000" dirty="0">
                 <a:solidFill>
-                  <a:schemeClr val="bg1"/>
+                  <a:schemeClr val="accent6"/>
                 </a:solidFill>
               </a:rPr>
               <a:t>from your host to </a:t>
@@ -5019,7 +5204,7 @@
             <a:r>
               <a:rPr lang="en-US" sz="2000" dirty="0">
                 <a:solidFill>
-                  <a:schemeClr val="bg1"/>
+                  <a:schemeClr val="accent6"/>
                 </a:solidFill>
                 <a:hlinkClick r:id="rId2"/>
               </a:rPr>
@@ -5028,7 +5213,7 @@
             <a:r>
               <a:rPr lang="en-US" sz="2000" dirty="0" smtClean="0">
                 <a:solidFill>
-                  <a:schemeClr val="bg1"/>
+                  <a:schemeClr val="accent6"/>
                 </a:solidFill>
                 <a:hlinkClick r:id="rId2"/>
               </a:rPr>
@@ -5037,7 +5222,7 @@
             <a:r>
               <a:rPr lang="en-US" sz="2000" dirty="0" smtClean="0">
                 <a:solidFill>
-                  <a:schemeClr val="bg1"/>
+                  <a:schemeClr val="accent6"/>
                 </a:solidFill>
               </a:rPr>
               <a:t>, what </a:t>
@@ -5045,7 +5230,7 @@
             <a:r>
               <a:rPr lang="en-US" sz="2200" dirty="0" smtClean="0">
                 <a:solidFill>
-                  <a:schemeClr val="bg1"/>
+                  <a:schemeClr val="accent6"/>
                 </a:solidFill>
               </a:rPr>
               <a:t>command did you use ? </a:t>
@@ -5773,7 +5958,15 @@
                   <a:schemeClr val="accent6"/>
                 </a:solidFill>
               </a:rPr>
-              <a:t>=&gt; to know to which network a computer belongs.</a:t>
+              <a:t>=&gt; to know to which network a computer belongs</a:t>
+            </a:r>
+            <a:r>
+              <a:rPr lang="en-US" sz="3100" dirty="0" smtClean="0">
+                <a:solidFill>
+                  <a:schemeClr val="accent6"/>
+                </a:solidFill>
+              </a:rPr>
+              <a:t>.</a:t>
             </a:r>
             <a:br>
               <a:rPr lang="en-US" sz="3100" dirty="0" smtClean="0">
@@ -5789,6 +5982,45 @@
                 </a:solidFill>
               </a:rPr>
               <a:t>3. </a:t>
+            </a:r>
+            <a:r>
+              <a:rPr lang="en-US" sz="3100" dirty="0" smtClean="0">
+                <a:solidFill>
+                  <a:schemeClr val="bg1"/>
+                </a:solidFill>
+              </a:rPr>
+              <a:t>Default gateway </a:t>
+            </a:r>
+            <a:r>
+              <a:rPr lang="en-US" sz="3100" dirty="0" smtClean="0">
+                <a:solidFill>
+                  <a:schemeClr val="accent6"/>
+                </a:solidFill>
+              </a:rPr>
+              <a:t>=&gt; access point to send information to another computer.</a:t>
+            </a:r>
+            <a:r>
+              <a:rPr lang="en-US" sz="3100" dirty="0" smtClean="0">
+                <a:solidFill>
+                  <a:schemeClr val="accent6"/>
+                </a:solidFill>
+              </a:rPr>
+              <a:t/>
+            </a:r>
+            <a:br>
+              <a:rPr lang="en-US" sz="3100" dirty="0" smtClean="0">
+                <a:solidFill>
+                  <a:schemeClr val="accent6"/>
+                </a:solidFill>
+              </a:rPr>
+            </a:br>
+            <a:r>
+              <a:rPr lang="en-US" sz="3100" dirty="0" smtClean="0">
+                <a:solidFill>
+                  <a:schemeClr val="accent6"/>
+                </a:solidFill>
+              </a:rPr>
+              <a:t>4. </a:t>
             </a:r>
             <a:r>
               <a:rPr lang="en-US" sz="3100" dirty="0" smtClean="0">
@@ -5988,8 +6220,8 @@
         </p:nvSpPr>
         <p:spPr>
           <a:xfrm>
-            <a:off x="2819400" y="803701"/>
-            <a:ext cx="6705600" cy="1200329"/>
+            <a:off x="2971800" y="533401"/>
+            <a:ext cx="6553200" cy="1200329"/>
           </a:xfrm>
           <a:prstGeom prst="rect">
             <a:avLst/>
@@ -6095,7 +6327,7 @@
         </p:nvSpPr>
         <p:spPr>
           <a:xfrm>
-            <a:off x="304800" y="609601"/>
+            <a:off x="304800" y="609600"/>
             <a:ext cx="8305800" cy="4401205"/>
           </a:xfrm>
           <a:prstGeom prst="rect">
@@ -6240,8 +6472,8 @@
         </p:blipFill>
         <p:spPr>
           <a:xfrm>
-            <a:off x="2362200" y="4038600"/>
-            <a:ext cx="6248400" cy="2381076"/>
+            <a:off x="2011807" y="4038600"/>
+            <a:ext cx="6598793" cy="2514600"/>
           </a:xfrm>
           <a:prstGeom prst="rect">
             <a:avLst/>
@@ -6323,15 +6555,39 @@
                   <a:schemeClr val="accent6"/>
                 </a:solidFill>
               </a:rPr>
-              <a:t>An </a:t>
-            </a:r>
-            <a:r>
-              <a:rPr lang="en-US" sz="2000" dirty="0" smtClean="0">
-                <a:solidFill>
-                  <a:schemeClr val="accent6"/>
-                </a:solidFill>
-              </a:rPr>
-              <a:t>IPv4 address is a 32-bit number, normally expressed in decimal as four octets ranging in value from 0 to 255, separated by dots. The address is divided into two parts: the network part and the host part. All hosts on the same subnet, which can talk to each other directly without a router, have the same network part. ; the network part identifies the subnet.</a:t>
+              <a:t>An IPv4 address is a 32-bit number, normally expressed in decimal as four octets ranging in value from 0 to 255, separated by dots. The address is divided into two parts: the network part and the host part. All hosts on the same </a:t>
+            </a:r>
+            <a:r>
+              <a:rPr lang="en-US" sz="2000" dirty="0" smtClean="0">
+                <a:solidFill>
+                  <a:schemeClr val="accent6"/>
+                </a:solidFill>
+              </a:rPr>
+              <a:t>subnet, </a:t>
+            </a:r>
+            <a:r>
+              <a:rPr lang="en-US" sz="2000" dirty="0" smtClean="0">
+                <a:solidFill>
+                  <a:schemeClr val="accent6"/>
+                </a:solidFill>
+              </a:rPr>
+              <a:t>which </a:t>
+            </a:r>
+            <a:r>
+              <a:rPr lang="en-US" sz="2000" dirty="0">
+                <a:solidFill>
+                  <a:schemeClr val="accent6"/>
+                </a:solidFill>
+              </a:rPr>
+              <a:t>can talk to each other directly without a router, have the same network part. ; the network part identifies the </a:t>
+            </a:r>
+            <a:r>
+              <a:rPr lang="en-US" sz="2000" dirty="0" smtClean="0">
+                <a:solidFill>
+                  <a:schemeClr val="accent6"/>
+                </a:solidFill>
+              </a:rPr>
+              <a:t>subnet</a:t>
             </a:r>
           </a:p>
           <a:p>
@@ -6394,8 +6650,8 @@
         </p:blipFill>
         <p:spPr>
           <a:xfrm>
-            <a:off x="2286000" y="3886200"/>
-            <a:ext cx="4343400" cy="2819033"/>
+            <a:off x="1828800" y="3685874"/>
+            <a:ext cx="4800600" cy="3019359"/>
           </a:xfrm>
           <a:prstGeom prst="rect">
             <a:avLst/>
@@ -6530,7 +6786,63 @@
                   <a:schemeClr val="accent6"/>
                 </a:solidFill>
               </a:rPr>
-              <a:t>The lowest possible address on a subnet is called the Network Address, the highest is used for broadcasting messages in IPv4 and is called the broadcast address. Network masks could be expressed in 255.255.255.0 for example, or with a network prefix like ‘/24’.</a:t>
+              <a:t>The lowest possible address on a subnet is called the </a:t>
+            </a:r>
+            <a:r>
+              <a:rPr lang="en-US" sz="2700" dirty="0" smtClean="0">
+                <a:solidFill>
+                  <a:schemeClr val="bg1"/>
+                </a:solidFill>
+              </a:rPr>
+              <a:t>Network Address</a:t>
+            </a:r>
+            <a:r>
+              <a:rPr lang="en-US" sz="2700" dirty="0" smtClean="0">
+                <a:solidFill>
+                  <a:schemeClr val="accent6"/>
+                </a:solidFill>
+              </a:rPr>
+              <a:t>, the highest is used for broadcasting messages in IPv4 and is called the </a:t>
+            </a:r>
+            <a:r>
+              <a:rPr lang="en-US" sz="2700" dirty="0" smtClean="0">
+                <a:solidFill>
+                  <a:schemeClr val="bg1"/>
+                </a:solidFill>
+              </a:rPr>
+              <a:t>broadcast address</a:t>
+            </a:r>
+            <a:r>
+              <a:rPr lang="en-US" sz="2700" dirty="0" smtClean="0">
+                <a:solidFill>
+                  <a:schemeClr val="accent6"/>
+                </a:solidFill>
+              </a:rPr>
+              <a:t>. Network masks could be expressed in 255.255.255.0 for example, or with a network prefix like </a:t>
+            </a:r>
+            <a:r>
+              <a:rPr lang="en-US" sz="2700" dirty="0" smtClean="0">
+                <a:solidFill>
+                  <a:schemeClr val="accent6"/>
+                </a:solidFill>
+              </a:rPr>
+              <a:t>‘</a:t>
+            </a:r>
+            <a:r>
+              <a:rPr lang="en-US" sz="2700" dirty="0" smtClean="0">
+                <a:solidFill>
+                  <a:schemeClr val="bg1"/>
+                </a:solidFill>
+              </a:rPr>
+              <a:t>/24</a:t>
+            </a:r>
+            <a:r>
+              <a:rPr lang="en-US" sz="2700" dirty="0" smtClean="0">
+                <a:solidFill>
+                  <a:schemeClr val="accent6"/>
+                </a:solidFill>
+              </a:rPr>
+              <a:t>’.</a:t>
             </a:r>
             <a:r>
               <a:rPr lang="en-US" dirty="0" smtClean="0"/>
@@ -6677,10 +6989,18 @@
             <a:r>
               <a:rPr lang="en-US" sz="2000" dirty="0" smtClean="0">
                 <a:solidFill>
+                  <a:schemeClr val="bg1"/>
+                </a:solidFill>
+              </a:rPr>
+              <a:t>212.209.113.33</a:t>
+            </a:r>
+            <a:r>
+              <a:rPr lang="en-US" sz="2000" dirty="0" smtClean="0">
+                <a:solidFill>
                   <a:srgbClr val="FFFF00"/>
                 </a:solidFill>
               </a:rPr>
-              <a:t>212.209.113.33 = 1101 0100.1101 0001.0000 1010.0010 0001</a:t>
+              <a:t> </a:t>
             </a:r>
             <a:r>
               <a:rPr lang="en-US" sz="2000" dirty="0" smtClean="0">
@@ -6708,15 +7028,31 @@
             <a:r>
               <a:rPr lang="en-US" sz="2000" dirty="0" smtClean="0">
                 <a:solidFill>
-                  <a:srgbClr val="FFFF00"/>
-                </a:solidFill>
-              </a:rPr>
-              <a:t>/27 = 1111 1111.1111 1111.1111 1111.1100 0000</a:t>
-            </a:r>
-            <a:br>
-              <a:rPr lang="en-US" sz="2000" dirty="0" smtClean="0">
-                <a:solidFill>
-                  <a:srgbClr val="FFFF00"/>
+                  <a:schemeClr val="bg1"/>
+                </a:solidFill>
+              </a:rPr>
+              <a:t>/27 = 1111 </a:t>
+            </a:r>
+            <a:r>
+              <a:rPr lang="en-US" sz="2000" dirty="0" smtClean="0">
+                <a:solidFill>
+                  <a:schemeClr val="bg1"/>
+                </a:solidFill>
+              </a:rPr>
+              <a:t>1111 . 1111 1111 . 1111 1111 . 1110 </a:t>
+            </a:r>
+            <a:r>
+              <a:rPr lang="en-US" sz="2000" dirty="0" smtClean="0">
+                <a:solidFill>
+                  <a:schemeClr val="bg1"/>
+                </a:solidFill>
+              </a:rPr>
+              <a:t>0000</a:t>
+            </a:r>
+            <a:br>
+              <a:rPr lang="en-US" sz="2000" dirty="0" smtClean="0">
+                <a:solidFill>
+                  <a:schemeClr val="bg1"/>
                 </a:solidFill>
               </a:rPr>
             </a:br>
@@ -6803,8 +7139,8 @@
         </p:blipFill>
         <p:spPr>
           <a:xfrm>
-            <a:off x="381000" y="2409825"/>
-            <a:ext cx="7848600" cy="3113859"/>
+            <a:off x="282911" y="2409825"/>
+            <a:ext cx="7946689" cy="3152775"/>
           </a:xfrm>
           <a:prstGeom prst="rect">
             <a:avLst/>
@@ -7195,7 +7531,23 @@
                   <a:schemeClr val="accent6"/>
                 </a:solidFill>
               </a:rPr>
-              <a:t>IP addresses are the addresses that allow nodes to communicate to any other node on the Internet. MAC addresses are assigned on each network card and are used on the local network.</a:t>
+              <a:t>IP addresses are the addresses that allow nodes to communicate to any other node on the Internet. </a:t>
+            </a:r>
+            <a:r>
+              <a:rPr lang="en-US" dirty="0" smtClean="0">
+                <a:solidFill>
+                  <a:schemeClr val="bg1"/>
+                </a:solidFill>
+              </a:rPr>
+              <a:t>MAC addresses </a:t>
+            </a:r>
+            <a:r>
+              <a:rPr lang="en-US" dirty="0" smtClean="0">
+                <a:solidFill>
+                  <a:schemeClr val="accent6"/>
+                </a:solidFill>
+              </a:rPr>
+              <a:t>are assigned on each network card and are used on the local network.</a:t>
             </a:r>
           </a:p>
           <a:p>
@@ -7295,39 +7647,7 @@
                   <a:schemeClr val="accent6"/>
                 </a:solidFill>
               </a:rPr>
-              <a:t>). Usually the DHCP also </a:t>
-            </a:r>
-            <a:r>
-              <a:rPr lang="en-US" dirty="0" smtClean="0">
-                <a:solidFill>
-                  <a:schemeClr val="accent6"/>
-                </a:solidFill>
-              </a:rPr>
-              <a:t>assigns </a:t>
-            </a:r>
-            <a:r>
-              <a:rPr lang="en-US" dirty="0" smtClean="0">
-                <a:solidFill>
-                  <a:schemeClr val="accent6"/>
-                </a:solidFill>
-              </a:rPr>
-              <a:t>the DNS servers to be </a:t>
-            </a:r>
-            <a:r>
-              <a:rPr lang="en-US" dirty="0" smtClean="0">
-                <a:solidFill>
-                  <a:schemeClr val="accent6"/>
-                </a:solidFill>
-              </a:rPr>
-              <a:t>used as well. </a:t>
-            </a:r>
-            <a:r>
-              <a:rPr lang="en-US" dirty="0" smtClean="0">
-                <a:solidFill>
-                  <a:schemeClr val="accent6"/>
-                </a:solidFill>
-              </a:rPr>
-              <a:t>In CentOS 7 the interface(network card) names have new labels:</a:t>
+              <a:t>). Usually the DHCP also assigns the DNS servers to be used as well. In CentOS 7 the interface(network card) names have new labels:</a:t>
             </a:r>
           </a:p>
           <a:p>
@@ -7400,7 +7720,7 @@
                   <a:schemeClr val="bg1"/>
                 </a:solidFill>
               </a:rPr>
-              <a:t>built i</a:t>
+              <a:t>built in</a:t>
             </a:r>
             <a:r>
               <a:rPr lang="en-US" dirty="0" smtClean="0">
@@ -7408,7 +7728,7 @@
                   <a:schemeClr val="accent6"/>
                 </a:solidFill>
               </a:rPr>
-              <a:t>n), ‘</a:t>
+              <a:t>), ‘</a:t>
             </a:r>
             <a:r>
               <a:rPr lang="en-US" dirty="0" smtClean="0">
@@ -8056,56 +8376,86 @@
                   <a:schemeClr val="accent6"/>
                 </a:solidFill>
               </a:rPr>
-              <a:t>Network traffic needs to move from host to host and network to network. Each host has a routing table, which tells it how to route traffic for particular networks.</a:t>
-            </a:r>
-            <a:r>
-              <a:rPr lang="en-US" sz="2400" dirty="0">
-                <a:solidFill>
-                  <a:schemeClr val="accent6"/>
-                </a:solidFill>
-              </a:rPr>
-              <a:t/>
-            </a:r>
-            <a:br>
-              <a:rPr lang="en-US" sz="2400" dirty="0">
-                <a:solidFill>
-                  <a:schemeClr val="accent6"/>
-                </a:solidFill>
-              </a:rPr>
-            </a:br>
-            <a:r>
+              <a:t/>
+            </a:r>
+            <a:br>
               <a:rPr lang="en-US" sz="2400" dirty="0" smtClean="0">
                 <a:solidFill>
                   <a:schemeClr val="accent6"/>
                 </a:solidFill>
               </a:rPr>
-              <a:t/>
-            </a:r>
-            <a:br>
+            </a:br>
+            <a:r>
               <a:rPr lang="en-US" sz="2400" dirty="0" smtClean="0">
                 <a:solidFill>
                   <a:schemeClr val="accent6"/>
                 </a:solidFill>
               </a:rPr>
-            </a:br>
-            <a:r>
-              <a:rPr lang="en-US" sz="1800" dirty="0" smtClean="0">
-                <a:solidFill>
-                  <a:schemeClr val="accent6"/>
-                </a:solidFill>
-              </a:rPr>
-              <a:t>Show </a:t>
-            </a:r>
-            <a:r>
-              <a:rPr lang="en-US" sz="1800" dirty="0" smtClean="0">
-                <a:solidFill>
-                  <a:schemeClr val="accent6"/>
-                </a:solidFill>
-              </a:rPr>
-              <a:t>current network settings =&gt; </a:t>
-            </a:r>
-            <a:r>
-              <a:rPr lang="en-US" sz="1800" dirty="0" err="1">
+              <a:t/>
+            </a:r>
+            <a:br>
+              <a:rPr lang="en-US" sz="2400" dirty="0" smtClean="0">
+                <a:solidFill>
+                  <a:schemeClr val="accent6"/>
+                </a:solidFill>
+              </a:rPr>
+            </a:br>
+            <a:r>
+              <a:rPr lang="en-US" sz="2000" dirty="0" smtClean="0">
+                <a:solidFill>
+                  <a:schemeClr val="accent6"/>
+                </a:solidFill>
+              </a:rPr>
+              <a:t>Network </a:t>
+            </a:r>
+            <a:r>
+              <a:rPr lang="en-US" sz="2000" dirty="0" smtClean="0">
+                <a:solidFill>
+                  <a:schemeClr val="accent6"/>
+                </a:solidFill>
+              </a:rPr>
+              <a:t>traffic needs to move from host to host and network to network. Each host has a routing table, which tells it how to route traffic for particular networks.</a:t>
+            </a:r>
+            <a:r>
+              <a:rPr lang="en-US" sz="2000" dirty="0">
+                <a:solidFill>
+                  <a:schemeClr val="accent6"/>
+                </a:solidFill>
+              </a:rPr>
+              <a:t/>
+            </a:r>
+            <a:br>
+              <a:rPr lang="en-US" sz="2000" dirty="0">
+                <a:solidFill>
+                  <a:schemeClr val="accent6"/>
+                </a:solidFill>
+              </a:rPr>
+            </a:br>
+            <a:r>
+              <a:rPr lang="en-US" sz="2000" dirty="0" smtClean="0">
+                <a:solidFill>
+                  <a:schemeClr val="accent6"/>
+                </a:solidFill>
+              </a:rPr>
+              <a:t/>
+            </a:r>
+            <a:br>
+              <a:rPr lang="en-US" sz="2000" dirty="0" smtClean="0">
+                <a:solidFill>
+                  <a:schemeClr val="accent6"/>
+                </a:solidFill>
+              </a:rPr>
+            </a:br>
+            <a:r>
+              <a:rPr lang="en-US" sz="2000" dirty="0" smtClean="0">
+                <a:solidFill>
+                  <a:schemeClr val="accent6"/>
+                </a:solidFill>
+              </a:rPr>
+              <a:t>Show current network settings =&gt; </a:t>
+            </a:r>
+            <a:r>
+              <a:rPr lang="en-US" sz="2000" dirty="0" err="1">
                 <a:solidFill>
                   <a:schemeClr val="bg1"/>
                 </a:solidFill>
@@ -8113,7 +8463,7 @@
               <a:t>ip</a:t>
             </a:r>
             <a:r>
-              <a:rPr lang="en-US" sz="1800" dirty="0">
+              <a:rPr lang="en-US" sz="2000" dirty="0">
                 <a:solidFill>
                   <a:schemeClr val="bg1"/>
                 </a:solidFill>
@@ -8121,7 +8471,7 @@
               <a:t> </a:t>
             </a:r>
             <a:r>
-              <a:rPr lang="en-US" sz="1800" dirty="0" err="1">
+              <a:rPr lang="en-US" sz="2000" dirty="0" err="1">
                 <a:solidFill>
                   <a:schemeClr val="bg1"/>
                 </a:solidFill>
@@ -8129,7 +8479,7 @@
               <a:t>addr</a:t>
             </a:r>
             <a:r>
-              <a:rPr lang="en-US" sz="1800" dirty="0">
+              <a:rPr lang="en-US" sz="2000" dirty="0">
                 <a:solidFill>
                   <a:schemeClr val="bg1"/>
                 </a:solidFill>
@@ -8137,22 +8487,22 @@
               <a:t> show</a:t>
             </a:r>
             <a:r>
-              <a:rPr lang="en-US" sz="1800" dirty="0" smtClean="0">
-                <a:solidFill>
-                  <a:schemeClr val="accent6"/>
-                </a:solidFill>
-              </a:rPr>
-              <a:t/>
-            </a:r>
-            <a:br>
-              <a:rPr lang="en-US" sz="1800" dirty="0" smtClean="0">
-                <a:solidFill>
-                  <a:schemeClr val="accent6"/>
-                </a:solidFill>
-              </a:rPr>
-            </a:br>
-            <a:r>
-              <a:rPr lang="en-US" sz="1800" dirty="0" smtClean="0">
+              <a:rPr lang="en-US" sz="2000" dirty="0" smtClean="0">
+                <a:solidFill>
+                  <a:schemeClr val="accent6"/>
+                </a:solidFill>
+              </a:rPr>
+              <a:t/>
+            </a:r>
+            <a:br>
+              <a:rPr lang="en-US" sz="2000" dirty="0" smtClean="0">
+                <a:solidFill>
+                  <a:schemeClr val="accent6"/>
+                </a:solidFill>
+              </a:rPr>
+            </a:br>
+            <a:r>
+              <a:rPr lang="en-US" sz="2000" dirty="0" smtClean="0">
                 <a:solidFill>
                   <a:schemeClr val="accent6"/>
                 </a:solidFill>
@@ -8160,7 +8510,7 @@
               <a:t>Validate the routing =&gt; </a:t>
             </a:r>
             <a:r>
-              <a:rPr lang="en-US" sz="1800" dirty="0" err="1" smtClean="0">
+              <a:rPr lang="en-US" sz="2000" dirty="0" err="1" smtClean="0">
                 <a:solidFill>
                   <a:schemeClr val="bg1"/>
                 </a:solidFill>
@@ -8168,7 +8518,7 @@
               <a:t>ip</a:t>
             </a:r>
             <a:r>
-              <a:rPr lang="en-US" sz="1800" dirty="0" smtClean="0">
+              <a:rPr lang="en-US" sz="2000" dirty="0" smtClean="0">
                 <a:solidFill>
                   <a:schemeClr val="bg1"/>
                 </a:solidFill>
@@ -8176,14 +8526,14 @@
               <a:t> route show</a:t>
             </a:r>
             <a:br>
-              <a:rPr lang="en-US" sz="1800" dirty="0" smtClean="0">
-                <a:solidFill>
-                  <a:schemeClr val="bg1"/>
-                </a:solidFill>
-              </a:rPr>
-            </a:br>
-            <a:r>
-              <a:rPr lang="en-US" sz="1800" dirty="0" smtClean="0">
+              <a:rPr lang="en-US" sz="2000" dirty="0" smtClean="0">
+                <a:solidFill>
+                  <a:schemeClr val="bg1"/>
+                </a:solidFill>
+              </a:rPr>
+            </a:br>
+            <a:r>
+              <a:rPr lang="en-US" sz="2000" dirty="0" smtClean="0">
                 <a:solidFill>
                   <a:schemeClr val="accent6"/>
                 </a:solidFill>
@@ -8191,7 +8541,7 @@
               <a:t>Validate the Availability of Ports and services =&gt; </a:t>
             </a:r>
             <a:r>
-              <a:rPr lang="en-US" sz="1800" dirty="0" err="1" smtClean="0">
+              <a:rPr lang="en-US" sz="2000" dirty="0" err="1" smtClean="0">
                 <a:solidFill>
                   <a:schemeClr val="bg1"/>
                 </a:solidFill>
@@ -8199,22 +8549,22 @@
               <a:t>ss</a:t>
             </a:r>
             <a:r>
-              <a:rPr lang="en-US" sz="1800" dirty="0" smtClean="0">
-                <a:solidFill>
-                  <a:schemeClr val="accent6"/>
-                </a:solidFill>
-              </a:rPr>
-              <a:t/>
-            </a:r>
-            <a:br>
-              <a:rPr lang="en-US" sz="1800" dirty="0" smtClean="0">
-                <a:solidFill>
-                  <a:schemeClr val="accent6"/>
-                </a:solidFill>
-              </a:rPr>
-            </a:br>
-            <a:r>
-              <a:rPr lang="en-US" sz="1800" dirty="0" smtClean="0">
+              <a:rPr lang="en-US" sz="2000" dirty="0" smtClean="0">
+                <a:solidFill>
+                  <a:schemeClr val="accent6"/>
+                </a:solidFill>
+              </a:rPr>
+              <a:t/>
+            </a:r>
+            <a:br>
+              <a:rPr lang="en-US" sz="2000" dirty="0" smtClean="0">
+                <a:solidFill>
+                  <a:schemeClr val="accent6"/>
+                </a:solidFill>
+              </a:rPr>
+            </a:br>
+            <a:r>
+              <a:rPr lang="en-US" sz="2000" dirty="0" smtClean="0">
                 <a:solidFill>
                   <a:srgbClr val="FF0000"/>
                 </a:solidFill>
@@ -8222,67 +8572,82 @@
               <a:t>Exercises:</a:t>
             </a:r>
             <a:br>
-              <a:rPr lang="en-US" sz="1800" dirty="0" smtClean="0">
+              <a:rPr lang="en-US" sz="2000" dirty="0" smtClean="0">
                 <a:solidFill>
                   <a:srgbClr val="FF0000"/>
                 </a:solidFill>
               </a:rPr>
             </a:br>
             <a:r>
-              <a:rPr lang="en-US" sz="1800" dirty="0" smtClean="0">
-                <a:solidFill>
-                  <a:schemeClr val="bg1"/>
+              <a:rPr lang="en-US" sz="2000" dirty="0" smtClean="0">
+                <a:solidFill>
+                  <a:schemeClr val="accent6"/>
                 </a:solidFill>
               </a:rPr>
               <a:t>1. Get your current network settings.</a:t>
             </a:r>
             <a:br>
-              <a:rPr lang="en-US" sz="1800" dirty="0" smtClean="0">
-                <a:solidFill>
-                  <a:schemeClr val="bg1"/>
-                </a:solidFill>
-              </a:rPr>
-            </a:br>
-            <a:r>
-              <a:rPr lang="en-US" sz="1800" dirty="0" smtClean="0">
-                <a:solidFill>
-                  <a:schemeClr val="bg1"/>
+              <a:rPr lang="en-US" sz="2000" dirty="0" smtClean="0">
+                <a:solidFill>
+                  <a:schemeClr val="accent6"/>
+                </a:solidFill>
+              </a:rPr>
+            </a:br>
+            <a:r>
+              <a:rPr lang="en-US" sz="2000" dirty="0" smtClean="0">
+                <a:solidFill>
+                  <a:schemeClr val="accent6"/>
                 </a:solidFill>
               </a:rPr>
               <a:t>2. Get your routing.</a:t>
             </a:r>
             <a:br>
-              <a:rPr lang="en-US" sz="1800" dirty="0" smtClean="0">
-                <a:solidFill>
-                  <a:schemeClr val="bg1"/>
-                </a:solidFill>
-              </a:rPr>
-            </a:br>
-            <a:r>
-              <a:rPr lang="en-US" sz="1800" dirty="0" smtClean="0">
-                <a:solidFill>
-                  <a:schemeClr val="bg1"/>
-                </a:solidFill>
-              </a:rPr>
-              <a:t>3. Look for all listening TCP services and redirect the output to a file</a:t>
-            </a:r>
-            <a:r>
-              <a:rPr lang="en-US" sz="1800" dirty="0">
-                <a:solidFill>
-                  <a:schemeClr val="accent6"/>
-                </a:solidFill>
-              </a:rPr>
-              <a:t/>
-            </a:r>
-            <a:br>
-              <a:rPr lang="en-US" sz="1800" dirty="0">
-                <a:solidFill>
-                  <a:schemeClr val="accent6"/>
-                </a:solidFill>
-              </a:rPr>
-            </a:br>
-            <a:r>
-              <a:rPr lang="en-US" sz="1800" dirty="0" smtClean="0">
+              <a:rPr lang="en-US" sz="2000" dirty="0" smtClean="0">
+                <a:solidFill>
+                  <a:schemeClr val="accent6"/>
+                </a:solidFill>
+              </a:rPr>
+            </a:br>
+            <a:r>
+              <a:rPr lang="en-US" sz="2000" dirty="0" smtClean="0">
+                <a:solidFill>
+                  <a:schemeClr val="accent6"/>
+                </a:solidFill>
+              </a:rPr>
+              <a:t>3. Look for all listening TCP services and redirect the output to a </a:t>
+            </a:r>
+            <a:r>
+              <a:rPr lang="en-US" sz="2000" dirty="0" smtClean="0">
+                <a:solidFill>
+                  <a:schemeClr val="accent6"/>
+                </a:solidFill>
+              </a:rPr>
+              <a:t>file</a:t>
+            </a:r>
+            <a:br>
+              <a:rPr lang="en-US" sz="2000" dirty="0" smtClean="0">
+                <a:solidFill>
+                  <a:schemeClr val="accent6"/>
+                </a:solidFill>
+              </a:rPr>
+            </a:br>
+            <a:r>
+              <a:rPr lang="en-US" sz="2000" dirty="0">
+                <a:solidFill>
+                  <a:schemeClr val="accent6"/>
+                </a:solidFill>
+              </a:rPr>
+              <a:t/>
+            </a:r>
+            <a:br>
+              <a:rPr lang="en-US" sz="2000" dirty="0">
+                <a:solidFill>
+                  <a:schemeClr val="accent6"/>
+                </a:solidFill>
+              </a:rPr>
+            </a:br>
+            <a:r>
+              <a:rPr lang="en-US" sz="2000" dirty="0" smtClean="0">
                 <a:solidFill>
                   <a:schemeClr val="accent6"/>
                 </a:solidFill>
@@ -8290,7 +8655,7 @@
               <a:t>Configuring network with </a:t>
             </a:r>
             <a:r>
-              <a:rPr lang="en-US" sz="1800" dirty="0" err="1" smtClean="0">
+              <a:rPr lang="en-US" sz="2000" dirty="0" err="1" smtClean="0">
                 <a:solidFill>
                   <a:schemeClr val="accent6"/>
                 </a:solidFill>
@@ -8298,7 +8663,7 @@
               <a:t>nmtui</a:t>
             </a:r>
             <a:r>
-              <a:rPr lang="en-US" sz="1800" dirty="0" smtClean="0">
+              <a:rPr lang="en-US" sz="2000" dirty="0" smtClean="0">
                 <a:solidFill>
                   <a:schemeClr val="accent6"/>
                 </a:solidFill>
@@ -8306,7 +8671,7 @@
               <a:t> and </a:t>
             </a:r>
             <a:r>
-              <a:rPr lang="en-US" sz="1800" dirty="0" err="1" smtClean="0">
+              <a:rPr lang="en-US" sz="2000" dirty="0" err="1" smtClean="0">
                 <a:solidFill>
                   <a:schemeClr val="accent6"/>
                 </a:solidFill>
@@ -8314,7 +8679,7 @@
               <a:t>nmcli</a:t>
             </a:r>
             <a:r>
-              <a:rPr lang="en-US" sz="1800" dirty="0" smtClean="0">
+              <a:rPr lang="en-US" sz="2000" dirty="0" smtClean="0">
                 <a:solidFill>
                   <a:schemeClr val="accent6"/>
                 </a:solidFill>
@@ -8322,38 +8687,46 @@
               <a:t>.</a:t>
             </a:r>
             <a:br>
-              <a:rPr lang="en-US" sz="1800" dirty="0" smtClean="0">
-                <a:solidFill>
-                  <a:schemeClr val="accent6"/>
-                </a:solidFill>
-              </a:rPr>
-            </a:br>
-            <a:r>
-              <a:rPr lang="en-US" sz="1800" dirty="0" err="1">
-                <a:solidFill>
-                  <a:schemeClr val="accent6"/>
+              <a:rPr lang="en-US" sz="2000" dirty="0" smtClean="0">
+                <a:solidFill>
+                  <a:schemeClr val="accent6"/>
+                </a:solidFill>
+              </a:rPr>
+            </a:br>
+            <a:r>
+              <a:rPr lang="en-US" sz="2000" dirty="0" err="1">
+                <a:solidFill>
+                  <a:schemeClr val="bg1"/>
                 </a:solidFill>
               </a:rPr>
               <a:t>n</a:t>
             </a:r>
             <a:r>
-              <a:rPr lang="en-US" sz="1800" dirty="0" err="1" smtClean="0">
-                <a:solidFill>
-                  <a:schemeClr val="accent6"/>
+              <a:rPr lang="en-US" sz="2000" dirty="0" err="1" smtClean="0">
+                <a:solidFill>
+                  <a:schemeClr val="bg1"/>
                 </a:solidFill>
               </a:rPr>
               <a:t>mcli</a:t>
             </a:r>
             <a:r>
-              <a:rPr lang="en-US" sz="1800" dirty="0" smtClean="0">
-                <a:solidFill>
-                  <a:schemeClr val="accent6"/>
-                </a:solidFill>
-              </a:rPr>
-              <a:t> =&gt; the preferred and advisable tool by </a:t>
-            </a:r>
-            <a:r>
-              <a:rPr lang="en-US" sz="1800" dirty="0" err="1" smtClean="0">
+              <a:rPr lang="en-US" sz="2000" dirty="0" smtClean="0">
+                <a:solidFill>
+                  <a:schemeClr val="bg1"/>
+                </a:solidFill>
+              </a:rPr>
+              <a:t> </a:t>
+            </a:r>
+            <a:r>
+              <a:rPr lang="en-US" sz="2000" dirty="0" smtClean="0">
+                <a:solidFill>
+                  <a:schemeClr val="accent6"/>
+                </a:solidFill>
+              </a:rPr>
+              <a:t>=&gt; the preferred and advisable tool by </a:t>
+            </a:r>
+            <a:r>
+              <a:rPr lang="en-US" sz="2000" dirty="0" err="1" smtClean="0">
                 <a:solidFill>
                   <a:schemeClr val="accent6"/>
                 </a:solidFill>
@@ -8361,7 +8734,7 @@
               <a:t>RedHat</a:t>
             </a:r>
             <a:r>
-              <a:rPr lang="en-US" sz="1800" dirty="0" smtClean="0">
+              <a:rPr lang="en-US" sz="2000" dirty="0" smtClean="0">
                 <a:solidFill>
                   <a:schemeClr val="accent6"/>
                 </a:solidFill>
@@ -8369,7 +8742,22 @@
               <a:t>. Easy to work it, since it has tab completion. </a:t>
             </a:r>
             <a:r>
-              <a:rPr lang="en-US" sz="1800" dirty="0" err="1" smtClean="0">
+              <a:rPr lang="en-US" sz="2000" dirty="0" smtClean="0">
+                <a:solidFill>
+                  <a:schemeClr val="accent6"/>
+                </a:solidFill>
+              </a:rPr>
+              <a:t/>
+            </a:r>
+            <a:br>
+              <a:rPr lang="en-US" sz="2000" dirty="0" smtClean="0">
+                <a:solidFill>
+                  <a:schemeClr val="accent6"/>
+                </a:solidFill>
+              </a:rPr>
+            </a:br>
+            <a:r>
+              <a:rPr lang="en-US" sz="2000" dirty="0" err="1" smtClean="0">
                 <a:solidFill>
                   <a:schemeClr val="bg1"/>
                 </a:solidFill>
@@ -8377,22 +8765,30 @@
               <a:t>nmcli</a:t>
             </a:r>
             <a:r>
-              <a:rPr lang="en-US" sz="1800" dirty="0" smtClean="0">
-                <a:solidFill>
-                  <a:schemeClr val="bg1"/>
-                </a:solidFill>
-              </a:rPr>
-              <a:t> con show</a:t>
-            </a:r>
-            <a:br>
-              <a:rPr lang="en-US" sz="1800" dirty="0" smtClean="0">
-                <a:solidFill>
-                  <a:schemeClr val="bg1"/>
-                </a:solidFill>
-              </a:rPr>
-            </a:br>
-            <a:r>
-              <a:rPr lang="en-US" sz="1800" dirty="0" err="1" smtClean="0">
+              <a:rPr lang="en-US" sz="2000" dirty="0" smtClean="0">
+                <a:solidFill>
+                  <a:schemeClr val="bg1"/>
+                </a:solidFill>
+              </a:rPr>
+              <a:t> </a:t>
+            </a:r>
+            <a:r>
+              <a:rPr lang="en-US" sz="2000" dirty="0" smtClean="0">
+                <a:solidFill>
+                  <a:schemeClr val="bg1"/>
+                </a:solidFill>
+              </a:rPr>
+              <a:t>con show</a:t>
+            </a:r>
+            <a:br>
+              <a:rPr lang="en-US" sz="2000" dirty="0" smtClean="0">
+                <a:solidFill>
+                  <a:schemeClr val="bg1"/>
+                </a:solidFill>
+              </a:rPr>
+            </a:br>
+            <a:r>
+              <a:rPr lang="en-US" sz="2000" dirty="0" err="1" smtClean="0">
                 <a:solidFill>
                   <a:schemeClr val="bg1"/>
                 </a:solidFill>
@@ -8400,7 +8796,7 @@
               <a:t>nmcli</a:t>
             </a:r>
             <a:r>
-              <a:rPr lang="en-US" sz="1800" dirty="0" smtClean="0">
+              <a:rPr lang="en-US" sz="2000" dirty="0" smtClean="0">
                 <a:solidFill>
                   <a:schemeClr val="bg1"/>
                 </a:solidFill>
@@ -8408,14 +8804,14 @@
               <a:t> dev status</a:t>
             </a:r>
             <a:br>
-              <a:rPr lang="en-US" sz="1800" dirty="0" smtClean="0">
-                <a:solidFill>
-                  <a:schemeClr val="bg1"/>
-                </a:solidFill>
-              </a:rPr>
-            </a:br>
-            <a:r>
-              <a:rPr lang="en-US" sz="1800" dirty="0" err="1" smtClean="0">
+              <a:rPr lang="en-US" sz="2000" dirty="0" smtClean="0">
+                <a:solidFill>
+                  <a:schemeClr val="bg1"/>
+                </a:solidFill>
+              </a:rPr>
+            </a:br>
+            <a:r>
+              <a:rPr lang="en-US" sz="2000" dirty="0" err="1" smtClean="0">
                 <a:solidFill>
                   <a:schemeClr val="bg1"/>
                 </a:solidFill>
@@ -8423,7 +8819,7 @@
               <a:t>nmcli</a:t>
             </a:r>
             <a:r>
-              <a:rPr lang="en-US" sz="1800" dirty="0" smtClean="0">
+              <a:rPr lang="en-US" sz="2000" dirty="0" smtClean="0">
                 <a:solidFill>
                   <a:schemeClr val="bg1"/>
                 </a:solidFill>
@@ -8431,7 +8827,7 @@
               <a:t> con add con-name “static” </a:t>
             </a:r>
             <a:r>
-              <a:rPr lang="en-US" sz="1800" dirty="0" err="1" smtClean="0">
+              <a:rPr lang="en-US" sz="2000" dirty="0" err="1" smtClean="0">
                 <a:solidFill>
                   <a:schemeClr val="bg1"/>
                 </a:solidFill>
@@ -8439,7 +8835,7 @@
               <a:t>ifname</a:t>
             </a:r>
             <a:r>
-              <a:rPr lang="en-US" sz="1800" dirty="0" smtClean="0">
+              <a:rPr lang="en-US" sz="2000" dirty="0" smtClean="0">
                 <a:solidFill>
                   <a:schemeClr val="bg1"/>
                 </a:solidFill>
@@ -8447,7 +8843,7 @@
               <a:t> eth0 </a:t>
             </a:r>
             <a:r>
-              <a:rPr lang="en-US" sz="1800" dirty="0" err="1" smtClean="0">
+              <a:rPr lang="en-US" sz="2000" dirty="0" err="1" smtClean="0">
                 <a:solidFill>
                   <a:schemeClr val="bg1"/>
                 </a:solidFill>
@@ -8455,7 +8851,7 @@
               <a:t>autoconnect</a:t>
             </a:r>
             <a:r>
-              <a:rPr lang="en-US" sz="1800" dirty="0" smtClean="0">
+              <a:rPr lang="en-US" sz="2000" dirty="0" smtClean="0">
                 <a:solidFill>
                   <a:schemeClr val="bg1"/>
                 </a:solidFill>
@@ -8463,7 +8859,7 @@
               <a:t> no type Ethernet ip4 10.0.0.10/24 </a:t>
             </a:r>
             <a:r>
-              <a:rPr lang="en-US" sz="1800" dirty="0" err="1" smtClean="0">
+              <a:rPr lang="en-US" sz="2000" dirty="0" err="1" smtClean="0">
                 <a:solidFill>
                   <a:schemeClr val="bg1"/>
                 </a:solidFill>
@@ -8471,7 +8867,7 @@
               <a:t>gw</a:t>
             </a:r>
             <a:r>
-              <a:rPr lang="en-US" sz="1800" dirty="0" smtClean="0">
+              <a:rPr lang="en-US" sz="2000" dirty="0" smtClean="0">
                 <a:solidFill>
                   <a:schemeClr val="bg1"/>
                 </a:solidFill>
@@ -8479,14 +8875,14 @@
               <a:t> 10.0.0.1</a:t>
             </a:r>
             <a:br>
-              <a:rPr lang="en-US" sz="1800" dirty="0" smtClean="0">
-                <a:solidFill>
-                  <a:schemeClr val="bg1"/>
-                </a:solidFill>
-              </a:rPr>
-            </a:br>
-            <a:r>
-              <a:rPr lang="en-US" sz="1800" dirty="0" smtClean="0">
+              <a:rPr lang="en-US" sz="2000" dirty="0" smtClean="0">
+                <a:solidFill>
+                  <a:schemeClr val="bg1"/>
+                </a:solidFill>
+              </a:rPr>
+            </a:br>
+            <a:r>
+              <a:rPr lang="en-US" sz="2000" dirty="0" smtClean="0">
                 <a:solidFill>
                   <a:schemeClr val="accent6"/>
                 </a:solidFill>
@@ -8494,30 +8890,30 @@
               <a:t>Configuring network with </a:t>
             </a:r>
             <a:r>
-              <a:rPr lang="en-US" sz="1800" dirty="0" err="1" smtClean="0">
-                <a:solidFill>
-                  <a:schemeClr val="accent6"/>
+              <a:rPr lang="en-US" sz="2000" dirty="0" err="1" smtClean="0">
+                <a:solidFill>
+                  <a:schemeClr val="bg1"/>
                 </a:solidFill>
               </a:rPr>
               <a:t>nmtui</a:t>
             </a:r>
             <a:r>
-              <a:rPr lang="en-US" sz="1800" dirty="0" smtClean="0">
-                <a:solidFill>
-                  <a:schemeClr val="accent6"/>
-                </a:solidFill>
-              </a:rPr>
-              <a:t/>
-            </a:r>
-            <a:br>
-              <a:rPr lang="en-US" sz="1800" dirty="0" smtClean="0">
-                <a:solidFill>
-                  <a:schemeClr val="accent6"/>
-                </a:solidFill>
-              </a:rPr>
-            </a:br>
-            <a:r>
-              <a:rPr lang="en-US" sz="1800" dirty="0" smtClean="0">
+              <a:rPr lang="en-US" sz="2000" dirty="0" smtClean="0">
+                <a:solidFill>
+                  <a:schemeClr val="accent6"/>
+                </a:solidFill>
+              </a:rPr>
+              <a:t/>
+            </a:r>
+            <a:br>
+              <a:rPr lang="en-US" sz="2000" dirty="0" smtClean="0">
+                <a:solidFill>
+                  <a:schemeClr val="accent6"/>
+                </a:solidFill>
+              </a:rPr>
+            </a:br>
+            <a:r>
+              <a:rPr lang="en-US" sz="2000" dirty="0" smtClean="0">
                 <a:solidFill>
                   <a:schemeClr val="accent6"/>
                 </a:solidFill>
@@ -8525,70 +8921,86 @@
               <a:t>Easy to use graphical tool.</a:t>
             </a:r>
             <a:r>
-              <a:rPr lang="en-US" sz="1800" dirty="0" smtClean="0">
-                <a:solidFill>
-                  <a:schemeClr val="bg1"/>
-                </a:solidFill>
-              </a:rPr>
-              <a:t/>
-            </a:r>
-            <a:br>
-              <a:rPr lang="en-US" sz="1800" dirty="0" smtClean="0">
-                <a:solidFill>
-                  <a:schemeClr val="bg1"/>
-                </a:solidFill>
-              </a:rPr>
-            </a:br>
-            <a:r>
-              <a:rPr lang="en-US" sz="1800" dirty="0" smtClean="0">
-                <a:solidFill>
-                  <a:schemeClr val="accent6"/>
-                </a:solidFill>
-              </a:rPr>
-              <a:t>Every connection that you create is stored as a configuration file in the directory /</a:t>
-            </a:r>
-            <a:r>
-              <a:rPr lang="en-US" sz="1800" dirty="0" err="1" smtClean="0">
-                <a:solidFill>
-                  <a:schemeClr val="accent6"/>
+              <a:rPr lang="en-US" sz="2000" dirty="0" smtClean="0">
+                <a:solidFill>
+                  <a:schemeClr val="bg1"/>
+                </a:solidFill>
+              </a:rPr>
+              <a:t/>
+            </a:r>
+            <a:br>
+              <a:rPr lang="en-US" sz="2000" dirty="0" smtClean="0">
+                <a:solidFill>
+                  <a:schemeClr val="bg1"/>
+                </a:solidFill>
+              </a:rPr>
+            </a:br>
+            <a:r>
+              <a:rPr lang="en-US" sz="2000" dirty="0" smtClean="0">
+                <a:solidFill>
+                  <a:schemeClr val="accent6"/>
+                </a:solidFill>
+              </a:rPr>
+              <a:t>Every connection that you create is stored as a configuration file in the directory </a:t>
+            </a:r>
+            <a:r>
+              <a:rPr lang="en-US" sz="2000" dirty="0" smtClean="0">
+                <a:solidFill>
+                  <a:schemeClr val="bg1"/>
+                </a:solidFill>
+              </a:rPr>
+              <a:t>/</a:t>
+            </a:r>
+            <a:r>
+              <a:rPr lang="en-US" sz="2000" dirty="0" err="1" smtClean="0">
+                <a:solidFill>
+                  <a:schemeClr val="bg1"/>
                 </a:solidFill>
               </a:rPr>
               <a:t>etc</a:t>
             </a:r>
             <a:r>
-              <a:rPr lang="en-US" sz="1800" dirty="0" smtClean="0">
-                <a:solidFill>
-                  <a:schemeClr val="accent6"/>
+              <a:rPr lang="en-US" sz="2000" dirty="0" smtClean="0">
+                <a:solidFill>
+                  <a:schemeClr val="bg1"/>
                 </a:solidFill>
               </a:rPr>
               <a:t>/</a:t>
             </a:r>
             <a:r>
-              <a:rPr lang="en-US" sz="1800" dirty="0" err="1" smtClean="0">
-                <a:solidFill>
-                  <a:schemeClr val="accent6"/>
+              <a:rPr lang="en-US" sz="2000" dirty="0" err="1" smtClean="0">
+                <a:solidFill>
+                  <a:schemeClr val="bg1"/>
                 </a:solidFill>
               </a:rPr>
               <a:t>sysconf</a:t>
             </a:r>
             <a:r>
-              <a:rPr lang="en-US" sz="1800" dirty="0" smtClean="0">
-                <a:solidFill>
-                  <a:schemeClr val="accent6"/>
-                </a:solidFill>
-              </a:rPr>
-              <a:t>/network-scripts.</a:t>
-            </a:r>
-            <a:r>
-              <a:rPr lang="en-US" sz="1800" dirty="0" smtClean="0">
-                <a:solidFill>
-                  <a:schemeClr val="bg1"/>
-                </a:solidFill>
-              </a:rPr>
-              <a:t/>
-            </a:r>
-            <a:br>
-              <a:rPr lang="en-US" sz="1800" dirty="0" smtClean="0">
+              <a:rPr lang="en-US" sz="2000" dirty="0" smtClean="0">
+                <a:solidFill>
+                  <a:schemeClr val="bg1"/>
+                </a:solidFill>
+              </a:rPr>
+              <a:t>/network-scripts</a:t>
+            </a:r>
+            <a:r>
+              <a:rPr lang="en-US" sz="2000" dirty="0" smtClean="0">
+                <a:solidFill>
+                  <a:schemeClr val="accent6"/>
+                </a:solidFill>
+              </a:rPr>
+              <a:t>.</a:t>
+            </a:r>
+            <a:r>
+              <a:rPr lang="en-US" sz="2000" dirty="0" smtClean="0">
+                <a:solidFill>
+                  <a:schemeClr val="bg1"/>
+                </a:solidFill>
+              </a:rPr>
+              <a:t/>
+            </a:r>
+            <a:br>
+              <a:rPr lang="en-US" sz="2000" dirty="0" smtClean="0">
                 <a:solidFill>
                   <a:schemeClr val="bg1"/>
                 </a:solidFill>

--- a/06.Networking/06-Networking.pptx
+++ b/06.Networking/06-Networking.pptx
@@ -218,7 +218,7 @@
           <a:p>
             <a:fld id="{F75B78E0-CD5B-164B-84D5-F7B3D2B49E85}" type="datetimeFigureOut">
               <a:rPr lang="en-US" smtClean="0"/>
-              <a:t>4/19/17</a:t>
+              <a:t>4/20/17</a:t>
             </a:fld>
             <a:endParaRPr lang="en-US"/>
           </a:p>
@@ -667,7 +667,7 @@
           <a:p>
             <a:fld id="{3EA744D9-3FBE-48D8-BF2A-85DF203E4D20}" type="datetimeFigureOut">
               <a:rPr lang="bg-BG" smtClean="0"/>
-              <a:t>19.04.17 г.</a:t>
+              <a:t>20.04.17 г.</a:t>
             </a:fld>
             <a:endParaRPr lang="bg-BG"/>
           </a:p>
@@ -837,7 +837,7 @@
           <a:p>
             <a:fld id="{3EA744D9-3FBE-48D8-BF2A-85DF203E4D20}" type="datetimeFigureOut">
               <a:rPr lang="bg-BG" smtClean="0"/>
-              <a:t>19.04.17 г.</a:t>
+              <a:t>20.04.17 г.</a:t>
             </a:fld>
             <a:endParaRPr lang="bg-BG"/>
           </a:p>
@@ -1017,7 +1017,7 @@
           <a:p>
             <a:fld id="{3EA744D9-3FBE-48D8-BF2A-85DF203E4D20}" type="datetimeFigureOut">
               <a:rPr lang="bg-BG" smtClean="0"/>
-              <a:t>19.04.17 г.</a:t>
+              <a:t>20.04.17 г.</a:t>
             </a:fld>
             <a:endParaRPr lang="bg-BG"/>
           </a:p>
@@ -1187,7 +1187,7 @@
           <a:p>
             <a:fld id="{3EA744D9-3FBE-48D8-BF2A-85DF203E4D20}" type="datetimeFigureOut">
               <a:rPr lang="bg-BG" smtClean="0"/>
-              <a:t>19.04.17 г.</a:t>
+              <a:t>20.04.17 г.</a:t>
             </a:fld>
             <a:endParaRPr lang="bg-BG"/>
           </a:p>
@@ -1433,7 +1433,7 @@
           <a:p>
             <a:fld id="{3EA744D9-3FBE-48D8-BF2A-85DF203E4D20}" type="datetimeFigureOut">
               <a:rPr lang="bg-BG" smtClean="0"/>
-              <a:t>19.04.17 г.</a:t>
+              <a:t>20.04.17 г.</a:t>
             </a:fld>
             <a:endParaRPr lang="bg-BG"/>
           </a:p>
@@ -1721,7 +1721,7 @@
           <a:p>
             <a:fld id="{3EA744D9-3FBE-48D8-BF2A-85DF203E4D20}" type="datetimeFigureOut">
               <a:rPr lang="bg-BG" smtClean="0"/>
-              <a:t>19.04.17 г.</a:t>
+              <a:t>20.04.17 г.</a:t>
             </a:fld>
             <a:endParaRPr lang="bg-BG"/>
           </a:p>
@@ -2143,7 +2143,7 @@
           <a:p>
             <a:fld id="{3EA744D9-3FBE-48D8-BF2A-85DF203E4D20}" type="datetimeFigureOut">
               <a:rPr lang="bg-BG" smtClean="0"/>
-              <a:t>19.04.17 г.</a:t>
+              <a:t>20.04.17 г.</a:t>
             </a:fld>
             <a:endParaRPr lang="bg-BG"/>
           </a:p>
@@ -2261,7 +2261,7 @@
           <a:p>
             <a:fld id="{3EA744D9-3FBE-48D8-BF2A-85DF203E4D20}" type="datetimeFigureOut">
               <a:rPr lang="bg-BG" smtClean="0"/>
-              <a:t>19.04.17 г.</a:t>
+              <a:t>20.04.17 г.</a:t>
             </a:fld>
             <a:endParaRPr lang="bg-BG"/>
           </a:p>
@@ -2356,7 +2356,7 @@
           <a:p>
             <a:fld id="{3EA744D9-3FBE-48D8-BF2A-85DF203E4D20}" type="datetimeFigureOut">
               <a:rPr lang="bg-BG" smtClean="0"/>
-              <a:t>19.04.17 г.</a:t>
+              <a:t>20.04.17 г.</a:t>
             </a:fld>
             <a:endParaRPr lang="bg-BG"/>
           </a:p>
@@ -2633,7 +2633,7 @@
           <a:p>
             <a:fld id="{3EA744D9-3FBE-48D8-BF2A-85DF203E4D20}" type="datetimeFigureOut">
               <a:rPr lang="bg-BG" smtClean="0"/>
-              <a:t>19.04.17 г.</a:t>
+              <a:t>20.04.17 г.</a:t>
             </a:fld>
             <a:endParaRPr lang="bg-BG"/>
           </a:p>
@@ -2886,7 +2886,7 @@
           <a:p>
             <a:fld id="{3EA744D9-3FBE-48D8-BF2A-85DF203E4D20}" type="datetimeFigureOut">
               <a:rPr lang="bg-BG" smtClean="0"/>
-              <a:t>19.04.17 г.</a:t>
+              <a:t>20.04.17 г.</a:t>
             </a:fld>
             <a:endParaRPr lang="bg-BG"/>
           </a:p>
@@ -3108,7 +3108,7 @@
           <a:p>
             <a:fld id="{3EA744D9-3FBE-48D8-BF2A-85DF203E4D20}" type="datetimeFigureOut">
               <a:rPr lang="bg-BG" smtClean="0"/>
-              <a:t>19.04.17 г.</a:t>
+              <a:t>20.04.17 г.</a:t>
             </a:fld>
             <a:endParaRPr lang="bg-BG"/>
           </a:p>
@@ -3641,14 +3641,6 @@
               </a:rPr>
               <a:t> is conceptual model and set of communications protocols used on the Internet.</a:t>
             </a:r>
-            <a:r>
-              <a:rPr lang="en-US" sz="2000" dirty="0" smtClean="0">
-                <a:solidFill>
-                  <a:schemeClr val="accent6"/>
-                </a:solidFill>
-              </a:rPr>
-              <a:t/>
-            </a:r>
             <a:br>
               <a:rPr lang="en-US" sz="2000" dirty="0" smtClean="0">
                 <a:solidFill>
@@ -3928,15 +3920,23 @@
                   <a:schemeClr val="accent6"/>
                 </a:solidFill>
               </a:rPr>
-              <a:t>*I</a:t>
-            </a:r>
-            <a:r>
-              <a:rPr lang="en-US" sz="2000" dirty="0" smtClean="0">
-                <a:solidFill>
-                  <a:schemeClr val="bg1"/>
-                </a:solidFill>
-              </a:rPr>
-              <a:t>nternet </a:t>
+              <a:t>*</a:t>
+            </a:r>
+            <a:r>
+              <a:rPr lang="en-US" sz="2000" dirty="0" smtClean="0">
+                <a:solidFill>
+                  <a:schemeClr val="bg2"/>
+                </a:solidFill>
+              </a:rPr>
+              <a:t>In</a:t>
+            </a:r>
+            <a:r>
+              <a:rPr lang="en-US" sz="2000" dirty="0" smtClean="0">
+                <a:solidFill>
+                  <a:schemeClr val="bg1"/>
+                </a:solidFill>
+              </a:rPr>
+              <a:t>ternet </a:t>
             </a:r>
             <a:r>
               <a:rPr lang="en-US" sz="2000" dirty="0" smtClean="0">
@@ -4229,15 +4229,7 @@
                   <a:schemeClr val="accent6"/>
                 </a:solidFill>
               </a:rPr>
-              <a:t>Setting </a:t>
-            </a:r>
-            <a:r>
-              <a:rPr lang="en-US" sz="1600" dirty="0" smtClean="0">
-                <a:solidFill>
-                  <a:schemeClr val="accent6"/>
-                </a:solidFill>
-              </a:rPr>
-              <a:t>up hostnames and Name resolution</a:t>
+              <a:t>Setting up hostnames and Name resolution</a:t>
             </a:r>
             <a:br>
               <a:rPr lang="en-US" sz="1600" dirty="0" smtClean="0">
@@ -4773,15 +4765,7 @@
                   <a:schemeClr val="accent6"/>
                 </a:solidFill>
               </a:rPr>
-              <a:t> </a:t>
-            </a:r>
-            <a:r>
-              <a:rPr lang="en-US" sz="2000" dirty="0" smtClean="0">
-                <a:solidFill>
-                  <a:schemeClr val="accent6"/>
-                </a:solidFill>
-              </a:rPr>
-              <a:t>foo</a:t>
+              <a:t> foo</a:t>
             </a:r>
             <a:br>
               <a:rPr lang="en-US" sz="2000" dirty="0" smtClean="0">
@@ -5958,15 +5942,7 @@
                   <a:schemeClr val="accent6"/>
                 </a:solidFill>
               </a:rPr>
-              <a:t>=&gt; to know to which network a computer belongs</a:t>
-            </a:r>
-            <a:r>
-              <a:rPr lang="en-US" sz="3100" dirty="0" smtClean="0">
-                <a:solidFill>
-                  <a:schemeClr val="accent6"/>
-                </a:solidFill>
-              </a:rPr>
-              <a:t>.</a:t>
+              <a:t>=&gt; to know to which network a computer belongs.</a:t>
             </a:r>
             <a:br>
               <a:rPr lang="en-US" sz="3100" dirty="0" smtClean="0">
@@ -5998,14 +5974,6 @@
                 </a:solidFill>
               </a:rPr>
               <a:t>=&gt; access point to send information to another computer.</a:t>
-            </a:r>
-            <a:r>
-              <a:rPr lang="en-US" sz="3100" dirty="0" smtClean="0">
-                <a:solidFill>
-                  <a:schemeClr val="accent6"/>
-                </a:solidFill>
-              </a:rPr>
-              <a:t/>
             </a:r>
             <a:br>
               <a:rPr lang="en-US" sz="3100" dirty="0" smtClean="0">
@@ -6555,23 +6523,7 @@
                   <a:schemeClr val="accent6"/>
                 </a:solidFill>
               </a:rPr>
-              <a:t>An IPv4 address is a 32-bit number, normally expressed in decimal as four octets ranging in value from 0 to 255, separated by dots. The address is divided into two parts: the network part and the host part. All hosts on the same </a:t>
-            </a:r>
-            <a:r>
-              <a:rPr lang="en-US" sz="2000" dirty="0" smtClean="0">
-                <a:solidFill>
-                  <a:schemeClr val="accent6"/>
-                </a:solidFill>
-              </a:rPr>
-              <a:t>subnet, </a:t>
-            </a:r>
-            <a:r>
-              <a:rPr lang="en-US" sz="2000" dirty="0" smtClean="0">
-                <a:solidFill>
-                  <a:schemeClr val="accent6"/>
-                </a:solidFill>
-              </a:rPr>
-              <a:t>which </a:t>
+              <a:t>An IPv4 address is a 32-bit number, normally expressed in decimal as four octets ranging in value from 0 to 255, separated by dots. The address is divided into two parts: the network part and the host part. All hosts on the same subnet, which </a:t>
             </a:r>
             <a:r>
               <a:rPr lang="en-US" sz="2000" dirty="0">
@@ -6818,15 +6770,7 @@
                   <a:schemeClr val="accent6"/>
                 </a:solidFill>
               </a:rPr>
-              <a:t>. Network masks could be expressed in 255.255.255.0 for example, or with a network prefix like </a:t>
-            </a:r>
-            <a:r>
-              <a:rPr lang="en-US" sz="2700" dirty="0" smtClean="0">
-                <a:solidFill>
-                  <a:schemeClr val="accent6"/>
-                </a:solidFill>
-              </a:rPr>
-              <a:t>‘</a:t>
+              <a:t>. Network masks could be expressed in 255.255.255.0 for example, or with a network prefix like ‘</a:t>
             </a:r>
             <a:r>
               <a:rPr lang="en-US" sz="2700" dirty="0" smtClean="0">
@@ -7031,23 +6975,7 @@
                   <a:schemeClr val="bg1"/>
                 </a:solidFill>
               </a:rPr>
-              <a:t>/27 = 1111 </a:t>
-            </a:r>
-            <a:r>
-              <a:rPr lang="en-US" sz="2000" dirty="0" smtClean="0">
-                <a:solidFill>
-                  <a:schemeClr val="bg1"/>
-                </a:solidFill>
-              </a:rPr>
-              <a:t>1111 . 1111 1111 . 1111 1111 . 1110 </a:t>
-            </a:r>
-            <a:r>
-              <a:rPr lang="en-US" sz="2000" dirty="0" smtClean="0">
-                <a:solidFill>
-                  <a:schemeClr val="bg1"/>
-                </a:solidFill>
-              </a:rPr>
-              <a:t>0000</a:t>
+              <a:t>/27 = 1111 1111 . 1111 1111 . 1111 1111 . 1110 0000</a:t>
             </a:r>
             <a:br>
               <a:rPr lang="en-US" sz="2000" dirty="0" smtClean="0">
@@ -8406,15 +8334,7 @@
                   <a:schemeClr val="accent6"/>
                 </a:solidFill>
               </a:rPr>
-              <a:t>Network </a:t>
-            </a:r>
-            <a:r>
-              <a:rPr lang="en-US" sz="2000" dirty="0" smtClean="0">
-                <a:solidFill>
-                  <a:schemeClr val="accent6"/>
-                </a:solidFill>
-              </a:rPr>
-              <a:t>traffic needs to move from host to host and network to network. Each host has a routing table, which tells it how to route traffic for particular networks.</a:t>
+              <a:t>Network traffic needs to move from host to host and network to network. Each host has a routing table, which tells it how to route traffic for particular networks.</a:t>
             </a:r>
             <a:r>
               <a:rPr lang="en-US" sz="2000" dirty="0">
@@ -8614,15 +8534,7 @@
                   <a:schemeClr val="accent6"/>
                 </a:solidFill>
               </a:rPr>
-              <a:t>3. Look for all listening TCP services and redirect the output to a </a:t>
-            </a:r>
-            <a:r>
-              <a:rPr lang="en-US" sz="2000" dirty="0" smtClean="0">
-                <a:solidFill>
-                  <a:schemeClr val="accent6"/>
-                </a:solidFill>
-              </a:rPr>
-              <a:t>file</a:t>
+              <a:t>3. Look for all listening TCP services and redirect the output to a file</a:t>
             </a:r>
             <a:br>
               <a:rPr lang="en-US" sz="2000" dirty="0" smtClean="0">
@@ -8741,14 +8653,6 @@
               </a:rPr>
               <a:t>. Easy to work it, since it has tab completion. </a:t>
             </a:r>
-            <a:r>
-              <a:rPr lang="en-US" sz="2000" dirty="0" smtClean="0">
-                <a:solidFill>
-                  <a:schemeClr val="accent6"/>
-                </a:solidFill>
-              </a:rPr>
-              <a:t/>
-            </a:r>
             <a:br>
               <a:rPr lang="en-US" sz="2000" dirty="0" smtClean="0">
                 <a:solidFill>
@@ -8770,15 +8674,7 @@
                   <a:schemeClr val="bg1"/>
                 </a:solidFill>
               </a:rPr>
-              <a:t> </a:t>
-            </a:r>
-            <a:r>
-              <a:rPr lang="en-US" sz="2000" dirty="0" smtClean="0">
-                <a:solidFill>
-                  <a:schemeClr val="bg1"/>
-                </a:solidFill>
-              </a:rPr>
-              <a:t>con show</a:t>
+              <a:t> con show</a:t>
             </a:r>
             <a:br>
               <a:rPr lang="en-US" sz="2000" dirty="0" smtClean="0">

--- a/06.Networking/06-Networking.pptx
+++ b/06.Networking/06-Networking.pptx
@@ -218,7 +218,7 @@
           <a:p>
             <a:fld id="{F75B78E0-CD5B-164B-84D5-F7B3D2B49E85}" type="datetimeFigureOut">
               <a:rPr lang="en-US" smtClean="0"/>
-              <a:t>4/20/17</a:t>
+              <a:t>4/25/2017</a:t>
             </a:fld>
             <a:endParaRPr lang="en-US"/>
           </a:p>
@@ -667,7 +667,7 @@
           <a:p>
             <a:fld id="{3EA744D9-3FBE-48D8-BF2A-85DF203E4D20}" type="datetimeFigureOut">
               <a:rPr lang="bg-BG" smtClean="0"/>
-              <a:t>20.04.17 г.</a:t>
+              <a:t>25.4.2017 г.</a:t>
             </a:fld>
             <a:endParaRPr lang="bg-BG"/>
           </a:p>
@@ -837,7 +837,7 @@
           <a:p>
             <a:fld id="{3EA744D9-3FBE-48D8-BF2A-85DF203E4D20}" type="datetimeFigureOut">
               <a:rPr lang="bg-BG" smtClean="0"/>
-              <a:t>20.04.17 г.</a:t>
+              <a:t>25.4.2017 г.</a:t>
             </a:fld>
             <a:endParaRPr lang="bg-BG"/>
           </a:p>
@@ -1017,7 +1017,7 @@
           <a:p>
             <a:fld id="{3EA744D9-3FBE-48D8-BF2A-85DF203E4D20}" type="datetimeFigureOut">
               <a:rPr lang="bg-BG" smtClean="0"/>
-              <a:t>20.04.17 г.</a:t>
+              <a:t>25.4.2017 г.</a:t>
             </a:fld>
             <a:endParaRPr lang="bg-BG"/>
           </a:p>
@@ -1187,7 +1187,7 @@
           <a:p>
             <a:fld id="{3EA744D9-3FBE-48D8-BF2A-85DF203E4D20}" type="datetimeFigureOut">
               <a:rPr lang="bg-BG" smtClean="0"/>
-              <a:t>20.04.17 г.</a:t>
+              <a:t>25.4.2017 г.</a:t>
             </a:fld>
             <a:endParaRPr lang="bg-BG"/>
           </a:p>
@@ -1433,7 +1433,7 @@
           <a:p>
             <a:fld id="{3EA744D9-3FBE-48D8-BF2A-85DF203E4D20}" type="datetimeFigureOut">
               <a:rPr lang="bg-BG" smtClean="0"/>
-              <a:t>20.04.17 г.</a:t>
+              <a:t>25.4.2017 г.</a:t>
             </a:fld>
             <a:endParaRPr lang="bg-BG"/>
           </a:p>
@@ -1721,7 +1721,7 @@
           <a:p>
             <a:fld id="{3EA744D9-3FBE-48D8-BF2A-85DF203E4D20}" type="datetimeFigureOut">
               <a:rPr lang="bg-BG" smtClean="0"/>
-              <a:t>20.04.17 г.</a:t>
+              <a:t>25.4.2017 г.</a:t>
             </a:fld>
             <a:endParaRPr lang="bg-BG"/>
           </a:p>
@@ -2143,7 +2143,7 @@
           <a:p>
             <a:fld id="{3EA744D9-3FBE-48D8-BF2A-85DF203E4D20}" type="datetimeFigureOut">
               <a:rPr lang="bg-BG" smtClean="0"/>
-              <a:t>20.04.17 г.</a:t>
+              <a:t>25.4.2017 г.</a:t>
             </a:fld>
             <a:endParaRPr lang="bg-BG"/>
           </a:p>
@@ -2261,7 +2261,7 @@
           <a:p>
             <a:fld id="{3EA744D9-3FBE-48D8-BF2A-85DF203E4D20}" type="datetimeFigureOut">
               <a:rPr lang="bg-BG" smtClean="0"/>
-              <a:t>20.04.17 г.</a:t>
+              <a:t>25.4.2017 г.</a:t>
             </a:fld>
             <a:endParaRPr lang="bg-BG"/>
           </a:p>
@@ -2356,7 +2356,7 @@
           <a:p>
             <a:fld id="{3EA744D9-3FBE-48D8-BF2A-85DF203E4D20}" type="datetimeFigureOut">
               <a:rPr lang="bg-BG" smtClean="0"/>
-              <a:t>20.04.17 г.</a:t>
+              <a:t>25.4.2017 г.</a:t>
             </a:fld>
             <a:endParaRPr lang="bg-BG"/>
           </a:p>
@@ -2633,7 +2633,7 @@
           <a:p>
             <a:fld id="{3EA744D9-3FBE-48D8-BF2A-85DF203E4D20}" type="datetimeFigureOut">
               <a:rPr lang="bg-BG" smtClean="0"/>
-              <a:t>20.04.17 г.</a:t>
+              <a:t>25.4.2017 г.</a:t>
             </a:fld>
             <a:endParaRPr lang="bg-BG"/>
           </a:p>
@@ -2886,7 +2886,7 @@
           <a:p>
             <a:fld id="{3EA744D9-3FBE-48D8-BF2A-85DF203E4D20}" type="datetimeFigureOut">
               <a:rPr lang="bg-BG" smtClean="0"/>
-              <a:t>20.04.17 г.</a:t>
+              <a:t>25.4.2017 г.</a:t>
             </a:fld>
             <a:endParaRPr lang="bg-BG"/>
           </a:p>
@@ -3108,7 +3108,7 @@
           <a:p>
             <a:fld id="{3EA744D9-3FBE-48D8-BF2A-85DF203E4D20}" type="datetimeFigureOut">
               <a:rPr lang="bg-BG" smtClean="0"/>
-              <a:t>20.04.17 г.</a:t>
+              <a:t>25.4.2017 г.</a:t>
             </a:fld>
             <a:endParaRPr lang="bg-BG"/>
           </a:p>
@@ -6487,7 +6487,7 @@
         <p:spPr>
           <a:xfrm>
             <a:off x="304800" y="609601"/>
-            <a:ext cx="8305800" cy="3785652"/>
+            <a:ext cx="8305800" cy="4401205"/>
           </a:xfrm>
           <a:prstGeom prst="rect">
             <a:avLst/>
@@ -6500,16 +6500,6 @@
           </a:bodyPr>
           <a:lstStyle/>
           <a:p>
-            <a:r>
-              <a:rPr lang="en-US" sz="2000" dirty="0" smtClean="0">
-                <a:solidFill>
-                  <a:schemeClr val="accent6"/>
-                </a:solidFill>
-              </a:rPr>
-              <a:t>IPv4 addresses</a:t>
-            </a:r>
-          </a:p>
-          <a:p>
             <a:endParaRPr lang="en-US" sz="2000" dirty="0">
               <a:solidFill>
                 <a:schemeClr val="accent6"/>
@@ -6518,29 +6508,106 @@
           </a:p>
           <a:p>
             <a:r>
-              <a:rPr lang="en-US" sz="2000" dirty="0" smtClean="0">
-                <a:solidFill>
-                  <a:schemeClr val="accent6"/>
-                </a:solidFill>
-              </a:rPr>
-              <a:t>An IPv4 address is a 32-bit number, normally expressed in decimal as four octets ranging in value from 0 to 255, separated by dots. The address is divided into two parts: the network part and the host part. All hosts on the same subnet, which </a:t>
-            </a:r>
-            <a:r>
-              <a:rPr lang="en-US" sz="2000" dirty="0">
-                <a:solidFill>
-                  <a:schemeClr val="accent6"/>
-                </a:solidFill>
-              </a:rPr>
-              <a:t>can talk to each other directly without a router, have the same network part. ; the network part identifies the </a:t>
-            </a:r>
-            <a:r>
-              <a:rPr lang="en-US" sz="2000" dirty="0" smtClean="0">
-                <a:solidFill>
-                  <a:schemeClr val="accent6"/>
-                </a:solidFill>
-              </a:rPr>
-              <a:t>subnet</a:t>
-            </a:r>
+              <a:rPr lang="en-US" sz="2400" dirty="0" smtClean="0">
+                <a:solidFill>
+                  <a:schemeClr val="accent6"/>
+                </a:solidFill>
+              </a:rPr>
+              <a:t>An IPv4 address is a </a:t>
+            </a:r>
+            <a:r>
+              <a:rPr lang="en-US" sz="2400" dirty="0" smtClean="0">
+                <a:solidFill>
+                  <a:schemeClr val="bg1"/>
+                </a:solidFill>
+              </a:rPr>
+              <a:t>32-bit number</a:t>
+            </a:r>
+            <a:r>
+              <a:rPr lang="en-US" sz="2400" dirty="0" smtClean="0">
+                <a:solidFill>
+                  <a:schemeClr val="accent6"/>
+                </a:solidFill>
+              </a:rPr>
+              <a:t>, normally expressed in decimal as </a:t>
+            </a:r>
+            <a:r>
+              <a:rPr lang="en-US" sz="2400" dirty="0" smtClean="0">
+                <a:solidFill>
+                  <a:schemeClr val="bg1"/>
+                </a:solidFill>
+              </a:rPr>
+              <a:t>four octets </a:t>
+            </a:r>
+            <a:r>
+              <a:rPr lang="en-US" sz="2400" dirty="0" smtClean="0">
+                <a:solidFill>
+                  <a:schemeClr val="accent6"/>
+                </a:solidFill>
+              </a:rPr>
+              <a:t>ranging in value from 0 to 255, separated by dots. The address is divided into two parts: </a:t>
+            </a:r>
+            <a:r>
+              <a:rPr lang="en-US" sz="2400" dirty="0" smtClean="0">
+                <a:solidFill>
+                  <a:schemeClr val="bg1"/>
+                </a:solidFill>
+              </a:rPr>
+              <a:t>the network part and the host part</a:t>
+            </a:r>
+            <a:r>
+              <a:rPr lang="en-US" sz="2400" dirty="0" smtClean="0">
+                <a:solidFill>
+                  <a:schemeClr val="accent6"/>
+                </a:solidFill>
+              </a:rPr>
+              <a:t>. All hosts on the same subnet, which </a:t>
+            </a:r>
+            <a:r>
+              <a:rPr lang="en-US" sz="2400" dirty="0">
+                <a:solidFill>
+                  <a:schemeClr val="accent6"/>
+                </a:solidFill>
+              </a:rPr>
+              <a:t>can talk to each other directly without a router, have the same network part. </a:t>
+            </a:r>
+            <a:r>
+              <a:rPr lang="en-US" sz="2400" dirty="0" smtClean="0">
+                <a:solidFill>
+                  <a:schemeClr val="accent6"/>
+                </a:solidFill>
+              </a:rPr>
+              <a:t> </a:t>
+            </a:r>
+          </a:p>
+          <a:p>
+            <a:endParaRPr lang="en-US" sz="2400" dirty="0" smtClean="0">
+              <a:solidFill>
+                <a:schemeClr val="accent6"/>
+              </a:solidFill>
+            </a:endParaRPr>
+          </a:p>
+          <a:p>
+            <a:r>
+              <a:rPr lang="en-US" sz="2400" dirty="0" smtClean="0">
+                <a:solidFill>
+                  <a:schemeClr val="accent6"/>
+                </a:solidFill>
+              </a:rPr>
+              <a:t>To know which part of an IPv4 address is the network part and which the host, an admin must know the netmask, which is assigned to the subnet.</a:t>
+            </a:r>
+            <a:endParaRPr lang="en-US" sz="2400" dirty="0">
+              <a:solidFill>
+                <a:schemeClr val="accent6"/>
+              </a:solidFill>
+            </a:endParaRPr>
+          </a:p>
+          <a:p>
+            <a:endParaRPr lang="en-US" sz="2400" dirty="0">
+              <a:solidFill>
+                <a:schemeClr val="accent6"/>
+              </a:solidFill>
+            </a:endParaRPr>
           </a:p>
           <a:p>
             <a:endParaRPr lang="en-US" sz="2000" dirty="0" smtClean="0">
@@ -6549,67 +6616,8 @@
               </a:solidFill>
             </a:endParaRPr>
           </a:p>
-          <a:p>
-            <a:r>
-              <a:rPr lang="en-US" sz="2000" dirty="0" smtClean="0">
-                <a:solidFill>
-                  <a:schemeClr val="accent6"/>
-                </a:solidFill>
-              </a:rPr>
-              <a:t>To know which part of an IPv4 address is the network part and which the host, an admin must know the netmask, which is assigned to the subnet.</a:t>
-            </a:r>
-            <a:endParaRPr lang="en-US" sz="2000" dirty="0">
-              <a:solidFill>
-                <a:schemeClr val="accent6"/>
-              </a:solidFill>
-            </a:endParaRPr>
-          </a:p>
-          <a:p>
-            <a:endParaRPr lang="en-US" sz="2000" dirty="0">
-              <a:solidFill>
-                <a:schemeClr val="accent6"/>
-              </a:solidFill>
-            </a:endParaRPr>
-          </a:p>
-          <a:p>
-            <a:endParaRPr lang="en-US" sz="2000" dirty="0" smtClean="0">
-              <a:solidFill>
-                <a:schemeClr val="accent6"/>
-              </a:solidFill>
-            </a:endParaRPr>
-          </a:p>
         </p:txBody>
       </p:sp>
-      <p:pic>
-        <p:nvPicPr>
-          <p:cNvPr id="3" name="Picture 2"/>
-          <p:cNvPicPr>
-            <a:picLocks noChangeAspect="1"/>
-          </p:cNvPicPr>
-          <p:nvPr/>
-        </p:nvPicPr>
-        <p:blipFill>
-          <a:blip r:embed="rId2">
-            <a:extLst>
-              <a:ext uri="{28A0092B-C50C-407E-A947-70E740481C1C}">
-                <a14:useLocalDpi xmlns:a14="http://schemas.microsoft.com/office/drawing/2010/main" val="0"/>
-              </a:ext>
-            </a:extLst>
-          </a:blip>
-          <a:stretch>
-            <a:fillRect/>
-          </a:stretch>
-        </p:blipFill>
-        <p:spPr>
-          <a:xfrm>
-            <a:off x="1828800" y="3685874"/>
-            <a:ext cx="4800600" cy="3019359"/>
-          </a:xfrm>
-          <a:prstGeom prst="rect">
-            <a:avLst/>
-          </a:prstGeom>
-        </p:spPr>
-      </p:pic>
     </p:spTree>
     <p:extLst>
       <p:ext uri="{BB962C8B-B14F-4D97-AF65-F5344CB8AC3E}">
